--- a/plots/gc-plot.pptx
+++ b/plots/gc-plot.pptx
@@ -6484,13 +6484,813 @@
         </p:sp>
         <p:sp>
           <p:nvSpPr>
-            <p:cNvPr id="112" name="pt112"/>
-            <p:cNvSpPr/>
-            <p:nvPr/>
-          </p:nvSpPr>
-          <p:spPr>
-            <a:xfrm>
-              <a:off x="2091604" y="3274953"/>
+            <p:cNvPr id="112" name="pl112"/>
+            <p:cNvSpPr/>
+            <p:nvPr/>
+          </p:nvSpPr>
+          <p:spPr>
+            <a:xfrm>
+              <a:off x="1798025" y="3260556"/>
+              <a:ext cx="1155878" cy="0"/>
+            </a:xfrm>
+            <a:custGeom>
+              <a:avLst/>
+              <a:pathLst>
+                <a:path w="1155878" h="0">
+                  <a:moveTo>
+                    <a:pt x="0" y="0"/>
+                  </a:moveTo>
+                  <a:lnTo>
+                    <a:pt x="1155878" y="0"/>
+                  </a:lnTo>
+                </a:path>
+              </a:pathLst>
+            </a:custGeom>
+            <a:ln w="108405" cap="flat">
+              <a:solidFill>
+                <a:srgbClr val="FFC0CB">
+                  <a:alpha val="100000"/>
+                </a:srgbClr>
+              </a:solidFill>
+              <a:prstDash val="solid"/>
+              <a:round/>
+            </a:ln>
+          </p:spPr>
+          <p:txBody>
+            <a:bodyPr/>
+            <a:lstStyle/>
+            <a:p/>
+          </p:txBody>
+        </p:sp>
+        <p:sp>
+          <p:nvSpPr>
+            <p:cNvPr id="113" name="pl113"/>
+            <p:cNvSpPr/>
+            <p:nvPr/>
+          </p:nvSpPr>
+          <p:spPr>
+            <a:xfrm>
+              <a:off x="1798025" y="3260556"/>
+              <a:ext cx="1155878" cy="0"/>
+            </a:xfrm>
+            <a:custGeom>
+              <a:avLst/>
+              <a:pathLst>
+                <a:path w="1155878" h="0">
+                  <a:moveTo>
+                    <a:pt x="0" y="0"/>
+                  </a:moveTo>
+                  <a:lnTo>
+                    <a:pt x="1155878" y="0"/>
+                  </a:lnTo>
+                </a:path>
+              </a:pathLst>
+            </a:custGeom>
+            <a:ln w="108405" cap="flat">
+              <a:solidFill>
+                <a:srgbClr val="FFC0CB">
+                  <a:alpha val="100000"/>
+                </a:srgbClr>
+              </a:solidFill>
+              <a:prstDash val="solid"/>
+              <a:round/>
+            </a:ln>
+          </p:spPr>
+          <p:txBody>
+            <a:bodyPr/>
+            <a:lstStyle/>
+            <a:p/>
+          </p:txBody>
+        </p:sp>
+        <p:sp>
+          <p:nvSpPr>
+            <p:cNvPr id="114" name="pl114"/>
+            <p:cNvSpPr/>
+            <p:nvPr/>
+          </p:nvSpPr>
+          <p:spPr>
+            <a:xfrm>
+              <a:off x="1798025" y="3260556"/>
+              <a:ext cx="1155878" cy="0"/>
+            </a:xfrm>
+            <a:custGeom>
+              <a:avLst/>
+              <a:pathLst>
+                <a:path w="1155878" h="0">
+                  <a:moveTo>
+                    <a:pt x="0" y="0"/>
+                  </a:moveTo>
+                  <a:lnTo>
+                    <a:pt x="1155878" y="0"/>
+                  </a:lnTo>
+                </a:path>
+              </a:pathLst>
+            </a:custGeom>
+            <a:ln w="108405" cap="flat">
+              <a:solidFill>
+                <a:srgbClr val="FFC0CB">
+                  <a:alpha val="100000"/>
+                </a:srgbClr>
+              </a:solidFill>
+              <a:prstDash val="solid"/>
+              <a:round/>
+            </a:ln>
+          </p:spPr>
+          <p:txBody>
+            <a:bodyPr/>
+            <a:lstStyle/>
+            <a:p/>
+          </p:txBody>
+        </p:sp>
+        <p:sp>
+          <p:nvSpPr>
+            <p:cNvPr id="115" name="pl115"/>
+            <p:cNvSpPr/>
+            <p:nvPr/>
+          </p:nvSpPr>
+          <p:spPr>
+            <a:xfrm>
+              <a:off x="1798025" y="3260556"/>
+              <a:ext cx="1155878" cy="0"/>
+            </a:xfrm>
+            <a:custGeom>
+              <a:avLst/>
+              <a:pathLst>
+                <a:path w="1155878" h="0">
+                  <a:moveTo>
+                    <a:pt x="0" y="0"/>
+                  </a:moveTo>
+                  <a:lnTo>
+                    <a:pt x="1155878" y="0"/>
+                  </a:lnTo>
+                </a:path>
+              </a:pathLst>
+            </a:custGeom>
+            <a:ln w="108405" cap="flat">
+              <a:solidFill>
+                <a:srgbClr val="FFC0CB">
+                  <a:alpha val="100000"/>
+                </a:srgbClr>
+              </a:solidFill>
+              <a:prstDash val="solid"/>
+              <a:round/>
+            </a:ln>
+          </p:spPr>
+          <p:txBody>
+            <a:bodyPr/>
+            <a:lstStyle/>
+            <a:p/>
+          </p:txBody>
+        </p:sp>
+        <p:sp>
+          <p:nvSpPr>
+            <p:cNvPr id="116" name="pl116"/>
+            <p:cNvSpPr/>
+            <p:nvPr/>
+          </p:nvSpPr>
+          <p:spPr>
+            <a:xfrm>
+              <a:off x="1798025" y="3260556"/>
+              <a:ext cx="1155878" cy="0"/>
+            </a:xfrm>
+            <a:custGeom>
+              <a:avLst/>
+              <a:pathLst>
+                <a:path w="1155878" h="0">
+                  <a:moveTo>
+                    <a:pt x="0" y="0"/>
+                  </a:moveTo>
+                  <a:lnTo>
+                    <a:pt x="1155878" y="0"/>
+                  </a:lnTo>
+                </a:path>
+              </a:pathLst>
+            </a:custGeom>
+            <a:ln w="108405" cap="flat">
+              <a:solidFill>
+                <a:srgbClr val="FFC0CB">
+                  <a:alpha val="100000"/>
+                </a:srgbClr>
+              </a:solidFill>
+              <a:prstDash val="solid"/>
+              <a:round/>
+            </a:ln>
+          </p:spPr>
+          <p:txBody>
+            <a:bodyPr/>
+            <a:lstStyle/>
+            <a:p/>
+          </p:txBody>
+        </p:sp>
+        <p:sp>
+          <p:nvSpPr>
+            <p:cNvPr id="117" name="pl117"/>
+            <p:cNvSpPr/>
+            <p:nvPr/>
+          </p:nvSpPr>
+          <p:spPr>
+            <a:xfrm>
+              <a:off x="1798025" y="3260556"/>
+              <a:ext cx="1155878" cy="0"/>
+            </a:xfrm>
+            <a:custGeom>
+              <a:avLst/>
+              <a:pathLst>
+                <a:path w="1155878" h="0">
+                  <a:moveTo>
+                    <a:pt x="0" y="0"/>
+                  </a:moveTo>
+                  <a:lnTo>
+                    <a:pt x="1155878" y="0"/>
+                  </a:lnTo>
+                </a:path>
+              </a:pathLst>
+            </a:custGeom>
+            <a:ln w="108405" cap="flat">
+              <a:solidFill>
+                <a:srgbClr val="FFC0CB">
+                  <a:alpha val="100000"/>
+                </a:srgbClr>
+              </a:solidFill>
+              <a:prstDash val="solid"/>
+              <a:round/>
+            </a:ln>
+          </p:spPr>
+          <p:txBody>
+            <a:bodyPr/>
+            <a:lstStyle/>
+            <a:p/>
+          </p:txBody>
+        </p:sp>
+        <p:sp>
+          <p:nvSpPr>
+            <p:cNvPr id="118" name="pl118"/>
+            <p:cNvSpPr/>
+            <p:nvPr/>
+          </p:nvSpPr>
+          <p:spPr>
+            <a:xfrm>
+              <a:off x="2213244" y="2922950"/>
+              <a:ext cx="1081064" cy="0"/>
+            </a:xfrm>
+            <a:custGeom>
+              <a:avLst/>
+              <a:pathLst>
+                <a:path w="1081064" h="0">
+                  <a:moveTo>
+                    <a:pt x="0" y="0"/>
+                  </a:moveTo>
+                  <a:lnTo>
+                    <a:pt x="1081064" y="0"/>
+                  </a:lnTo>
+                </a:path>
+              </a:pathLst>
+            </a:custGeom>
+            <a:ln w="108405" cap="flat">
+              <a:solidFill>
+                <a:srgbClr val="FFC0CB">
+                  <a:alpha val="100000"/>
+                </a:srgbClr>
+              </a:solidFill>
+              <a:prstDash val="solid"/>
+              <a:round/>
+            </a:ln>
+          </p:spPr>
+          <p:txBody>
+            <a:bodyPr/>
+            <a:lstStyle/>
+            <a:p/>
+          </p:txBody>
+        </p:sp>
+        <p:sp>
+          <p:nvSpPr>
+            <p:cNvPr id="119" name="pl119"/>
+            <p:cNvSpPr/>
+            <p:nvPr/>
+          </p:nvSpPr>
+          <p:spPr>
+            <a:xfrm>
+              <a:off x="2213244" y="2922950"/>
+              <a:ext cx="1081064" cy="0"/>
+            </a:xfrm>
+            <a:custGeom>
+              <a:avLst/>
+              <a:pathLst>
+                <a:path w="1081064" h="0">
+                  <a:moveTo>
+                    <a:pt x="0" y="0"/>
+                  </a:moveTo>
+                  <a:lnTo>
+                    <a:pt x="1081064" y="0"/>
+                  </a:lnTo>
+                </a:path>
+              </a:pathLst>
+            </a:custGeom>
+            <a:ln w="108405" cap="flat">
+              <a:solidFill>
+                <a:srgbClr val="FFC0CB">
+                  <a:alpha val="100000"/>
+                </a:srgbClr>
+              </a:solidFill>
+              <a:prstDash val="solid"/>
+              <a:round/>
+            </a:ln>
+          </p:spPr>
+          <p:txBody>
+            <a:bodyPr/>
+            <a:lstStyle/>
+            <a:p/>
+          </p:txBody>
+        </p:sp>
+        <p:sp>
+          <p:nvSpPr>
+            <p:cNvPr id="120" name="pl120"/>
+            <p:cNvSpPr/>
+            <p:nvPr/>
+          </p:nvSpPr>
+          <p:spPr>
+            <a:xfrm>
+              <a:off x="2213244" y="2922950"/>
+              <a:ext cx="1081064" cy="0"/>
+            </a:xfrm>
+            <a:custGeom>
+              <a:avLst/>
+              <a:pathLst>
+                <a:path w="1081064" h="0">
+                  <a:moveTo>
+                    <a:pt x="0" y="0"/>
+                  </a:moveTo>
+                  <a:lnTo>
+                    <a:pt x="1081064" y="0"/>
+                  </a:lnTo>
+                </a:path>
+              </a:pathLst>
+            </a:custGeom>
+            <a:ln w="108405" cap="flat">
+              <a:solidFill>
+                <a:srgbClr val="FFC0CB">
+                  <a:alpha val="100000"/>
+                </a:srgbClr>
+              </a:solidFill>
+              <a:prstDash val="solid"/>
+              <a:round/>
+            </a:ln>
+          </p:spPr>
+          <p:txBody>
+            <a:bodyPr/>
+            <a:lstStyle/>
+            <a:p/>
+          </p:txBody>
+        </p:sp>
+        <p:sp>
+          <p:nvSpPr>
+            <p:cNvPr id="121" name="pl121"/>
+            <p:cNvSpPr/>
+            <p:nvPr/>
+          </p:nvSpPr>
+          <p:spPr>
+            <a:xfrm>
+              <a:off x="2213244" y="2922950"/>
+              <a:ext cx="1081064" cy="0"/>
+            </a:xfrm>
+            <a:custGeom>
+              <a:avLst/>
+              <a:pathLst>
+                <a:path w="1081064" h="0">
+                  <a:moveTo>
+                    <a:pt x="0" y="0"/>
+                  </a:moveTo>
+                  <a:lnTo>
+                    <a:pt x="1081064" y="0"/>
+                  </a:lnTo>
+                </a:path>
+              </a:pathLst>
+            </a:custGeom>
+            <a:ln w="108405" cap="flat">
+              <a:solidFill>
+                <a:srgbClr val="FFC0CB">
+                  <a:alpha val="100000"/>
+                </a:srgbClr>
+              </a:solidFill>
+              <a:prstDash val="solid"/>
+              <a:round/>
+            </a:ln>
+          </p:spPr>
+          <p:txBody>
+            <a:bodyPr/>
+            <a:lstStyle/>
+            <a:p/>
+          </p:txBody>
+        </p:sp>
+        <p:sp>
+          <p:nvSpPr>
+            <p:cNvPr id="122" name="pl122"/>
+            <p:cNvSpPr/>
+            <p:nvPr/>
+          </p:nvSpPr>
+          <p:spPr>
+            <a:xfrm>
+              <a:off x="2213244" y="2922950"/>
+              <a:ext cx="1081064" cy="0"/>
+            </a:xfrm>
+            <a:custGeom>
+              <a:avLst/>
+              <a:pathLst>
+                <a:path w="1081064" h="0">
+                  <a:moveTo>
+                    <a:pt x="0" y="0"/>
+                  </a:moveTo>
+                  <a:lnTo>
+                    <a:pt x="1081064" y="0"/>
+                  </a:lnTo>
+                </a:path>
+              </a:pathLst>
+            </a:custGeom>
+            <a:ln w="108405" cap="flat">
+              <a:solidFill>
+                <a:srgbClr val="FFC0CB">
+                  <a:alpha val="100000"/>
+                </a:srgbClr>
+              </a:solidFill>
+              <a:prstDash val="solid"/>
+              <a:round/>
+            </a:ln>
+          </p:spPr>
+          <p:txBody>
+            <a:bodyPr/>
+            <a:lstStyle/>
+            <a:p/>
+          </p:txBody>
+        </p:sp>
+        <p:sp>
+          <p:nvSpPr>
+            <p:cNvPr id="123" name="pl123"/>
+            <p:cNvSpPr/>
+            <p:nvPr/>
+          </p:nvSpPr>
+          <p:spPr>
+            <a:xfrm>
+              <a:off x="2213244" y="2922950"/>
+              <a:ext cx="1081064" cy="0"/>
+            </a:xfrm>
+            <a:custGeom>
+              <a:avLst/>
+              <a:pathLst>
+                <a:path w="1081064" h="0">
+                  <a:moveTo>
+                    <a:pt x="0" y="0"/>
+                  </a:moveTo>
+                  <a:lnTo>
+                    <a:pt x="1081064" y="0"/>
+                  </a:lnTo>
+                </a:path>
+              </a:pathLst>
+            </a:custGeom>
+            <a:ln w="108405" cap="flat">
+              <a:solidFill>
+                <a:srgbClr val="FFC0CB">
+                  <a:alpha val="100000"/>
+                </a:srgbClr>
+              </a:solidFill>
+              <a:prstDash val="solid"/>
+              <a:round/>
+            </a:ln>
+          </p:spPr>
+          <p:txBody>
+            <a:bodyPr/>
+            <a:lstStyle/>
+            <a:p/>
+          </p:txBody>
+        </p:sp>
+        <p:sp>
+          <p:nvSpPr>
+            <p:cNvPr id="124" name="pl124"/>
+            <p:cNvSpPr/>
+            <p:nvPr/>
+          </p:nvSpPr>
+          <p:spPr>
+            <a:xfrm>
+              <a:off x="2213244" y="2922950"/>
+              <a:ext cx="1081064" cy="0"/>
+            </a:xfrm>
+            <a:custGeom>
+              <a:avLst/>
+              <a:pathLst>
+                <a:path w="1081064" h="0">
+                  <a:moveTo>
+                    <a:pt x="0" y="0"/>
+                  </a:moveTo>
+                  <a:lnTo>
+                    <a:pt x="1081064" y="0"/>
+                  </a:lnTo>
+                </a:path>
+              </a:pathLst>
+            </a:custGeom>
+            <a:ln w="108405" cap="flat">
+              <a:solidFill>
+                <a:srgbClr val="FFC0CB">
+                  <a:alpha val="100000"/>
+                </a:srgbClr>
+              </a:solidFill>
+              <a:prstDash val="solid"/>
+              <a:round/>
+            </a:ln>
+          </p:spPr>
+          <p:txBody>
+            <a:bodyPr/>
+            <a:lstStyle/>
+            <a:p/>
+          </p:txBody>
+        </p:sp>
+        <p:sp>
+          <p:nvSpPr>
+            <p:cNvPr id="125" name="pl125"/>
+            <p:cNvSpPr/>
+            <p:nvPr/>
+          </p:nvSpPr>
+          <p:spPr>
+            <a:xfrm>
+              <a:off x="2213244" y="2922950"/>
+              <a:ext cx="1081064" cy="0"/>
+            </a:xfrm>
+            <a:custGeom>
+              <a:avLst/>
+              <a:pathLst>
+                <a:path w="1081064" h="0">
+                  <a:moveTo>
+                    <a:pt x="0" y="0"/>
+                  </a:moveTo>
+                  <a:lnTo>
+                    <a:pt x="1081064" y="0"/>
+                  </a:lnTo>
+                </a:path>
+              </a:pathLst>
+            </a:custGeom>
+            <a:ln w="108405" cap="flat">
+              <a:solidFill>
+                <a:srgbClr val="FFC0CB">
+                  <a:alpha val="100000"/>
+                </a:srgbClr>
+              </a:solidFill>
+              <a:prstDash val="solid"/>
+              <a:round/>
+            </a:ln>
+          </p:spPr>
+          <p:txBody>
+            <a:bodyPr/>
+            <a:lstStyle/>
+            <a:p/>
+          </p:txBody>
+        </p:sp>
+        <p:sp>
+          <p:nvSpPr>
+            <p:cNvPr id="126" name="pl126"/>
+            <p:cNvSpPr/>
+            <p:nvPr/>
+          </p:nvSpPr>
+          <p:spPr>
+            <a:xfrm>
+              <a:off x="2213244" y="2922950"/>
+              <a:ext cx="1081064" cy="0"/>
+            </a:xfrm>
+            <a:custGeom>
+              <a:avLst/>
+              <a:pathLst>
+                <a:path w="1081064" h="0">
+                  <a:moveTo>
+                    <a:pt x="0" y="0"/>
+                  </a:moveTo>
+                  <a:lnTo>
+                    <a:pt x="1081064" y="0"/>
+                  </a:lnTo>
+                </a:path>
+              </a:pathLst>
+            </a:custGeom>
+            <a:ln w="108405" cap="flat">
+              <a:solidFill>
+                <a:srgbClr val="FFC0CB">
+                  <a:alpha val="100000"/>
+                </a:srgbClr>
+              </a:solidFill>
+              <a:prstDash val="solid"/>
+              <a:round/>
+            </a:ln>
+          </p:spPr>
+          <p:txBody>
+            <a:bodyPr/>
+            <a:lstStyle/>
+            <a:p/>
+          </p:txBody>
+        </p:sp>
+        <p:sp>
+          <p:nvSpPr>
+            <p:cNvPr id="127" name="pl127"/>
+            <p:cNvSpPr/>
+            <p:nvPr/>
+          </p:nvSpPr>
+          <p:spPr>
+            <a:xfrm>
+              <a:off x="2269355" y="3935769"/>
+              <a:ext cx="67332" cy="0"/>
+            </a:xfrm>
+            <a:custGeom>
+              <a:avLst/>
+              <a:pathLst>
+                <a:path w="67332" h="0">
+                  <a:moveTo>
+                    <a:pt x="0" y="0"/>
+                  </a:moveTo>
+                  <a:lnTo>
+                    <a:pt x="67332" y="0"/>
+                  </a:lnTo>
+                </a:path>
+              </a:pathLst>
+            </a:custGeom>
+            <a:ln w="108405" cap="flat">
+              <a:solidFill>
+                <a:srgbClr val="FFC0CB">
+                  <a:alpha val="100000"/>
+                </a:srgbClr>
+              </a:solidFill>
+              <a:prstDash val="solid"/>
+              <a:round/>
+            </a:ln>
+          </p:spPr>
+          <p:txBody>
+            <a:bodyPr/>
+            <a:lstStyle/>
+            <a:p/>
+          </p:txBody>
+        </p:sp>
+        <p:sp>
+          <p:nvSpPr>
+            <p:cNvPr id="128" name="pl128"/>
+            <p:cNvSpPr/>
+            <p:nvPr/>
+          </p:nvSpPr>
+          <p:spPr>
+            <a:xfrm>
+              <a:off x="2269355" y="3935769"/>
+              <a:ext cx="67332" cy="0"/>
+            </a:xfrm>
+            <a:custGeom>
+              <a:avLst/>
+              <a:pathLst>
+                <a:path w="67332" h="0">
+                  <a:moveTo>
+                    <a:pt x="0" y="0"/>
+                  </a:moveTo>
+                  <a:lnTo>
+                    <a:pt x="67332" y="0"/>
+                  </a:lnTo>
+                </a:path>
+              </a:pathLst>
+            </a:custGeom>
+            <a:ln w="108405" cap="flat">
+              <a:solidFill>
+                <a:srgbClr val="FFC0CB">
+                  <a:alpha val="100000"/>
+                </a:srgbClr>
+              </a:solidFill>
+              <a:prstDash val="solid"/>
+              <a:round/>
+            </a:ln>
+          </p:spPr>
+          <p:txBody>
+            <a:bodyPr/>
+            <a:lstStyle/>
+            <a:p/>
+          </p:txBody>
+        </p:sp>
+        <p:sp>
+          <p:nvSpPr>
+            <p:cNvPr id="129" name="pl129"/>
+            <p:cNvSpPr/>
+            <p:nvPr/>
+          </p:nvSpPr>
+          <p:spPr>
+            <a:xfrm>
+              <a:off x="2205763" y="3598163"/>
+              <a:ext cx="89776" cy="0"/>
+            </a:xfrm>
+            <a:custGeom>
+              <a:avLst/>
+              <a:pathLst>
+                <a:path w="89776" h="0">
+                  <a:moveTo>
+                    <a:pt x="0" y="0"/>
+                  </a:moveTo>
+                  <a:lnTo>
+                    <a:pt x="89776" y="0"/>
+                  </a:lnTo>
+                </a:path>
+              </a:pathLst>
+            </a:custGeom>
+            <a:ln w="108405" cap="flat">
+              <a:solidFill>
+                <a:srgbClr val="FFC0CB">
+                  <a:alpha val="100000"/>
+                </a:srgbClr>
+              </a:solidFill>
+              <a:prstDash val="solid"/>
+              <a:round/>
+            </a:ln>
+          </p:spPr>
+          <p:txBody>
+            <a:bodyPr/>
+            <a:lstStyle/>
+            <a:p/>
+          </p:txBody>
+        </p:sp>
+        <p:sp>
+          <p:nvSpPr>
+            <p:cNvPr id="130" name="pl130"/>
+            <p:cNvSpPr/>
+            <p:nvPr/>
+          </p:nvSpPr>
+          <p:spPr>
+            <a:xfrm>
+              <a:off x="2205763" y="3598163"/>
+              <a:ext cx="89776" cy="0"/>
+            </a:xfrm>
+            <a:custGeom>
+              <a:avLst/>
+              <a:pathLst>
+                <a:path w="89776" h="0">
+                  <a:moveTo>
+                    <a:pt x="0" y="0"/>
+                  </a:moveTo>
+                  <a:lnTo>
+                    <a:pt x="89776" y="0"/>
+                  </a:lnTo>
+                </a:path>
+              </a:pathLst>
+            </a:custGeom>
+            <a:ln w="108405" cap="flat">
+              <a:solidFill>
+                <a:srgbClr val="FFC0CB">
+                  <a:alpha val="100000"/>
+                </a:srgbClr>
+              </a:solidFill>
+              <a:prstDash val="solid"/>
+              <a:round/>
+            </a:ln>
+          </p:spPr>
+          <p:txBody>
+            <a:bodyPr/>
+            <a:lstStyle/>
+            <a:p/>
+          </p:txBody>
+        </p:sp>
+        <p:sp>
+          <p:nvSpPr>
+            <p:cNvPr id="131" name="pl131"/>
+            <p:cNvSpPr/>
+            <p:nvPr/>
+          </p:nvSpPr>
+          <p:spPr>
+            <a:xfrm>
+              <a:off x="2213244" y="2922950"/>
+              <a:ext cx="1081064" cy="0"/>
+            </a:xfrm>
+            <a:custGeom>
+              <a:avLst/>
+              <a:pathLst>
+                <a:path w="1081064" h="0">
+                  <a:moveTo>
+                    <a:pt x="0" y="0"/>
+                  </a:moveTo>
+                  <a:lnTo>
+                    <a:pt x="1081064" y="0"/>
+                  </a:lnTo>
+                </a:path>
+              </a:pathLst>
+            </a:custGeom>
+            <a:ln w="108405" cap="flat">
+              <a:solidFill>
+                <a:srgbClr val="FFC0CB">
+                  <a:alpha val="100000"/>
+                </a:srgbClr>
+              </a:solidFill>
+              <a:prstDash val="solid"/>
+              <a:round/>
+            </a:ln>
+          </p:spPr>
+          <p:txBody>
+            <a:bodyPr/>
+            <a:lstStyle/>
+            <a:p/>
+          </p:txBody>
+        </p:sp>
+        <p:sp>
+          <p:nvSpPr>
+            <p:cNvPr id="132" name="pt132"/>
+            <p:cNvSpPr/>
+            <p:nvPr/>
+          </p:nvSpPr>
+          <p:spPr>
+            <a:xfrm>
+              <a:off x="2163798" y="3180472"/>
               <a:ext cx="68966" cy="68966"/>
             </a:xfrm>
             <a:prstGeom prst="ellipse">
@@ -6519,13 +7319,13 @@
         </p:sp>
         <p:sp>
           <p:nvSpPr>
-            <p:cNvPr id="113" name="pt113"/>
-            <p:cNvSpPr/>
-            <p:nvPr/>
-          </p:nvSpPr>
-          <p:spPr>
-            <a:xfrm>
-              <a:off x="2012019" y="3223695"/>
+            <p:cNvPr id="133" name="pt133"/>
+            <p:cNvSpPr/>
+            <p:nvPr/>
+          </p:nvSpPr>
+          <p:spPr>
+            <a:xfrm>
+              <a:off x="2090454" y="3303796"/>
               <a:ext cx="36101" cy="36101"/>
             </a:xfrm>
             <a:prstGeom prst="ellipse">
@@ -6554,13 +7354,13 @@
         </p:sp>
         <p:sp>
           <p:nvSpPr>
-            <p:cNvPr id="114" name="pt114"/>
-            <p:cNvSpPr/>
-            <p:nvPr/>
-          </p:nvSpPr>
-          <p:spPr>
-            <a:xfrm>
-              <a:off x="2012019" y="3288705"/>
+            <p:cNvPr id="134" name="pt134"/>
+            <p:cNvSpPr/>
+            <p:nvPr/>
+          </p:nvSpPr>
+          <p:spPr>
+            <a:xfrm>
+              <a:off x="2090454" y="3217510"/>
               <a:ext cx="36101" cy="36101"/>
             </a:xfrm>
             <a:prstGeom prst="ellipse">
@@ -6589,13 +7389,13 @@
         </p:sp>
         <p:sp>
           <p:nvSpPr>
-            <p:cNvPr id="115" name="pt115"/>
-            <p:cNvSpPr/>
-            <p:nvPr/>
-          </p:nvSpPr>
-          <p:spPr>
-            <a:xfrm>
-              <a:off x="1968010" y="3267819"/>
+            <p:cNvPr id="135" name="pt135"/>
+            <p:cNvSpPr/>
+            <p:nvPr/>
+          </p:nvSpPr>
+          <p:spPr>
+            <a:xfrm>
+              <a:off x="2049306" y="3240010"/>
               <a:ext cx="36101" cy="36101"/>
             </a:xfrm>
             <a:prstGeom prst="ellipse">
@@ -6624,13 +7424,13 @@
         </p:sp>
         <p:sp>
           <p:nvSpPr>
-            <p:cNvPr id="116" name="pt116"/>
-            <p:cNvSpPr/>
-            <p:nvPr/>
-          </p:nvSpPr>
-          <p:spPr>
-            <a:xfrm>
-              <a:off x="1871992" y="3181223"/>
+            <p:cNvPr id="136" name="pt136"/>
+            <p:cNvSpPr/>
+            <p:nvPr/>
+          </p:nvSpPr>
+          <p:spPr>
+            <a:xfrm>
+              <a:off x="1959529" y="3272290"/>
               <a:ext cx="36101" cy="36101"/>
             </a:xfrm>
             <a:prstGeom prst="ellipse">
@@ -6659,13 +7459,13 @@
         </p:sp>
         <p:sp>
           <p:nvSpPr>
-            <p:cNvPr id="117" name="pt117"/>
-            <p:cNvSpPr/>
-            <p:nvPr/>
-          </p:nvSpPr>
-          <p:spPr>
-            <a:xfrm>
-              <a:off x="2095578" y="3151971"/>
+            <p:cNvPr id="137" name="pt137"/>
+            <p:cNvSpPr/>
+            <p:nvPr/>
+          </p:nvSpPr>
+          <p:spPr>
+            <a:xfrm>
+              <a:off x="2166731" y="3245992"/>
               <a:ext cx="93025" cy="93025"/>
             </a:xfrm>
             <a:prstGeom prst="ellipse">
@@ -6694,13 +7494,13 @@
         </p:sp>
         <p:sp>
           <p:nvSpPr>
-            <p:cNvPr id="118" name="pt118"/>
-            <p:cNvSpPr/>
-            <p:nvPr/>
-          </p:nvSpPr>
-          <p:spPr>
-            <a:xfrm>
-              <a:off x="2113186" y="2826816"/>
+            <p:cNvPr id="138" name="pt138"/>
+            <p:cNvSpPr/>
+            <p:nvPr/>
+          </p:nvSpPr>
+          <p:spPr>
+            <a:xfrm>
+              <a:off x="2182779" y="2881547"/>
               <a:ext cx="105818" cy="105818"/>
             </a:xfrm>
             <a:prstGeom prst="ellipse">
@@ -6729,13 +7529,13 @@
         </p:sp>
         <p:sp>
           <p:nvSpPr>
-            <p:cNvPr id="119" name="pt119"/>
-            <p:cNvSpPr/>
-            <p:nvPr/>
-          </p:nvSpPr>
-          <p:spPr>
-            <a:xfrm>
-              <a:off x="1987892" y="2888424"/>
+            <p:cNvPr id="139" name="pt139"/>
+            <p:cNvSpPr/>
+            <p:nvPr/>
+          </p:nvSpPr>
+          <p:spPr>
+            <a:xfrm>
+              <a:off x="2066587" y="2875049"/>
               <a:ext cx="76352" cy="76352"/>
             </a:xfrm>
             <a:prstGeom prst="ellipse">
@@ -6764,13 +7564,13 @@
         </p:sp>
         <p:sp>
           <p:nvSpPr>
-            <p:cNvPr id="120" name="pt120"/>
-            <p:cNvSpPr/>
-            <p:nvPr/>
-          </p:nvSpPr>
-          <p:spPr>
-            <a:xfrm>
-              <a:off x="2083295" y="2850060"/>
+            <p:cNvPr id="140" name="pt140"/>
+            <p:cNvSpPr/>
+            <p:nvPr/>
+          </p:nvSpPr>
+          <p:spPr>
+            <a:xfrm>
+              <a:off x="2154708" y="2910154"/>
               <a:ext cx="109589" cy="109589"/>
             </a:xfrm>
             <a:prstGeom prst="ellipse">
@@ -6799,13 +7599,13 @@
         </p:sp>
         <p:sp>
           <p:nvSpPr>
-            <p:cNvPr id="121" name="pt121"/>
-            <p:cNvSpPr/>
-            <p:nvPr/>
-          </p:nvSpPr>
-          <p:spPr>
-            <a:xfrm>
-              <a:off x="2123583" y="2942431"/>
+            <p:cNvPr id="141" name="pt141"/>
+            <p:cNvSpPr/>
+            <p:nvPr/>
+          </p:nvSpPr>
+          <p:spPr>
+            <a:xfrm>
+              <a:off x="2192916" y="2888931"/>
               <a:ext cx="93025" cy="93025"/>
             </a:xfrm>
             <a:prstGeom prst="ellipse">
@@ -6834,13 +7634,13 @@
         </p:sp>
         <p:sp>
           <p:nvSpPr>
-            <p:cNvPr id="122" name="pt122"/>
-            <p:cNvSpPr/>
-            <p:nvPr/>
-          </p:nvSpPr>
-          <p:spPr>
-            <a:xfrm>
-              <a:off x="2040789" y="2852539"/>
+            <p:cNvPr id="142" name="pt142"/>
+            <p:cNvSpPr/>
+            <p:nvPr/>
+          </p:nvSpPr>
+          <p:spPr>
+            <a:xfrm>
+              <a:off x="2115844" y="2858087"/>
               <a:ext cx="82579" cy="82579"/>
             </a:xfrm>
             <a:prstGeom prst="ellipse">
@@ -6869,13 +7669,13 @@
         </p:sp>
         <p:sp>
           <p:nvSpPr>
-            <p:cNvPr id="123" name="pt123"/>
-            <p:cNvSpPr/>
-            <p:nvPr/>
-          </p:nvSpPr>
-          <p:spPr>
-            <a:xfrm>
-              <a:off x="2119180" y="2838475"/>
+            <p:cNvPr id="143" name="pt143"/>
+            <p:cNvSpPr/>
+            <p:nvPr/>
+          </p:nvSpPr>
+          <p:spPr>
+            <a:xfrm>
+              <a:off x="2188513" y="2892850"/>
               <a:ext cx="101831" cy="101831"/>
             </a:xfrm>
             <a:prstGeom prst="ellipse">
@@ -6904,13 +7704,13 @@
         </p:sp>
         <p:sp>
           <p:nvSpPr>
-            <p:cNvPr id="124" name="pt124"/>
-            <p:cNvSpPr/>
-            <p:nvPr/>
-          </p:nvSpPr>
-          <p:spPr>
-            <a:xfrm>
-              <a:off x="2027163" y="2898730"/>
+            <p:cNvPr id="144" name="pt144"/>
+            <p:cNvSpPr/>
+            <p:nvPr/>
+          </p:nvSpPr>
+          <p:spPr>
+            <a:xfrm>
+              <a:off x="2102477" y="2857614"/>
               <a:ext cx="101831" cy="101831"/>
             </a:xfrm>
             <a:prstGeom prst="ellipse">
@@ -6939,13 +7739,13 @@
         </p:sp>
         <p:sp>
           <p:nvSpPr>
-            <p:cNvPr id="125" name="pt125"/>
-            <p:cNvSpPr/>
-            <p:nvPr/>
-          </p:nvSpPr>
-          <p:spPr>
-            <a:xfrm>
-              <a:off x="2098148" y="2856353"/>
+            <p:cNvPr id="145" name="pt145"/>
+            <p:cNvSpPr/>
+            <p:nvPr/>
+          </p:nvSpPr>
+          <p:spPr>
+            <a:xfrm>
+              <a:off x="2168261" y="2865483"/>
               <a:ext cx="119891" cy="119891"/>
             </a:xfrm>
             <a:prstGeom prst="ellipse">
@@ -6974,13 +7774,13 @@
         </p:sp>
         <p:sp>
           <p:nvSpPr>
-            <p:cNvPr id="126" name="pt126"/>
-            <p:cNvSpPr/>
-            <p:nvPr/>
-          </p:nvSpPr>
-          <p:spPr>
-            <a:xfrm>
-              <a:off x="2095578" y="2876441"/>
+            <p:cNvPr id="146" name="pt146"/>
+            <p:cNvSpPr/>
+            <p:nvPr/>
+          </p:nvSpPr>
+          <p:spPr>
+            <a:xfrm>
+              <a:off x="2166731" y="2889489"/>
               <a:ext cx="93025" cy="93025"/>
             </a:xfrm>
             <a:prstGeom prst="ellipse">
@@ -7009,13 +7809,13 @@
         </p:sp>
         <p:sp>
           <p:nvSpPr>
-            <p:cNvPr id="127" name="pt127"/>
-            <p:cNvSpPr/>
-            <p:nvPr/>
-          </p:nvSpPr>
-          <p:spPr>
-            <a:xfrm>
-              <a:off x="2319955" y="3864564"/>
+            <p:cNvPr id="147" name="pt147"/>
+            <p:cNvSpPr/>
+            <p:nvPr/>
+          </p:nvSpPr>
+          <p:spPr>
+            <a:xfrm>
+              <a:off x="2377066" y="3874813"/>
               <a:ext cx="76352" cy="76352"/>
             </a:xfrm>
             <a:prstGeom prst="ellipse">
@@ -7044,13 +7844,13 @@
         </p:sp>
         <p:sp>
           <p:nvSpPr>
-            <p:cNvPr id="128" name="pt128"/>
-            <p:cNvSpPr/>
-            <p:nvPr/>
-          </p:nvSpPr>
-          <p:spPr>
-            <a:xfrm>
-              <a:off x="2323648" y="3902306"/>
+            <p:cNvPr id="148" name="pt148"/>
+            <p:cNvSpPr/>
+            <p:nvPr/>
+          </p:nvSpPr>
+          <p:spPr>
+            <a:xfrm>
+              <a:off x="2380759" y="3944846"/>
               <a:ext cx="68966" cy="68966"/>
             </a:xfrm>
             <a:prstGeom prst="ellipse">
@@ -7079,13 +7879,13 @@
         </p:sp>
         <p:sp>
           <p:nvSpPr>
-            <p:cNvPr id="129" name="pt129"/>
-            <p:cNvSpPr/>
-            <p:nvPr/>
-          </p:nvSpPr>
-          <p:spPr>
-            <a:xfrm>
-              <a:off x="1960009" y="3571688"/>
+            <p:cNvPr id="149" name="pt149"/>
+            <p:cNvSpPr/>
+            <p:nvPr/>
+          </p:nvSpPr>
+          <p:spPr>
+            <a:xfrm>
+              <a:off x="2041824" y="3628841"/>
               <a:ext cx="36101" cy="36101"/>
             </a:xfrm>
             <a:prstGeom prst="ellipse">
@@ -7114,13 +7914,13 @@
         </p:sp>
         <p:sp>
           <p:nvSpPr>
-            <p:cNvPr id="130" name="pt130"/>
-            <p:cNvSpPr/>
-            <p:nvPr/>
-          </p:nvSpPr>
-          <p:spPr>
-            <a:xfrm>
-              <a:off x="1916001" y="3601542"/>
+            <p:cNvPr id="150" name="pt150"/>
+            <p:cNvSpPr/>
+            <p:nvPr/>
+          </p:nvSpPr>
+          <p:spPr>
+            <a:xfrm>
+              <a:off x="2000677" y="3530166"/>
               <a:ext cx="36101" cy="36101"/>
             </a:xfrm>
             <a:prstGeom prst="ellipse">
@@ -7149,13 +7949,13 @@
         </p:sp>
         <p:sp>
           <p:nvSpPr>
-            <p:cNvPr id="131" name="pt131"/>
-            <p:cNvSpPr/>
-            <p:nvPr/>
-          </p:nvSpPr>
-          <p:spPr>
-            <a:xfrm>
-              <a:off x="2020280" y="2824631"/>
+            <p:cNvPr id="151" name="pt151"/>
+            <p:cNvSpPr/>
+            <p:nvPr/>
+          </p:nvSpPr>
+          <p:spPr>
+            <a:xfrm>
+              <a:off x="2093774" y="2867148"/>
               <a:ext cx="171607" cy="171607"/>
             </a:xfrm>
             <a:prstGeom prst="ellipse">
@@ -7184,7 +7984,7 @@
         </p:sp>
         <p:sp>
           <p:nvSpPr>
-            <p:cNvPr id="132" name="rc132"/>
+            <p:cNvPr id="152" name="rc152"/>
             <p:cNvSpPr/>
             <p:nvPr/>
           </p:nvSpPr>
@@ -7214,13 +8014,1133 @@
         </p:sp>
         <p:sp>
           <p:nvSpPr>
-            <p:cNvPr id="133" name="pt133"/>
-            <p:cNvSpPr/>
-            <p:nvPr/>
-          </p:nvSpPr>
-          <p:spPr>
-            <a:xfrm>
-              <a:off x="1988014" y="4905867"/>
+            <p:cNvPr id="153" name="pl153"/>
+            <p:cNvSpPr/>
+            <p:nvPr/>
+          </p:nvSpPr>
+          <p:spPr>
+            <a:xfrm>
+              <a:off x="1798025" y="4908012"/>
+              <a:ext cx="1155878" cy="0"/>
+            </a:xfrm>
+            <a:custGeom>
+              <a:avLst/>
+              <a:pathLst>
+                <a:path w="1155878" h="0">
+                  <a:moveTo>
+                    <a:pt x="0" y="0"/>
+                  </a:moveTo>
+                  <a:lnTo>
+                    <a:pt x="1155878" y="0"/>
+                  </a:lnTo>
+                </a:path>
+              </a:pathLst>
+            </a:custGeom>
+            <a:ln w="108405" cap="flat">
+              <a:solidFill>
+                <a:srgbClr val="FFC0CB">
+                  <a:alpha val="100000"/>
+                </a:srgbClr>
+              </a:solidFill>
+              <a:prstDash val="solid"/>
+              <a:round/>
+            </a:ln>
+          </p:spPr>
+          <p:txBody>
+            <a:bodyPr/>
+            <a:lstStyle/>
+            <a:p/>
+          </p:txBody>
+        </p:sp>
+        <p:sp>
+          <p:nvSpPr>
+            <p:cNvPr id="154" name="pl154"/>
+            <p:cNvSpPr/>
+            <p:nvPr/>
+          </p:nvSpPr>
+          <p:spPr>
+            <a:xfrm>
+              <a:off x="1798025" y="4908012"/>
+              <a:ext cx="1155878" cy="0"/>
+            </a:xfrm>
+            <a:custGeom>
+              <a:avLst/>
+              <a:pathLst>
+                <a:path w="1155878" h="0">
+                  <a:moveTo>
+                    <a:pt x="0" y="0"/>
+                  </a:moveTo>
+                  <a:lnTo>
+                    <a:pt x="1155878" y="0"/>
+                  </a:lnTo>
+                </a:path>
+              </a:pathLst>
+            </a:custGeom>
+            <a:ln w="108405" cap="flat">
+              <a:solidFill>
+                <a:srgbClr val="FFC0CB">
+                  <a:alpha val="100000"/>
+                </a:srgbClr>
+              </a:solidFill>
+              <a:prstDash val="solid"/>
+              <a:round/>
+            </a:ln>
+          </p:spPr>
+          <p:txBody>
+            <a:bodyPr/>
+            <a:lstStyle/>
+            <a:p/>
+          </p:txBody>
+        </p:sp>
+        <p:sp>
+          <p:nvSpPr>
+            <p:cNvPr id="155" name="pl155"/>
+            <p:cNvSpPr/>
+            <p:nvPr/>
+          </p:nvSpPr>
+          <p:spPr>
+            <a:xfrm>
+              <a:off x="1798025" y="4908012"/>
+              <a:ext cx="1155878" cy="0"/>
+            </a:xfrm>
+            <a:custGeom>
+              <a:avLst/>
+              <a:pathLst>
+                <a:path w="1155878" h="0">
+                  <a:moveTo>
+                    <a:pt x="0" y="0"/>
+                  </a:moveTo>
+                  <a:lnTo>
+                    <a:pt x="1155878" y="0"/>
+                  </a:lnTo>
+                </a:path>
+              </a:pathLst>
+            </a:custGeom>
+            <a:ln w="108405" cap="flat">
+              <a:solidFill>
+                <a:srgbClr val="FFC0CB">
+                  <a:alpha val="100000"/>
+                </a:srgbClr>
+              </a:solidFill>
+              <a:prstDash val="solid"/>
+              <a:round/>
+            </a:ln>
+          </p:spPr>
+          <p:txBody>
+            <a:bodyPr/>
+            <a:lstStyle/>
+            <a:p/>
+          </p:txBody>
+        </p:sp>
+        <p:sp>
+          <p:nvSpPr>
+            <p:cNvPr id="156" name="pl156"/>
+            <p:cNvSpPr/>
+            <p:nvPr/>
+          </p:nvSpPr>
+          <p:spPr>
+            <a:xfrm>
+              <a:off x="1798025" y="4908012"/>
+              <a:ext cx="1155878" cy="0"/>
+            </a:xfrm>
+            <a:custGeom>
+              <a:avLst/>
+              <a:pathLst>
+                <a:path w="1155878" h="0">
+                  <a:moveTo>
+                    <a:pt x="0" y="0"/>
+                  </a:moveTo>
+                  <a:lnTo>
+                    <a:pt x="1155878" y="0"/>
+                  </a:lnTo>
+                </a:path>
+              </a:pathLst>
+            </a:custGeom>
+            <a:ln w="108405" cap="flat">
+              <a:solidFill>
+                <a:srgbClr val="FFC0CB">
+                  <a:alpha val="100000"/>
+                </a:srgbClr>
+              </a:solidFill>
+              <a:prstDash val="solid"/>
+              <a:round/>
+            </a:ln>
+          </p:spPr>
+          <p:txBody>
+            <a:bodyPr/>
+            <a:lstStyle/>
+            <a:p/>
+          </p:txBody>
+        </p:sp>
+        <p:sp>
+          <p:nvSpPr>
+            <p:cNvPr id="157" name="pl157"/>
+            <p:cNvSpPr/>
+            <p:nvPr/>
+          </p:nvSpPr>
+          <p:spPr>
+            <a:xfrm>
+              <a:off x="2213244" y="4562172"/>
+              <a:ext cx="1081064" cy="0"/>
+            </a:xfrm>
+            <a:custGeom>
+              <a:avLst/>
+              <a:pathLst>
+                <a:path w="1081064" h="0">
+                  <a:moveTo>
+                    <a:pt x="0" y="0"/>
+                  </a:moveTo>
+                  <a:lnTo>
+                    <a:pt x="1081064" y="0"/>
+                  </a:lnTo>
+                </a:path>
+              </a:pathLst>
+            </a:custGeom>
+            <a:ln w="108405" cap="flat">
+              <a:solidFill>
+                <a:srgbClr val="FFC0CB">
+                  <a:alpha val="100000"/>
+                </a:srgbClr>
+              </a:solidFill>
+              <a:prstDash val="solid"/>
+              <a:round/>
+            </a:ln>
+          </p:spPr>
+          <p:txBody>
+            <a:bodyPr/>
+            <a:lstStyle/>
+            <a:p/>
+          </p:txBody>
+        </p:sp>
+        <p:sp>
+          <p:nvSpPr>
+            <p:cNvPr id="158" name="pl158"/>
+            <p:cNvSpPr/>
+            <p:nvPr/>
+          </p:nvSpPr>
+          <p:spPr>
+            <a:xfrm>
+              <a:off x="2213244" y="4562172"/>
+              <a:ext cx="1081064" cy="0"/>
+            </a:xfrm>
+            <a:custGeom>
+              <a:avLst/>
+              <a:pathLst>
+                <a:path w="1081064" h="0">
+                  <a:moveTo>
+                    <a:pt x="0" y="0"/>
+                  </a:moveTo>
+                  <a:lnTo>
+                    <a:pt x="1081064" y="0"/>
+                  </a:lnTo>
+                </a:path>
+              </a:pathLst>
+            </a:custGeom>
+            <a:ln w="108405" cap="flat">
+              <a:solidFill>
+                <a:srgbClr val="FFC0CB">
+                  <a:alpha val="100000"/>
+                </a:srgbClr>
+              </a:solidFill>
+              <a:prstDash val="solid"/>
+              <a:round/>
+            </a:ln>
+          </p:spPr>
+          <p:txBody>
+            <a:bodyPr/>
+            <a:lstStyle/>
+            <a:p/>
+          </p:txBody>
+        </p:sp>
+        <p:sp>
+          <p:nvSpPr>
+            <p:cNvPr id="159" name="pl159"/>
+            <p:cNvSpPr/>
+            <p:nvPr/>
+          </p:nvSpPr>
+          <p:spPr>
+            <a:xfrm>
+              <a:off x="2213244" y="4562172"/>
+              <a:ext cx="1081064" cy="0"/>
+            </a:xfrm>
+            <a:custGeom>
+              <a:avLst/>
+              <a:pathLst>
+                <a:path w="1081064" h="0">
+                  <a:moveTo>
+                    <a:pt x="0" y="0"/>
+                  </a:moveTo>
+                  <a:lnTo>
+                    <a:pt x="1081064" y="0"/>
+                  </a:lnTo>
+                </a:path>
+              </a:pathLst>
+            </a:custGeom>
+            <a:ln w="108405" cap="flat">
+              <a:solidFill>
+                <a:srgbClr val="FFC0CB">
+                  <a:alpha val="100000"/>
+                </a:srgbClr>
+              </a:solidFill>
+              <a:prstDash val="solid"/>
+              <a:round/>
+            </a:ln>
+          </p:spPr>
+          <p:txBody>
+            <a:bodyPr/>
+            <a:lstStyle/>
+            <a:p/>
+          </p:txBody>
+        </p:sp>
+        <p:sp>
+          <p:nvSpPr>
+            <p:cNvPr id="160" name="pl160"/>
+            <p:cNvSpPr/>
+            <p:nvPr/>
+          </p:nvSpPr>
+          <p:spPr>
+            <a:xfrm>
+              <a:off x="2213244" y="4562172"/>
+              <a:ext cx="1081064" cy="0"/>
+            </a:xfrm>
+            <a:custGeom>
+              <a:avLst/>
+              <a:pathLst>
+                <a:path w="1081064" h="0">
+                  <a:moveTo>
+                    <a:pt x="0" y="0"/>
+                  </a:moveTo>
+                  <a:lnTo>
+                    <a:pt x="1081064" y="0"/>
+                  </a:lnTo>
+                </a:path>
+              </a:pathLst>
+            </a:custGeom>
+            <a:ln w="108405" cap="flat">
+              <a:solidFill>
+                <a:srgbClr val="FFC0CB">
+                  <a:alpha val="100000"/>
+                </a:srgbClr>
+              </a:solidFill>
+              <a:prstDash val="solid"/>
+              <a:round/>
+            </a:ln>
+          </p:spPr>
+          <p:txBody>
+            <a:bodyPr/>
+            <a:lstStyle/>
+            <a:p/>
+          </p:txBody>
+        </p:sp>
+        <p:sp>
+          <p:nvSpPr>
+            <p:cNvPr id="161" name="pl161"/>
+            <p:cNvSpPr/>
+            <p:nvPr/>
+          </p:nvSpPr>
+          <p:spPr>
+            <a:xfrm>
+              <a:off x="2213244" y="4562172"/>
+              <a:ext cx="1081064" cy="0"/>
+            </a:xfrm>
+            <a:custGeom>
+              <a:avLst/>
+              <a:pathLst>
+                <a:path w="1081064" h="0">
+                  <a:moveTo>
+                    <a:pt x="0" y="0"/>
+                  </a:moveTo>
+                  <a:lnTo>
+                    <a:pt x="1081064" y="0"/>
+                  </a:lnTo>
+                </a:path>
+              </a:pathLst>
+            </a:custGeom>
+            <a:ln w="108405" cap="flat">
+              <a:solidFill>
+                <a:srgbClr val="FFC0CB">
+                  <a:alpha val="100000"/>
+                </a:srgbClr>
+              </a:solidFill>
+              <a:prstDash val="solid"/>
+              <a:round/>
+            </a:ln>
+          </p:spPr>
+          <p:txBody>
+            <a:bodyPr/>
+            <a:lstStyle/>
+            <a:p/>
+          </p:txBody>
+        </p:sp>
+        <p:sp>
+          <p:nvSpPr>
+            <p:cNvPr id="162" name="pl162"/>
+            <p:cNvSpPr/>
+            <p:nvPr/>
+          </p:nvSpPr>
+          <p:spPr>
+            <a:xfrm>
+              <a:off x="2213244" y="4562172"/>
+              <a:ext cx="1081064" cy="0"/>
+            </a:xfrm>
+            <a:custGeom>
+              <a:avLst/>
+              <a:pathLst>
+                <a:path w="1081064" h="0">
+                  <a:moveTo>
+                    <a:pt x="0" y="0"/>
+                  </a:moveTo>
+                  <a:lnTo>
+                    <a:pt x="1081064" y="0"/>
+                  </a:lnTo>
+                </a:path>
+              </a:pathLst>
+            </a:custGeom>
+            <a:ln w="108405" cap="flat">
+              <a:solidFill>
+                <a:srgbClr val="FFC0CB">
+                  <a:alpha val="100000"/>
+                </a:srgbClr>
+              </a:solidFill>
+              <a:prstDash val="solid"/>
+              <a:round/>
+            </a:ln>
+          </p:spPr>
+          <p:txBody>
+            <a:bodyPr/>
+            <a:lstStyle/>
+            <a:p/>
+          </p:txBody>
+        </p:sp>
+        <p:sp>
+          <p:nvSpPr>
+            <p:cNvPr id="163" name="pl163"/>
+            <p:cNvSpPr/>
+            <p:nvPr/>
+          </p:nvSpPr>
+          <p:spPr>
+            <a:xfrm>
+              <a:off x="2213244" y="4562172"/>
+              <a:ext cx="1081064" cy="0"/>
+            </a:xfrm>
+            <a:custGeom>
+              <a:avLst/>
+              <a:pathLst>
+                <a:path w="1081064" h="0">
+                  <a:moveTo>
+                    <a:pt x="0" y="0"/>
+                  </a:moveTo>
+                  <a:lnTo>
+                    <a:pt x="1081064" y="0"/>
+                  </a:lnTo>
+                </a:path>
+              </a:pathLst>
+            </a:custGeom>
+            <a:ln w="108405" cap="flat">
+              <a:solidFill>
+                <a:srgbClr val="FFC0CB">
+                  <a:alpha val="100000"/>
+                </a:srgbClr>
+              </a:solidFill>
+              <a:prstDash val="solid"/>
+              <a:round/>
+            </a:ln>
+          </p:spPr>
+          <p:txBody>
+            <a:bodyPr/>
+            <a:lstStyle/>
+            <a:p/>
+          </p:txBody>
+        </p:sp>
+        <p:sp>
+          <p:nvSpPr>
+            <p:cNvPr id="164" name="pl164"/>
+            <p:cNvSpPr/>
+            <p:nvPr/>
+          </p:nvSpPr>
+          <p:spPr>
+            <a:xfrm>
+              <a:off x="2213244" y="4562172"/>
+              <a:ext cx="1081064" cy="0"/>
+            </a:xfrm>
+            <a:custGeom>
+              <a:avLst/>
+              <a:pathLst>
+                <a:path w="1081064" h="0">
+                  <a:moveTo>
+                    <a:pt x="0" y="0"/>
+                  </a:moveTo>
+                  <a:lnTo>
+                    <a:pt x="1081064" y="0"/>
+                  </a:lnTo>
+                </a:path>
+              </a:pathLst>
+            </a:custGeom>
+            <a:ln w="108405" cap="flat">
+              <a:solidFill>
+                <a:srgbClr val="FFC0CB">
+                  <a:alpha val="100000"/>
+                </a:srgbClr>
+              </a:solidFill>
+              <a:prstDash val="solid"/>
+              <a:round/>
+            </a:ln>
+          </p:spPr>
+          <p:txBody>
+            <a:bodyPr/>
+            <a:lstStyle/>
+            <a:p/>
+          </p:txBody>
+        </p:sp>
+        <p:sp>
+          <p:nvSpPr>
+            <p:cNvPr id="165" name="pl165"/>
+            <p:cNvSpPr/>
+            <p:nvPr/>
+          </p:nvSpPr>
+          <p:spPr>
+            <a:xfrm>
+              <a:off x="2078579" y="5772614"/>
+              <a:ext cx="78554" cy="0"/>
+            </a:xfrm>
+            <a:custGeom>
+              <a:avLst/>
+              <a:pathLst>
+                <a:path w="78554" h="0">
+                  <a:moveTo>
+                    <a:pt x="0" y="0"/>
+                  </a:moveTo>
+                  <a:lnTo>
+                    <a:pt x="78554" y="0"/>
+                  </a:lnTo>
+                </a:path>
+              </a:pathLst>
+            </a:custGeom>
+            <a:ln w="108405" cap="flat">
+              <a:solidFill>
+                <a:srgbClr val="FFC0CB">
+                  <a:alpha val="100000"/>
+                </a:srgbClr>
+              </a:solidFill>
+              <a:prstDash val="solid"/>
+              <a:round/>
+            </a:ln>
+          </p:spPr>
+          <p:txBody>
+            <a:bodyPr/>
+            <a:lstStyle/>
+            <a:p/>
+          </p:txBody>
+        </p:sp>
+        <p:sp>
+          <p:nvSpPr>
+            <p:cNvPr id="166" name="pl166"/>
+            <p:cNvSpPr/>
+            <p:nvPr/>
+          </p:nvSpPr>
+          <p:spPr>
+            <a:xfrm>
+              <a:off x="2183318" y="5599694"/>
+              <a:ext cx="22444" cy="0"/>
+            </a:xfrm>
+            <a:custGeom>
+              <a:avLst/>
+              <a:pathLst>
+                <a:path w="22444" h="0">
+                  <a:moveTo>
+                    <a:pt x="0" y="0"/>
+                  </a:moveTo>
+                  <a:lnTo>
+                    <a:pt x="22444" y="0"/>
+                  </a:lnTo>
+                </a:path>
+              </a:pathLst>
+            </a:custGeom>
+            <a:ln w="108405" cap="flat">
+              <a:solidFill>
+                <a:srgbClr val="FFC0CB">
+                  <a:alpha val="100000"/>
+                </a:srgbClr>
+              </a:solidFill>
+              <a:prstDash val="solid"/>
+              <a:round/>
+            </a:ln>
+          </p:spPr>
+          <p:txBody>
+            <a:bodyPr/>
+            <a:lstStyle/>
+            <a:p/>
+          </p:txBody>
+        </p:sp>
+        <p:sp>
+          <p:nvSpPr>
+            <p:cNvPr id="167" name="pl167"/>
+            <p:cNvSpPr/>
+            <p:nvPr/>
+          </p:nvSpPr>
+          <p:spPr>
+            <a:xfrm>
+              <a:off x="2235688" y="5253853"/>
+              <a:ext cx="41147" cy="0"/>
+            </a:xfrm>
+            <a:custGeom>
+              <a:avLst/>
+              <a:pathLst>
+                <a:path w="41147" h="0">
+                  <a:moveTo>
+                    <a:pt x="0" y="0"/>
+                  </a:moveTo>
+                  <a:lnTo>
+                    <a:pt x="41147" y="0"/>
+                  </a:lnTo>
+                </a:path>
+              </a:pathLst>
+            </a:custGeom>
+            <a:ln w="108405" cap="flat">
+              <a:solidFill>
+                <a:srgbClr val="FFC0CB">
+                  <a:alpha val="100000"/>
+                </a:srgbClr>
+              </a:solidFill>
+              <a:prstDash val="solid"/>
+              <a:round/>
+            </a:ln>
+          </p:spPr>
+          <p:txBody>
+            <a:bodyPr/>
+            <a:lstStyle/>
+            <a:p/>
+          </p:txBody>
+        </p:sp>
+        <p:sp>
+          <p:nvSpPr>
+            <p:cNvPr id="168" name="pl168"/>
+            <p:cNvSpPr/>
+            <p:nvPr/>
+          </p:nvSpPr>
+          <p:spPr>
+            <a:xfrm>
+              <a:off x="2235688" y="5253853"/>
+              <a:ext cx="41147" cy="0"/>
+            </a:xfrm>
+            <a:custGeom>
+              <a:avLst/>
+              <a:pathLst>
+                <a:path w="41147" h="0">
+                  <a:moveTo>
+                    <a:pt x="0" y="0"/>
+                  </a:moveTo>
+                  <a:lnTo>
+                    <a:pt x="41147" y="0"/>
+                  </a:lnTo>
+                </a:path>
+              </a:pathLst>
+            </a:custGeom>
+            <a:ln w="108405" cap="flat">
+              <a:solidFill>
+                <a:srgbClr val="FFC0CB">
+                  <a:alpha val="100000"/>
+                </a:srgbClr>
+              </a:solidFill>
+              <a:prstDash val="solid"/>
+              <a:round/>
+            </a:ln>
+          </p:spPr>
+          <p:txBody>
+            <a:bodyPr/>
+            <a:lstStyle/>
+            <a:p/>
+          </p:txBody>
+        </p:sp>
+        <p:sp>
+          <p:nvSpPr>
+            <p:cNvPr id="169" name="pl169"/>
+            <p:cNvSpPr/>
+            <p:nvPr/>
+          </p:nvSpPr>
+          <p:spPr>
+            <a:xfrm>
+              <a:off x="2235688" y="5253853"/>
+              <a:ext cx="41147" cy="0"/>
+            </a:xfrm>
+            <a:custGeom>
+              <a:avLst/>
+              <a:pathLst>
+                <a:path w="41147" h="0">
+                  <a:moveTo>
+                    <a:pt x="0" y="0"/>
+                  </a:moveTo>
+                  <a:lnTo>
+                    <a:pt x="41147" y="0"/>
+                  </a:lnTo>
+                </a:path>
+              </a:pathLst>
+            </a:custGeom>
+            <a:ln w="108405" cap="flat">
+              <a:solidFill>
+                <a:srgbClr val="FFC0CB">
+                  <a:alpha val="100000"/>
+                </a:srgbClr>
+              </a:solidFill>
+              <a:prstDash val="solid"/>
+              <a:round/>
+            </a:ln>
+          </p:spPr>
+          <p:txBody>
+            <a:bodyPr/>
+            <a:lstStyle/>
+            <a:p/>
+          </p:txBody>
+        </p:sp>
+        <p:sp>
+          <p:nvSpPr>
+            <p:cNvPr id="170" name="pl170"/>
+            <p:cNvSpPr/>
+            <p:nvPr/>
+          </p:nvSpPr>
+          <p:spPr>
+            <a:xfrm>
+              <a:off x="2235688" y="5253853"/>
+              <a:ext cx="41147" cy="0"/>
+            </a:xfrm>
+            <a:custGeom>
+              <a:avLst/>
+              <a:pathLst>
+                <a:path w="41147" h="0">
+                  <a:moveTo>
+                    <a:pt x="0" y="0"/>
+                  </a:moveTo>
+                  <a:lnTo>
+                    <a:pt x="41147" y="0"/>
+                  </a:lnTo>
+                </a:path>
+              </a:pathLst>
+            </a:custGeom>
+            <a:ln w="108405" cap="flat">
+              <a:solidFill>
+                <a:srgbClr val="FFC0CB">
+                  <a:alpha val="100000"/>
+                </a:srgbClr>
+              </a:solidFill>
+              <a:prstDash val="solid"/>
+              <a:round/>
+            </a:ln>
+          </p:spPr>
+          <p:txBody>
+            <a:bodyPr/>
+            <a:lstStyle/>
+            <a:p/>
+          </p:txBody>
+        </p:sp>
+        <p:sp>
+          <p:nvSpPr>
+            <p:cNvPr id="171" name="pl171"/>
+            <p:cNvSpPr/>
+            <p:nvPr/>
+          </p:nvSpPr>
+          <p:spPr>
+            <a:xfrm>
+              <a:off x="2269355" y="5426773"/>
+              <a:ext cx="67332" cy="0"/>
+            </a:xfrm>
+            <a:custGeom>
+              <a:avLst/>
+              <a:pathLst>
+                <a:path w="67332" h="0">
+                  <a:moveTo>
+                    <a:pt x="0" y="0"/>
+                  </a:moveTo>
+                  <a:lnTo>
+                    <a:pt x="67332" y="0"/>
+                  </a:lnTo>
+                </a:path>
+              </a:pathLst>
+            </a:custGeom>
+            <a:ln w="108405" cap="flat">
+              <a:solidFill>
+                <a:srgbClr val="FFC0CB">
+                  <a:alpha val="100000"/>
+                </a:srgbClr>
+              </a:solidFill>
+              <a:prstDash val="solid"/>
+              <a:round/>
+            </a:ln>
+          </p:spPr>
+          <p:txBody>
+            <a:bodyPr/>
+            <a:lstStyle/>
+            <a:p/>
+          </p:txBody>
+        </p:sp>
+        <p:sp>
+          <p:nvSpPr>
+            <p:cNvPr id="172" name="pl172"/>
+            <p:cNvSpPr/>
+            <p:nvPr/>
+          </p:nvSpPr>
+          <p:spPr>
+            <a:xfrm>
+              <a:off x="2269355" y="5426773"/>
+              <a:ext cx="67332" cy="0"/>
+            </a:xfrm>
+            <a:custGeom>
+              <a:avLst/>
+              <a:pathLst>
+                <a:path w="67332" h="0">
+                  <a:moveTo>
+                    <a:pt x="0" y="0"/>
+                  </a:moveTo>
+                  <a:lnTo>
+                    <a:pt x="67332" y="0"/>
+                  </a:lnTo>
+                </a:path>
+              </a:pathLst>
+            </a:custGeom>
+            <a:ln w="108405" cap="flat">
+              <a:solidFill>
+                <a:srgbClr val="FFC0CB">
+                  <a:alpha val="100000"/>
+                </a:srgbClr>
+              </a:solidFill>
+              <a:prstDash val="solid"/>
+              <a:round/>
+            </a:ln>
+          </p:spPr>
+          <p:txBody>
+            <a:bodyPr/>
+            <a:lstStyle/>
+            <a:p/>
+          </p:txBody>
+        </p:sp>
+        <p:sp>
+          <p:nvSpPr>
+            <p:cNvPr id="173" name="pl173"/>
+            <p:cNvSpPr/>
+            <p:nvPr/>
+          </p:nvSpPr>
+          <p:spPr>
+            <a:xfrm>
+              <a:off x="2269355" y="5426773"/>
+              <a:ext cx="67332" cy="0"/>
+            </a:xfrm>
+            <a:custGeom>
+              <a:avLst/>
+              <a:pathLst>
+                <a:path w="67332" h="0">
+                  <a:moveTo>
+                    <a:pt x="0" y="0"/>
+                  </a:moveTo>
+                  <a:lnTo>
+                    <a:pt x="67332" y="0"/>
+                  </a:lnTo>
+                </a:path>
+              </a:pathLst>
+            </a:custGeom>
+            <a:ln w="108405" cap="flat">
+              <a:solidFill>
+                <a:srgbClr val="FFC0CB">
+                  <a:alpha val="100000"/>
+                </a:srgbClr>
+              </a:solidFill>
+              <a:prstDash val="solid"/>
+              <a:round/>
+            </a:ln>
+          </p:spPr>
+          <p:txBody>
+            <a:bodyPr/>
+            <a:lstStyle/>
+            <a:p/>
+          </p:txBody>
+        </p:sp>
+        <p:sp>
+          <p:nvSpPr>
+            <p:cNvPr id="174" name="pl174"/>
+            <p:cNvSpPr/>
+            <p:nvPr/>
+          </p:nvSpPr>
+          <p:spPr>
+            <a:xfrm>
+              <a:off x="2269355" y="5426773"/>
+              <a:ext cx="67332" cy="0"/>
+            </a:xfrm>
+            <a:custGeom>
+              <a:avLst/>
+              <a:pathLst>
+                <a:path w="67332" h="0">
+                  <a:moveTo>
+                    <a:pt x="0" y="0"/>
+                  </a:moveTo>
+                  <a:lnTo>
+                    <a:pt x="67332" y="0"/>
+                  </a:lnTo>
+                </a:path>
+              </a:pathLst>
+            </a:custGeom>
+            <a:ln w="108405" cap="flat">
+              <a:solidFill>
+                <a:srgbClr val="FFC0CB">
+                  <a:alpha val="100000"/>
+                </a:srgbClr>
+              </a:solidFill>
+              <a:prstDash val="solid"/>
+              <a:round/>
+            </a:ln>
+          </p:spPr>
+          <p:txBody>
+            <a:bodyPr/>
+            <a:lstStyle/>
+            <a:p/>
+          </p:txBody>
+        </p:sp>
+        <p:sp>
+          <p:nvSpPr>
+            <p:cNvPr id="175" name="pl175"/>
+            <p:cNvSpPr/>
+            <p:nvPr/>
+          </p:nvSpPr>
+          <p:spPr>
+            <a:xfrm>
+              <a:off x="2269355" y="5426773"/>
+              <a:ext cx="67332" cy="0"/>
+            </a:xfrm>
+            <a:custGeom>
+              <a:avLst/>
+              <a:pathLst>
+                <a:path w="67332" h="0">
+                  <a:moveTo>
+                    <a:pt x="0" y="0"/>
+                  </a:moveTo>
+                  <a:lnTo>
+                    <a:pt x="67332" y="0"/>
+                  </a:lnTo>
+                </a:path>
+              </a:pathLst>
+            </a:custGeom>
+            <a:ln w="108405" cap="flat">
+              <a:solidFill>
+                <a:srgbClr val="FFC0CB">
+                  <a:alpha val="100000"/>
+                </a:srgbClr>
+              </a:solidFill>
+              <a:prstDash val="solid"/>
+              <a:round/>
+            </a:ln>
+          </p:spPr>
+          <p:txBody>
+            <a:bodyPr/>
+            <a:lstStyle/>
+            <a:p/>
+          </p:txBody>
+        </p:sp>
+        <p:sp>
+          <p:nvSpPr>
+            <p:cNvPr id="176" name="pl176"/>
+            <p:cNvSpPr/>
+            <p:nvPr/>
+          </p:nvSpPr>
+          <p:spPr>
+            <a:xfrm>
+              <a:off x="2127208" y="5080933"/>
+              <a:ext cx="224442" cy="0"/>
+            </a:xfrm>
+            <a:custGeom>
+              <a:avLst/>
+              <a:pathLst>
+                <a:path w="224442" h="0">
+                  <a:moveTo>
+                    <a:pt x="0" y="0"/>
+                  </a:moveTo>
+                  <a:lnTo>
+                    <a:pt x="224442" y="0"/>
+                  </a:lnTo>
+                </a:path>
+              </a:pathLst>
+            </a:custGeom>
+            <a:ln w="108405" cap="flat">
+              <a:solidFill>
+                <a:srgbClr val="FFC0CB">
+                  <a:alpha val="100000"/>
+                </a:srgbClr>
+              </a:solidFill>
+              <a:prstDash val="solid"/>
+              <a:round/>
+            </a:ln>
+          </p:spPr>
+          <p:txBody>
+            <a:bodyPr/>
+            <a:lstStyle/>
+            <a:p/>
+          </p:txBody>
+        </p:sp>
+        <p:sp>
+          <p:nvSpPr>
+            <p:cNvPr id="177" name="pl177"/>
+            <p:cNvSpPr/>
+            <p:nvPr/>
+          </p:nvSpPr>
+          <p:spPr>
+            <a:xfrm>
+              <a:off x="2190800" y="4735092"/>
+              <a:ext cx="508736" cy="0"/>
+            </a:xfrm>
+            <a:custGeom>
+              <a:avLst/>
+              <a:pathLst>
+                <a:path w="508736" h="0">
+                  <a:moveTo>
+                    <a:pt x="0" y="0"/>
+                  </a:moveTo>
+                  <a:lnTo>
+                    <a:pt x="508736" y="0"/>
+                  </a:lnTo>
+                </a:path>
+              </a:pathLst>
+            </a:custGeom>
+            <a:ln w="108405" cap="flat">
+              <a:solidFill>
+                <a:srgbClr val="FFC0CB">
+                  <a:alpha val="100000"/>
+                </a:srgbClr>
+              </a:solidFill>
+              <a:prstDash val="solid"/>
+              <a:round/>
+            </a:ln>
+          </p:spPr>
+          <p:txBody>
+            <a:bodyPr/>
+            <a:lstStyle/>
+            <a:p/>
+          </p:txBody>
+        </p:sp>
+        <p:sp>
+          <p:nvSpPr>
+            <p:cNvPr id="178" name="pl178"/>
+            <p:cNvSpPr/>
+            <p:nvPr/>
+          </p:nvSpPr>
+          <p:spPr>
+            <a:xfrm>
+              <a:off x="2213244" y="4562172"/>
+              <a:ext cx="1081064" cy="0"/>
+            </a:xfrm>
+            <a:custGeom>
+              <a:avLst/>
+              <a:pathLst>
+                <a:path w="1081064" h="0">
+                  <a:moveTo>
+                    <a:pt x="0" y="0"/>
+                  </a:moveTo>
+                  <a:lnTo>
+                    <a:pt x="1081064" y="0"/>
+                  </a:lnTo>
+                </a:path>
+              </a:pathLst>
+            </a:custGeom>
+            <a:ln w="108405" cap="flat">
+              <a:solidFill>
+                <a:srgbClr val="FFC0CB">
+                  <a:alpha val="100000"/>
+                </a:srgbClr>
+              </a:solidFill>
+              <a:prstDash val="solid"/>
+              <a:round/>
+            </a:ln>
+          </p:spPr>
+          <p:txBody>
+            <a:bodyPr/>
+            <a:lstStyle/>
+            <a:p/>
+          </p:txBody>
+        </p:sp>
+        <p:sp>
+          <p:nvSpPr>
+            <p:cNvPr id="179" name="pl179"/>
+            <p:cNvSpPr/>
+            <p:nvPr/>
+          </p:nvSpPr>
+          <p:spPr>
+            <a:xfrm>
+              <a:off x="2235688" y="5253853"/>
+              <a:ext cx="41147" cy="0"/>
+            </a:xfrm>
+            <a:custGeom>
+              <a:avLst/>
+              <a:pathLst>
+                <a:path w="41147" h="0">
+                  <a:moveTo>
+                    <a:pt x="0" y="0"/>
+                  </a:moveTo>
+                  <a:lnTo>
+                    <a:pt x="41147" y="0"/>
+                  </a:lnTo>
+                </a:path>
+              </a:pathLst>
+            </a:custGeom>
+            <a:ln w="108405" cap="flat">
+              <a:solidFill>
+                <a:srgbClr val="FFC0CB">
+                  <a:alpha val="100000"/>
+                </a:srgbClr>
+              </a:solidFill>
+              <a:prstDash val="solid"/>
+              <a:round/>
+            </a:ln>
+          </p:spPr>
+          <p:txBody>
+            <a:bodyPr/>
+            <a:lstStyle/>
+            <a:p/>
+          </p:txBody>
+        </p:sp>
+        <p:sp>
+          <p:nvSpPr>
+            <p:cNvPr id="180" name="pl180"/>
+            <p:cNvSpPr/>
+            <p:nvPr/>
+          </p:nvSpPr>
+          <p:spPr>
+            <a:xfrm>
+              <a:off x="2183318" y="5599694"/>
+              <a:ext cx="22444" cy="0"/>
+            </a:xfrm>
+            <a:custGeom>
+              <a:avLst/>
+              <a:pathLst>
+                <a:path w="22444" h="0">
+                  <a:moveTo>
+                    <a:pt x="0" y="0"/>
+                  </a:moveTo>
+                  <a:lnTo>
+                    <a:pt x="22444" y="0"/>
+                  </a:lnTo>
+                </a:path>
+              </a:pathLst>
+            </a:custGeom>
+            <a:ln w="108405" cap="flat">
+              <a:solidFill>
+                <a:srgbClr val="FFC0CB">
+                  <a:alpha val="100000"/>
+                </a:srgbClr>
+              </a:solidFill>
+              <a:prstDash val="solid"/>
+              <a:round/>
+            </a:ln>
+          </p:spPr>
+          <p:txBody>
+            <a:bodyPr/>
+            <a:lstStyle/>
+            <a:p/>
+          </p:txBody>
+        </p:sp>
+        <p:sp>
+          <p:nvSpPr>
+            <p:cNvPr id="181" name="pt181"/>
+            <p:cNvSpPr/>
+            <p:nvPr/>
+          </p:nvSpPr>
+          <p:spPr>
+            <a:xfrm>
+              <a:off x="2068009" y="4885161"/>
               <a:ext cx="36101" cy="36101"/>
             </a:xfrm>
             <a:prstGeom prst="ellipse">
@@ -7249,13 +9169,13 @@
         </p:sp>
         <p:sp>
           <p:nvSpPr>
-            <p:cNvPr id="134" name="pt134"/>
-            <p:cNvSpPr/>
-            <p:nvPr/>
-          </p:nvSpPr>
-          <p:spPr>
-            <a:xfrm>
-              <a:off x="2580509" y="4910505"/>
+            <p:cNvPr id="182" name="pt182"/>
+            <p:cNvSpPr/>
+            <p:nvPr/>
+          </p:nvSpPr>
+          <p:spPr>
+            <a:xfrm>
+              <a:off x="2621237" y="4908290"/>
               <a:ext cx="59340" cy="59340"/>
             </a:xfrm>
             <a:prstGeom prst="ellipse">
@@ -7284,13 +9204,13 @@
         </p:sp>
         <p:sp>
           <p:nvSpPr>
-            <p:cNvPr id="135" name="pt135"/>
-            <p:cNvSpPr/>
-            <p:nvPr/>
-          </p:nvSpPr>
-          <p:spPr>
-            <a:xfrm>
-              <a:off x="1988014" y="4881256"/>
+            <p:cNvPr id="183" name="pt183"/>
+            <p:cNvSpPr/>
+            <p:nvPr/>
+          </p:nvSpPr>
+          <p:spPr>
+            <a:xfrm>
+              <a:off x="2068009" y="4913696"/>
               <a:ext cx="36101" cy="36101"/>
             </a:xfrm>
             <a:prstGeom prst="ellipse">
@@ -7319,13 +9239,13 @@
         </p:sp>
         <p:sp>
           <p:nvSpPr>
-            <p:cNvPr id="136" name="pt136"/>
-            <p:cNvSpPr/>
-            <p:nvPr/>
-          </p:nvSpPr>
-          <p:spPr>
-            <a:xfrm>
-              <a:off x="1988014" y="4909033"/>
+            <p:cNvPr id="184" name="pt184"/>
+            <p:cNvSpPr/>
+            <p:nvPr/>
+          </p:nvSpPr>
+          <p:spPr>
+            <a:xfrm>
+              <a:off x="2068009" y="4897260"/>
               <a:ext cx="36101" cy="36101"/>
             </a:xfrm>
             <a:prstGeom prst="ellipse">
@@ -7354,13 +9274,13 @@
         </p:sp>
         <p:sp>
           <p:nvSpPr>
-            <p:cNvPr id="137" name="pt137"/>
-            <p:cNvSpPr/>
-            <p:nvPr/>
-          </p:nvSpPr>
-          <p:spPr>
-            <a:xfrm>
-              <a:off x="2464104" y="4514624"/>
+            <p:cNvPr id="185" name="pt185"/>
+            <p:cNvSpPr/>
+            <p:nvPr/>
+          </p:nvSpPr>
+          <p:spPr>
+            <a:xfrm>
+              <a:off x="2513154" y="4527602"/>
               <a:ext cx="36101" cy="36101"/>
             </a:xfrm>
             <a:prstGeom prst="ellipse">
@@ -7389,13 +9309,13 @@
         </p:sp>
         <p:sp>
           <p:nvSpPr>
-            <p:cNvPr id="138" name="pt138"/>
-            <p:cNvSpPr/>
-            <p:nvPr/>
-          </p:nvSpPr>
-          <p:spPr>
-            <a:xfrm>
-              <a:off x="2852178" y="4571117"/>
+            <p:cNvPr id="186" name="pt186"/>
+            <p:cNvSpPr/>
+            <p:nvPr/>
+          </p:nvSpPr>
+          <p:spPr>
+            <a:xfrm>
+              <a:off x="2876002" y="4551421"/>
               <a:ext cx="36101" cy="36101"/>
             </a:xfrm>
             <a:prstGeom prst="ellipse">
@@ -7424,13 +9344,13 @@
         </p:sp>
         <p:sp>
           <p:nvSpPr>
-            <p:cNvPr id="139" name="pt139"/>
-            <p:cNvSpPr/>
-            <p:nvPr/>
-          </p:nvSpPr>
-          <p:spPr>
-            <a:xfrm>
-              <a:off x="2680145" y="4532821"/>
+            <p:cNvPr id="187" name="pt187"/>
+            <p:cNvSpPr/>
+            <p:nvPr/>
+          </p:nvSpPr>
+          <p:spPr>
+            <a:xfrm>
+              <a:off x="2715152" y="4518458"/>
               <a:ext cx="36101" cy="36101"/>
             </a:xfrm>
             <a:prstGeom prst="ellipse">
@@ -7459,13 +9379,13 @@
         </p:sp>
         <p:sp>
           <p:nvSpPr>
-            <p:cNvPr id="140" name="pt140"/>
-            <p:cNvSpPr/>
-            <p:nvPr/>
-          </p:nvSpPr>
-          <p:spPr>
-            <a:xfrm>
-              <a:off x="2928192" y="4542000"/>
+            <p:cNvPr id="188" name="pt188"/>
+            <p:cNvSpPr/>
+            <p:nvPr/>
+          </p:nvSpPr>
+          <p:spPr>
+            <a:xfrm>
+              <a:off x="2947076" y="4519630"/>
               <a:ext cx="36101" cy="36101"/>
             </a:xfrm>
             <a:prstGeom prst="ellipse">
@@ -7494,13 +9414,13 @@
         </p:sp>
         <p:sp>
           <p:nvSpPr>
-            <p:cNvPr id="141" name="pt141"/>
-            <p:cNvSpPr/>
-            <p:nvPr/>
-          </p:nvSpPr>
-          <p:spPr>
-            <a:xfrm>
-              <a:off x="2515685" y="4555697"/>
+            <p:cNvPr id="189" name="pt189"/>
+            <p:cNvSpPr/>
+            <p:nvPr/>
+          </p:nvSpPr>
+          <p:spPr>
+            <a:xfrm>
+              <a:off x="2560313" y="4548876"/>
               <a:ext cx="68966" cy="68966"/>
             </a:xfrm>
             <a:prstGeom prst="ellipse">
@@ -7529,13 +9449,13 @@
         </p:sp>
         <p:sp>
           <p:nvSpPr>
-            <p:cNvPr id="142" name="pt142"/>
-            <p:cNvSpPr/>
-            <p:nvPr/>
-          </p:nvSpPr>
-          <p:spPr>
-            <a:xfrm>
-              <a:off x="2648139" y="4514261"/>
+            <p:cNvPr id="190" name="pt190"/>
+            <p:cNvSpPr/>
+            <p:nvPr/>
+          </p:nvSpPr>
+          <p:spPr>
+            <a:xfrm>
+              <a:off x="2685226" y="4536019"/>
               <a:ext cx="36101" cy="36101"/>
             </a:xfrm>
             <a:prstGeom prst="ellipse">
@@ -7564,13 +9484,13 @@
         </p:sp>
         <p:sp>
           <p:nvSpPr>
-            <p:cNvPr id="143" name="pt143"/>
-            <p:cNvSpPr/>
-            <p:nvPr/>
-          </p:nvSpPr>
-          <p:spPr>
-            <a:xfrm>
-              <a:off x="2936193" y="4547815"/>
+            <p:cNvPr id="191" name="pt191"/>
+            <p:cNvSpPr/>
+            <p:nvPr/>
+          </p:nvSpPr>
+          <p:spPr>
+            <a:xfrm>
+              <a:off x="2954557" y="4512927"/>
               <a:ext cx="36101" cy="36101"/>
             </a:xfrm>
             <a:prstGeom prst="ellipse">
@@ -7599,13 +9519,13 @@
         </p:sp>
         <p:sp>
           <p:nvSpPr>
-            <p:cNvPr id="144" name="pt144"/>
-            <p:cNvSpPr/>
-            <p:nvPr/>
-          </p:nvSpPr>
-          <p:spPr>
-            <a:xfrm>
-              <a:off x="3276258" y="4549437"/>
+            <p:cNvPr id="192" name="pt192"/>
+            <p:cNvSpPr/>
+            <p:nvPr/>
+          </p:nvSpPr>
+          <p:spPr>
+            <a:xfrm>
+              <a:off x="3272517" y="4538945"/>
               <a:ext cx="36101" cy="36101"/>
             </a:xfrm>
             <a:prstGeom prst="ellipse">
@@ -7634,13 +9554,13 @@
         </p:sp>
         <p:sp>
           <p:nvSpPr>
-            <p:cNvPr id="145" name="pt145"/>
-            <p:cNvSpPr/>
-            <p:nvPr/>
-          </p:nvSpPr>
-          <p:spPr>
-            <a:xfrm>
-              <a:off x="2071601" y="5753660"/>
+            <p:cNvPr id="193" name="pt193"/>
+            <p:cNvSpPr/>
+            <p:nvPr/>
+          </p:nvSpPr>
+          <p:spPr>
+            <a:xfrm>
+              <a:off x="2145094" y="5767005"/>
               <a:ext cx="68966" cy="68966"/>
             </a:xfrm>
             <a:prstGeom prst="ellipse">
@@ -7669,13 +9589,13 @@
         </p:sp>
         <p:sp>
           <p:nvSpPr>
-            <p:cNvPr id="146" name="pt146"/>
-            <p:cNvSpPr/>
-            <p:nvPr/>
-          </p:nvSpPr>
-          <p:spPr>
-            <a:xfrm>
-              <a:off x="2060028" y="5577076"/>
+            <p:cNvPr id="194" name="pt194"/>
+            <p:cNvSpPr/>
+            <p:nvPr/>
+          </p:nvSpPr>
+          <p:spPr>
+            <a:xfrm>
+              <a:off x="2135342" y="5605297"/>
               <a:ext cx="36101" cy="36101"/>
             </a:xfrm>
             <a:prstGeom prst="ellipse">
@@ -7704,13 +9624,13 @@
         </p:sp>
         <p:sp>
           <p:nvSpPr>
-            <p:cNvPr id="147" name="pt147"/>
-            <p:cNvSpPr/>
-            <p:nvPr/>
-          </p:nvSpPr>
-          <p:spPr>
-            <a:xfrm>
-              <a:off x="2100418" y="5198033"/>
+            <p:cNvPr id="195" name="pt195"/>
+            <p:cNvSpPr/>
+            <p:nvPr/>
+          </p:nvSpPr>
+          <p:spPr>
+            <a:xfrm>
+              <a:off x="2172352" y="5224881"/>
               <a:ext cx="59340" cy="59340"/>
             </a:xfrm>
             <a:prstGeom prst="ellipse">
@@ -7739,13 +9659,13 @@
         </p:sp>
         <p:sp>
           <p:nvSpPr>
-            <p:cNvPr id="148" name="pt148"/>
-            <p:cNvSpPr/>
-            <p:nvPr/>
-          </p:nvSpPr>
-          <p:spPr>
-            <a:xfrm>
-              <a:off x="2100418" y="5201440"/>
+            <p:cNvPr id="196" name="pt196"/>
+            <p:cNvSpPr/>
+            <p:nvPr/>
+          </p:nvSpPr>
+          <p:spPr>
+            <a:xfrm>
+              <a:off x="2172352" y="5255870"/>
               <a:ext cx="59340" cy="59340"/>
             </a:xfrm>
             <a:prstGeom prst="ellipse">
@@ -7774,13 +9694,13 @@
         </p:sp>
         <p:sp>
           <p:nvSpPr>
-            <p:cNvPr id="149" name="pt149"/>
-            <p:cNvSpPr/>
-            <p:nvPr/>
-          </p:nvSpPr>
-          <p:spPr>
-            <a:xfrm>
-              <a:off x="2096417" y="5230672"/>
+            <p:cNvPr id="197" name="pt197"/>
+            <p:cNvSpPr/>
+            <p:nvPr/>
+          </p:nvSpPr>
+          <p:spPr>
+            <a:xfrm>
+              <a:off x="2168611" y="5221375"/>
               <a:ext cx="59340" cy="59340"/>
             </a:xfrm>
             <a:prstGeom prst="ellipse">
@@ -7809,13 +9729,13 @@
         </p:sp>
         <p:sp>
           <p:nvSpPr>
-            <p:cNvPr id="150" name="pt150"/>
-            <p:cNvSpPr/>
-            <p:nvPr/>
-          </p:nvSpPr>
-          <p:spPr>
-            <a:xfrm>
-              <a:off x="2096417" y="5237102"/>
+            <p:cNvPr id="198" name="pt198"/>
+            <p:cNvSpPr/>
+            <p:nvPr/>
+          </p:nvSpPr>
+          <p:spPr>
+            <a:xfrm>
+              <a:off x="2168611" y="5228918"/>
               <a:ext cx="59340" cy="59340"/>
             </a:xfrm>
             <a:prstGeom prst="ellipse">
@@ -7844,13 +9764,13 @@
         </p:sp>
         <p:sp>
           <p:nvSpPr>
-            <p:cNvPr id="151" name="pt151"/>
-            <p:cNvSpPr/>
-            <p:nvPr/>
-          </p:nvSpPr>
-          <p:spPr>
-            <a:xfrm>
-              <a:off x="3232249" y="5400905"/>
+            <p:cNvPr id="199" name="pt199"/>
+            <p:cNvSpPr/>
+            <p:nvPr/>
+          </p:nvSpPr>
+          <p:spPr>
+            <a:xfrm>
+              <a:off x="3231369" y="5410632"/>
               <a:ext cx="36101" cy="36101"/>
             </a:xfrm>
             <a:prstGeom prst="ellipse">
@@ -7879,13 +9799,13 @@
         </p:sp>
         <p:sp>
           <p:nvSpPr>
-            <p:cNvPr id="152" name="pt152"/>
-            <p:cNvSpPr/>
-            <p:nvPr/>
-          </p:nvSpPr>
-          <p:spPr>
-            <a:xfrm>
-              <a:off x="1972394" y="5410157"/>
+            <p:cNvPr id="200" name="pt200"/>
+            <p:cNvSpPr/>
+            <p:nvPr/>
+          </p:nvSpPr>
+          <p:spPr>
+            <a:xfrm>
+              <a:off x="2052649" y="5366333"/>
               <a:ext cx="59340" cy="59340"/>
             </a:xfrm>
             <a:prstGeom prst="ellipse">
@@ -7914,13 +9834,13 @@
         </p:sp>
         <p:sp>
           <p:nvSpPr>
-            <p:cNvPr id="153" name="pt153"/>
-            <p:cNvSpPr/>
-            <p:nvPr/>
-          </p:nvSpPr>
-          <p:spPr>
-            <a:xfrm>
-              <a:off x="2832174" y="5387876"/>
+            <p:cNvPr id="201" name="pt201"/>
+            <p:cNvSpPr/>
+            <p:nvPr/>
+          </p:nvSpPr>
+          <p:spPr>
+            <a:xfrm>
+              <a:off x="2857299" y="5420038"/>
               <a:ext cx="36101" cy="36101"/>
             </a:xfrm>
             <a:prstGeom prst="ellipse">
@@ -7949,13 +9869,13 @@
         </p:sp>
         <p:sp>
           <p:nvSpPr>
-            <p:cNvPr id="154" name="pt154"/>
-            <p:cNvSpPr/>
-            <p:nvPr/>
-          </p:nvSpPr>
-          <p:spPr>
-            <a:xfrm>
-              <a:off x="1907999" y="5396459"/>
+            <p:cNvPr id="202" name="pt202"/>
+            <p:cNvSpPr/>
+            <p:nvPr/>
+          </p:nvSpPr>
+          <p:spPr>
+            <a:xfrm>
+              <a:off x="1993195" y="5377426"/>
               <a:ext cx="36101" cy="36101"/>
             </a:xfrm>
             <a:prstGeom prst="ellipse">
@@ -7984,13 +9904,13 @@
         </p:sp>
         <p:sp>
           <p:nvSpPr>
-            <p:cNvPr id="155" name="pt155"/>
-            <p:cNvSpPr/>
-            <p:nvPr/>
-          </p:nvSpPr>
-          <p:spPr>
-            <a:xfrm>
-              <a:off x="3168237" y="5421382"/>
+            <p:cNvPr id="203" name="pt203"/>
+            <p:cNvSpPr/>
+            <p:nvPr/>
+          </p:nvSpPr>
+          <p:spPr>
+            <a:xfrm>
+              <a:off x="3171518" y="5439219"/>
               <a:ext cx="36101" cy="36101"/>
             </a:xfrm>
             <a:prstGeom prst="ellipse">
@@ -8019,13 +9939,13 @@
         </p:sp>
         <p:sp>
           <p:nvSpPr>
-            <p:cNvPr id="156" name="pt156"/>
-            <p:cNvSpPr/>
-            <p:nvPr/>
-          </p:nvSpPr>
-          <p:spPr>
-            <a:xfrm>
-              <a:off x="2160047" y="5036221"/>
+            <p:cNvPr id="204" name="pt204"/>
+            <p:cNvSpPr/>
+            <p:nvPr/>
+          </p:nvSpPr>
+          <p:spPr>
+            <a:xfrm>
+              <a:off x="2228860" y="5096665"/>
               <a:ext cx="36101" cy="36101"/>
             </a:xfrm>
             <a:prstGeom prst="ellipse">
@@ -8054,13 +9974,13 @@
         </p:sp>
         <p:sp>
           <p:nvSpPr>
-            <p:cNvPr id="157" name="pt157"/>
-            <p:cNvSpPr/>
-            <p:nvPr/>
-          </p:nvSpPr>
-          <p:spPr>
-            <a:xfrm>
-              <a:off x="2059906" y="4680424"/>
+            <p:cNvPr id="205" name="pt205"/>
+            <p:cNvSpPr/>
+            <p:nvPr/>
+          </p:nvSpPr>
+          <p:spPr>
+            <a:xfrm>
+              <a:off x="2133920" y="4676901"/>
               <a:ext cx="76352" cy="76352"/>
             </a:xfrm>
             <a:prstGeom prst="ellipse">
@@ -8089,13 +10009,13 @@
         </p:sp>
         <p:sp>
           <p:nvSpPr>
-            <p:cNvPr id="158" name="pt158"/>
-            <p:cNvSpPr/>
-            <p:nvPr/>
-          </p:nvSpPr>
-          <p:spPr>
-            <a:xfrm>
-              <a:off x="2908188" y="4554333"/>
+            <p:cNvPr id="206" name="pt206"/>
+            <p:cNvSpPr/>
+            <p:nvPr/>
+          </p:nvSpPr>
+          <p:spPr>
+            <a:xfrm>
+              <a:off x="2928372" y="4511927"/>
               <a:ext cx="36101" cy="36101"/>
             </a:xfrm>
             <a:prstGeom prst="ellipse">
@@ -8124,13 +10044,13 @@
         </p:sp>
         <p:sp>
           <p:nvSpPr>
-            <p:cNvPr id="159" name="pt159"/>
-            <p:cNvSpPr/>
-            <p:nvPr/>
-          </p:nvSpPr>
-          <p:spPr>
-            <a:xfrm>
-              <a:off x="2100418" y="5202973"/>
+            <p:cNvPr id="207" name="pt207"/>
+            <p:cNvSpPr/>
+            <p:nvPr/>
+          </p:nvSpPr>
+          <p:spPr>
+            <a:xfrm>
+              <a:off x="2172352" y="5240596"/>
               <a:ext cx="59340" cy="59340"/>
             </a:xfrm>
             <a:prstGeom prst="ellipse">
@@ -8159,13 +10079,13 @@
         </p:sp>
         <p:sp>
           <p:nvSpPr>
-            <p:cNvPr id="160" name="pt160"/>
-            <p:cNvSpPr/>
-            <p:nvPr/>
-          </p:nvSpPr>
-          <p:spPr>
-            <a:xfrm>
-              <a:off x="3152234" y="5572410"/>
+            <p:cNvPr id="208" name="pt208"/>
+            <p:cNvSpPr/>
+            <p:nvPr/>
+          </p:nvSpPr>
+          <p:spPr>
+            <a:xfrm>
+              <a:off x="3156555" y="5564102"/>
               <a:ext cx="36101" cy="36101"/>
             </a:xfrm>
             <a:prstGeom prst="ellipse">
@@ -8194,13 +10114,13 @@
         </p:sp>
         <p:sp>
           <p:nvSpPr>
-            <p:cNvPr id="161" name="tx161"/>
-            <p:cNvSpPr/>
-            <p:nvPr/>
-          </p:nvSpPr>
-          <p:spPr>
-            <a:xfrm>
-              <a:off x="2821466" y="5597898"/>
+            <p:cNvPr id="209" name="tx209"/>
+            <p:cNvSpPr/>
+            <p:nvPr/>
+          </p:nvSpPr>
+          <p:spPr>
+            <a:xfrm>
+              <a:off x="2830988" y="5597898"/>
               <a:ext cx="537607" cy="103852"/>
             </a:xfrm>
             <a:prstGeom prst="rect">
@@ -8240,7 +10160,7 @@
         </p:sp>
         <p:sp>
           <p:nvSpPr>
-            <p:cNvPr id="162" name="rc162"/>
+            <p:cNvPr id="210" name="rc210"/>
             <p:cNvSpPr/>
             <p:nvPr/>
           </p:nvSpPr>
@@ -8270,13 +10190,733 @@
         </p:sp>
         <p:sp>
           <p:nvSpPr>
-            <p:cNvPr id="163" name="pt163"/>
-            <p:cNvSpPr/>
-            <p:nvPr/>
-          </p:nvSpPr>
-          <p:spPr>
-            <a:xfrm>
-              <a:off x="5011138" y="4832250"/>
+            <p:cNvPr id="211" name="pl211"/>
+            <p:cNvSpPr/>
+            <p:nvPr/>
+          </p:nvSpPr>
+          <p:spPr>
+            <a:xfrm>
+              <a:off x="4741135" y="4824341"/>
+              <a:ext cx="1155878" cy="0"/>
+            </a:xfrm>
+            <a:custGeom>
+              <a:avLst/>
+              <a:pathLst>
+                <a:path w="1155878" h="0">
+                  <a:moveTo>
+                    <a:pt x="0" y="0"/>
+                  </a:moveTo>
+                  <a:lnTo>
+                    <a:pt x="1155878" y="0"/>
+                  </a:lnTo>
+                </a:path>
+              </a:pathLst>
+            </a:custGeom>
+            <a:ln w="108405" cap="flat">
+              <a:solidFill>
+                <a:srgbClr val="FFC0CB">
+                  <a:alpha val="100000"/>
+                </a:srgbClr>
+              </a:solidFill>
+              <a:prstDash val="solid"/>
+              <a:round/>
+            </a:ln>
+          </p:spPr>
+          <p:txBody>
+            <a:bodyPr/>
+            <a:lstStyle/>
+            <a:p/>
+          </p:txBody>
+        </p:sp>
+        <p:sp>
+          <p:nvSpPr>
+            <p:cNvPr id="212" name="pl212"/>
+            <p:cNvSpPr/>
+            <p:nvPr/>
+          </p:nvSpPr>
+          <p:spPr>
+            <a:xfrm>
+              <a:off x="4741135" y="4824341"/>
+              <a:ext cx="1155878" cy="0"/>
+            </a:xfrm>
+            <a:custGeom>
+              <a:avLst/>
+              <a:pathLst>
+                <a:path w="1155878" h="0">
+                  <a:moveTo>
+                    <a:pt x="0" y="0"/>
+                  </a:moveTo>
+                  <a:lnTo>
+                    <a:pt x="1155878" y="0"/>
+                  </a:lnTo>
+                </a:path>
+              </a:pathLst>
+            </a:custGeom>
+            <a:ln w="108405" cap="flat">
+              <a:solidFill>
+                <a:srgbClr val="FFC0CB">
+                  <a:alpha val="100000"/>
+                </a:srgbClr>
+              </a:solidFill>
+              <a:prstDash val="solid"/>
+              <a:round/>
+            </a:ln>
+          </p:spPr>
+          <p:txBody>
+            <a:bodyPr/>
+            <a:lstStyle/>
+            <a:p/>
+          </p:txBody>
+        </p:sp>
+        <p:sp>
+          <p:nvSpPr>
+            <p:cNvPr id="213" name="pl213"/>
+            <p:cNvSpPr/>
+            <p:nvPr/>
+          </p:nvSpPr>
+          <p:spPr>
+            <a:xfrm>
+              <a:off x="4741135" y="4824341"/>
+              <a:ext cx="1155878" cy="0"/>
+            </a:xfrm>
+            <a:custGeom>
+              <a:avLst/>
+              <a:pathLst>
+                <a:path w="1155878" h="0">
+                  <a:moveTo>
+                    <a:pt x="0" y="0"/>
+                  </a:moveTo>
+                  <a:lnTo>
+                    <a:pt x="1155878" y="0"/>
+                  </a:lnTo>
+                </a:path>
+              </a:pathLst>
+            </a:custGeom>
+            <a:ln w="108405" cap="flat">
+              <a:solidFill>
+                <a:srgbClr val="FFC0CB">
+                  <a:alpha val="100000"/>
+                </a:srgbClr>
+              </a:solidFill>
+              <a:prstDash val="solid"/>
+              <a:round/>
+            </a:ln>
+          </p:spPr>
+          <p:txBody>
+            <a:bodyPr/>
+            <a:lstStyle/>
+            <a:p/>
+          </p:txBody>
+        </p:sp>
+        <p:sp>
+          <p:nvSpPr>
+            <p:cNvPr id="214" name="pl214"/>
+            <p:cNvSpPr/>
+            <p:nvPr/>
+          </p:nvSpPr>
+          <p:spPr>
+            <a:xfrm>
+              <a:off x="4741135" y="4824341"/>
+              <a:ext cx="1155878" cy="0"/>
+            </a:xfrm>
+            <a:custGeom>
+              <a:avLst/>
+              <a:pathLst>
+                <a:path w="1155878" h="0">
+                  <a:moveTo>
+                    <a:pt x="0" y="0"/>
+                  </a:moveTo>
+                  <a:lnTo>
+                    <a:pt x="1155878" y="0"/>
+                  </a:lnTo>
+                </a:path>
+              </a:pathLst>
+            </a:custGeom>
+            <a:ln w="108405" cap="flat">
+              <a:solidFill>
+                <a:srgbClr val="FFC0CB">
+                  <a:alpha val="100000"/>
+                </a:srgbClr>
+              </a:solidFill>
+              <a:prstDash val="solid"/>
+              <a:round/>
+            </a:ln>
+          </p:spPr>
+          <p:txBody>
+            <a:bodyPr/>
+            <a:lstStyle/>
+            <a:p/>
+          </p:txBody>
+        </p:sp>
+        <p:sp>
+          <p:nvSpPr>
+            <p:cNvPr id="215" name="pl215"/>
+            <p:cNvSpPr/>
+            <p:nvPr/>
+          </p:nvSpPr>
+          <p:spPr>
+            <a:xfrm>
+              <a:off x="4741135" y="4824341"/>
+              <a:ext cx="1155878" cy="0"/>
+            </a:xfrm>
+            <a:custGeom>
+              <a:avLst/>
+              <a:pathLst>
+                <a:path w="1155878" h="0">
+                  <a:moveTo>
+                    <a:pt x="0" y="0"/>
+                  </a:moveTo>
+                  <a:lnTo>
+                    <a:pt x="1155878" y="0"/>
+                  </a:lnTo>
+                </a:path>
+              </a:pathLst>
+            </a:custGeom>
+            <a:ln w="108405" cap="flat">
+              <a:solidFill>
+                <a:srgbClr val="FFC0CB">
+                  <a:alpha val="100000"/>
+                </a:srgbClr>
+              </a:solidFill>
+              <a:prstDash val="solid"/>
+              <a:round/>
+            </a:ln>
+          </p:spPr>
+          <p:txBody>
+            <a:bodyPr/>
+            <a:lstStyle/>
+            <a:p/>
+          </p:txBody>
+        </p:sp>
+        <p:sp>
+          <p:nvSpPr>
+            <p:cNvPr id="216" name="pl216"/>
+            <p:cNvSpPr/>
+            <p:nvPr/>
+          </p:nvSpPr>
+          <p:spPr>
+            <a:xfrm>
+              <a:off x="4741135" y="4824341"/>
+              <a:ext cx="1155878" cy="0"/>
+            </a:xfrm>
+            <a:custGeom>
+              <a:avLst/>
+              <a:pathLst>
+                <a:path w="1155878" h="0">
+                  <a:moveTo>
+                    <a:pt x="0" y="0"/>
+                  </a:moveTo>
+                  <a:lnTo>
+                    <a:pt x="1155878" y="0"/>
+                  </a:lnTo>
+                </a:path>
+              </a:pathLst>
+            </a:custGeom>
+            <a:ln w="108405" cap="flat">
+              <a:solidFill>
+                <a:srgbClr val="FFC0CB">
+                  <a:alpha val="100000"/>
+                </a:srgbClr>
+              </a:solidFill>
+              <a:prstDash val="solid"/>
+              <a:round/>
+            </a:ln>
+          </p:spPr>
+          <p:txBody>
+            <a:bodyPr/>
+            <a:lstStyle/>
+            <a:p/>
+          </p:txBody>
+        </p:sp>
+        <p:sp>
+          <p:nvSpPr>
+            <p:cNvPr id="217" name="pl217"/>
+            <p:cNvSpPr/>
+            <p:nvPr/>
+          </p:nvSpPr>
+          <p:spPr>
+            <a:xfrm>
+              <a:off x="4741135" y="4824341"/>
+              <a:ext cx="1155878" cy="0"/>
+            </a:xfrm>
+            <a:custGeom>
+              <a:avLst/>
+              <a:pathLst>
+                <a:path w="1155878" h="0">
+                  <a:moveTo>
+                    <a:pt x="0" y="0"/>
+                  </a:moveTo>
+                  <a:lnTo>
+                    <a:pt x="1155878" y="0"/>
+                  </a:lnTo>
+                </a:path>
+              </a:pathLst>
+            </a:custGeom>
+            <a:ln w="108405" cap="flat">
+              <a:solidFill>
+                <a:srgbClr val="FFC0CB">
+                  <a:alpha val="100000"/>
+                </a:srgbClr>
+              </a:solidFill>
+              <a:prstDash val="solid"/>
+              <a:round/>
+            </a:ln>
+          </p:spPr>
+          <p:txBody>
+            <a:bodyPr/>
+            <a:lstStyle/>
+            <a:p/>
+          </p:txBody>
+        </p:sp>
+        <p:sp>
+          <p:nvSpPr>
+            <p:cNvPr id="218" name="pl218"/>
+            <p:cNvSpPr/>
+            <p:nvPr/>
+          </p:nvSpPr>
+          <p:spPr>
+            <a:xfrm>
+              <a:off x="4741135" y="4824341"/>
+              <a:ext cx="1155878" cy="0"/>
+            </a:xfrm>
+            <a:custGeom>
+              <a:avLst/>
+              <a:pathLst>
+                <a:path w="1155878" h="0">
+                  <a:moveTo>
+                    <a:pt x="0" y="0"/>
+                  </a:moveTo>
+                  <a:lnTo>
+                    <a:pt x="1155878" y="0"/>
+                  </a:lnTo>
+                </a:path>
+              </a:pathLst>
+            </a:custGeom>
+            <a:ln w="108405" cap="flat">
+              <a:solidFill>
+                <a:srgbClr val="FFC0CB">
+                  <a:alpha val="100000"/>
+                </a:srgbClr>
+              </a:solidFill>
+              <a:prstDash val="solid"/>
+              <a:round/>
+            </a:ln>
+          </p:spPr>
+          <p:txBody>
+            <a:bodyPr/>
+            <a:lstStyle/>
+            <a:p/>
+          </p:txBody>
+        </p:sp>
+        <p:sp>
+          <p:nvSpPr>
+            <p:cNvPr id="219" name="pl219"/>
+            <p:cNvSpPr/>
+            <p:nvPr/>
+          </p:nvSpPr>
+          <p:spPr>
+            <a:xfrm>
+              <a:off x="5156353" y="4595640"/>
+              <a:ext cx="1081064" cy="0"/>
+            </a:xfrm>
+            <a:custGeom>
+              <a:avLst/>
+              <a:pathLst>
+                <a:path w="1081064" h="0">
+                  <a:moveTo>
+                    <a:pt x="0" y="0"/>
+                  </a:moveTo>
+                  <a:lnTo>
+                    <a:pt x="1081064" y="0"/>
+                  </a:lnTo>
+                </a:path>
+              </a:pathLst>
+            </a:custGeom>
+            <a:ln w="108405" cap="flat">
+              <a:solidFill>
+                <a:srgbClr val="FFC0CB">
+                  <a:alpha val="100000"/>
+                </a:srgbClr>
+              </a:solidFill>
+              <a:prstDash val="solid"/>
+              <a:round/>
+            </a:ln>
+          </p:spPr>
+          <p:txBody>
+            <a:bodyPr/>
+            <a:lstStyle/>
+            <a:p/>
+          </p:txBody>
+        </p:sp>
+        <p:sp>
+          <p:nvSpPr>
+            <p:cNvPr id="220" name="pl220"/>
+            <p:cNvSpPr/>
+            <p:nvPr/>
+          </p:nvSpPr>
+          <p:spPr>
+            <a:xfrm>
+              <a:off x="5156353" y="4595640"/>
+              <a:ext cx="1081064" cy="0"/>
+            </a:xfrm>
+            <a:custGeom>
+              <a:avLst/>
+              <a:pathLst>
+                <a:path w="1081064" h="0">
+                  <a:moveTo>
+                    <a:pt x="0" y="0"/>
+                  </a:moveTo>
+                  <a:lnTo>
+                    <a:pt x="1081064" y="0"/>
+                  </a:lnTo>
+                </a:path>
+              </a:pathLst>
+            </a:custGeom>
+            <a:ln w="108405" cap="flat">
+              <a:solidFill>
+                <a:srgbClr val="FFC0CB">
+                  <a:alpha val="100000"/>
+                </a:srgbClr>
+              </a:solidFill>
+              <a:prstDash val="solid"/>
+              <a:round/>
+            </a:ln>
+          </p:spPr>
+          <p:txBody>
+            <a:bodyPr/>
+            <a:lstStyle/>
+            <a:p/>
+          </p:txBody>
+        </p:sp>
+        <p:sp>
+          <p:nvSpPr>
+            <p:cNvPr id="221" name="pl221"/>
+            <p:cNvSpPr/>
+            <p:nvPr/>
+          </p:nvSpPr>
+          <p:spPr>
+            <a:xfrm>
+              <a:off x="5156353" y="4595640"/>
+              <a:ext cx="1081064" cy="0"/>
+            </a:xfrm>
+            <a:custGeom>
+              <a:avLst/>
+              <a:pathLst>
+                <a:path w="1081064" h="0">
+                  <a:moveTo>
+                    <a:pt x="0" y="0"/>
+                  </a:moveTo>
+                  <a:lnTo>
+                    <a:pt x="1081064" y="0"/>
+                  </a:lnTo>
+                </a:path>
+              </a:pathLst>
+            </a:custGeom>
+            <a:ln w="108405" cap="flat">
+              <a:solidFill>
+                <a:srgbClr val="FFC0CB">
+                  <a:alpha val="100000"/>
+                </a:srgbClr>
+              </a:solidFill>
+              <a:prstDash val="solid"/>
+              <a:round/>
+            </a:ln>
+          </p:spPr>
+          <p:txBody>
+            <a:bodyPr/>
+            <a:lstStyle/>
+            <a:p/>
+          </p:txBody>
+        </p:sp>
+        <p:sp>
+          <p:nvSpPr>
+            <p:cNvPr id="222" name="pl222"/>
+            <p:cNvSpPr/>
+            <p:nvPr/>
+          </p:nvSpPr>
+          <p:spPr>
+            <a:xfrm>
+              <a:off x="5156353" y="4595640"/>
+              <a:ext cx="1081064" cy="0"/>
+            </a:xfrm>
+            <a:custGeom>
+              <a:avLst/>
+              <a:pathLst>
+                <a:path w="1081064" h="0">
+                  <a:moveTo>
+                    <a:pt x="0" y="0"/>
+                  </a:moveTo>
+                  <a:lnTo>
+                    <a:pt x="1081064" y="0"/>
+                  </a:lnTo>
+                </a:path>
+              </a:pathLst>
+            </a:custGeom>
+            <a:ln w="108405" cap="flat">
+              <a:solidFill>
+                <a:srgbClr val="FFC0CB">
+                  <a:alpha val="100000"/>
+                </a:srgbClr>
+              </a:solidFill>
+              <a:prstDash val="solid"/>
+              <a:round/>
+            </a:ln>
+          </p:spPr>
+          <p:txBody>
+            <a:bodyPr/>
+            <a:lstStyle/>
+            <a:p/>
+          </p:txBody>
+        </p:sp>
+        <p:sp>
+          <p:nvSpPr>
+            <p:cNvPr id="223" name="pl223"/>
+            <p:cNvSpPr/>
+            <p:nvPr/>
+          </p:nvSpPr>
+          <p:spPr>
+            <a:xfrm>
+              <a:off x="5156353" y="4595640"/>
+              <a:ext cx="1081064" cy="0"/>
+            </a:xfrm>
+            <a:custGeom>
+              <a:avLst/>
+              <a:pathLst>
+                <a:path w="1081064" h="0">
+                  <a:moveTo>
+                    <a:pt x="0" y="0"/>
+                  </a:moveTo>
+                  <a:lnTo>
+                    <a:pt x="1081064" y="0"/>
+                  </a:lnTo>
+                </a:path>
+              </a:pathLst>
+            </a:custGeom>
+            <a:ln w="108405" cap="flat">
+              <a:solidFill>
+                <a:srgbClr val="FFC0CB">
+                  <a:alpha val="100000"/>
+                </a:srgbClr>
+              </a:solidFill>
+              <a:prstDash val="solid"/>
+              <a:round/>
+            </a:ln>
+          </p:spPr>
+          <p:txBody>
+            <a:bodyPr/>
+            <a:lstStyle/>
+            <a:p/>
+          </p:txBody>
+        </p:sp>
+        <p:sp>
+          <p:nvSpPr>
+            <p:cNvPr id="224" name="pl224"/>
+            <p:cNvSpPr/>
+            <p:nvPr/>
+          </p:nvSpPr>
+          <p:spPr>
+            <a:xfrm>
+              <a:off x="5156353" y="4595640"/>
+              <a:ext cx="1081064" cy="0"/>
+            </a:xfrm>
+            <a:custGeom>
+              <a:avLst/>
+              <a:pathLst>
+                <a:path w="1081064" h="0">
+                  <a:moveTo>
+                    <a:pt x="0" y="0"/>
+                  </a:moveTo>
+                  <a:lnTo>
+                    <a:pt x="1081064" y="0"/>
+                  </a:lnTo>
+                </a:path>
+              </a:pathLst>
+            </a:custGeom>
+            <a:ln w="108405" cap="flat">
+              <a:solidFill>
+                <a:srgbClr val="FFC0CB">
+                  <a:alpha val="100000"/>
+                </a:srgbClr>
+              </a:solidFill>
+              <a:prstDash val="solid"/>
+              <a:round/>
+            </a:ln>
+          </p:spPr>
+          <p:txBody>
+            <a:bodyPr/>
+            <a:lstStyle/>
+            <a:p/>
+          </p:txBody>
+        </p:sp>
+        <p:sp>
+          <p:nvSpPr>
+            <p:cNvPr id="225" name="pl225"/>
+            <p:cNvSpPr/>
+            <p:nvPr/>
+          </p:nvSpPr>
+          <p:spPr>
+            <a:xfrm>
+              <a:off x="5279796" y="5281743"/>
+              <a:ext cx="938917" cy="0"/>
+            </a:xfrm>
+            <a:custGeom>
+              <a:avLst/>
+              <a:pathLst>
+                <a:path w="938917" h="0">
+                  <a:moveTo>
+                    <a:pt x="0" y="0"/>
+                  </a:moveTo>
+                  <a:lnTo>
+                    <a:pt x="938917" y="0"/>
+                  </a:lnTo>
+                </a:path>
+              </a:pathLst>
+            </a:custGeom>
+            <a:ln w="108405" cap="flat">
+              <a:solidFill>
+                <a:srgbClr val="FFC0CB">
+                  <a:alpha val="100000"/>
+                </a:srgbClr>
+              </a:solidFill>
+              <a:prstDash val="solid"/>
+              <a:round/>
+            </a:ln>
+          </p:spPr>
+          <p:txBody>
+            <a:bodyPr/>
+            <a:lstStyle/>
+            <a:p/>
+          </p:txBody>
+        </p:sp>
+        <p:sp>
+          <p:nvSpPr>
+            <p:cNvPr id="226" name="pl226"/>
+            <p:cNvSpPr/>
+            <p:nvPr/>
+          </p:nvSpPr>
+          <p:spPr>
+            <a:xfrm>
+              <a:off x="4946873" y="5739145"/>
+              <a:ext cx="239405" cy="0"/>
+            </a:xfrm>
+            <a:custGeom>
+              <a:avLst/>
+              <a:pathLst>
+                <a:path w="239405" h="0">
+                  <a:moveTo>
+                    <a:pt x="0" y="0"/>
+                  </a:moveTo>
+                  <a:lnTo>
+                    <a:pt x="239405" y="0"/>
+                  </a:lnTo>
+                </a:path>
+              </a:pathLst>
+            </a:custGeom>
+            <a:ln w="108405" cap="flat">
+              <a:solidFill>
+                <a:srgbClr val="FFC0CB">
+                  <a:alpha val="100000"/>
+                </a:srgbClr>
+              </a:solidFill>
+              <a:prstDash val="solid"/>
+              <a:round/>
+            </a:ln>
+          </p:spPr>
+          <p:txBody>
+            <a:bodyPr/>
+            <a:lstStyle/>
+            <a:p/>
+          </p:txBody>
+        </p:sp>
+        <p:sp>
+          <p:nvSpPr>
+            <p:cNvPr id="227" name="pl227"/>
+            <p:cNvSpPr/>
+            <p:nvPr/>
+          </p:nvSpPr>
+          <p:spPr>
+            <a:xfrm>
+              <a:off x="5145131" y="5053042"/>
+              <a:ext cx="594772" cy="0"/>
+            </a:xfrm>
+            <a:custGeom>
+              <a:avLst/>
+              <a:pathLst>
+                <a:path w="594772" h="0">
+                  <a:moveTo>
+                    <a:pt x="0" y="0"/>
+                  </a:moveTo>
+                  <a:lnTo>
+                    <a:pt x="594772" y="0"/>
+                  </a:lnTo>
+                </a:path>
+              </a:pathLst>
+            </a:custGeom>
+            <a:ln w="108405" cap="flat">
+              <a:solidFill>
+                <a:srgbClr val="FFC0CB">
+                  <a:alpha val="100000"/>
+                </a:srgbClr>
+              </a:solidFill>
+              <a:prstDash val="solid"/>
+              <a:round/>
+            </a:ln>
+          </p:spPr>
+          <p:txBody>
+            <a:bodyPr/>
+            <a:lstStyle/>
+            <a:p/>
+          </p:txBody>
+        </p:sp>
+        <p:sp>
+          <p:nvSpPr>
+            <p:cNvPr id="228" name="pl228"/>
+            <p:cNvSpPr/>
+            <p:nvPr/>
+          </p:nvSpPr>
+          <p:spPr>
+            <a:xfrm>
+              <a:off x="5145131" y="5053042"/>
+              <a:ext cx="594772" cy="0"/>
+            </a:xfrm>
+            <a:custGeom>
+              <a:avLst/>
+              <a:pathLst>
+                <a:path w="594772" h="0">
+                  <a:moveTo>
+                    <a:pt x="0" y="0"/>
+                  </a:moveTo>
+                  <a:lnTo>
+                    <a:pt x="594772" y="0"/>
+                  </a:lnTo>
+                </a:path>
+              </a:pathLst>
+            </a:custGeom>
+            <a:ln w="108405" cap="flat">
+              <a:solidFill>
+                <a:srgbClr val="FFC0CB">
+                  <a:alpha val="100000"/>
+                </a:srgbClr>
+              </a:solidFill>
+              <a:prstDash val="solid"/>
+              <a:round/>
+            </a:ln>
+          </p:spPr>
+          <p:txBody>
+            <a:bodyPr/>
+            <a:lstStyle/>
+            <a:p/>
+          </p:txBody>
+        </p:sp>
+        <p:sp>
+          <p:nvSpPr>
+            <p:cNvPr id="229" name="pt229"/>
+            <p:cNvSpPr/>
+            <p:nvPr/>
+          </p:nvSpPr>
+          <p:spPr>
+            <a:xfrm>
+              <a:off x="5085933" y="4789714"/>
               <a:ext cx="36101" cy="36101"/>
             </a:xfrm>
             <a:prstGeom prst="ellipse">
@@ -8305,13 +10945,13 @@
         </p:sp>
         <p:sp>
           <p:nvSpPr>
-            <p:cNvPr id="164" name="pt164"/>
-            <p:cNvSpPr/>
-            <p:nvPr/>
-          </p:nvSpPr>
-          <p:spPr>
-            <a:xfrm>
-              <a:off x="5039144" y="4787629"/>
+            <p:cNvPr id="230" name="pt230"/>
+            <p:cNvSpPr/>
+            <p:nvPr/>
+          </p:nvSpPr>
+          <p:spPr>
+            <a:xfrm>
+              <a:off x="5112118" y="4837018"/>
               <a:ext cx="36101" cy="36101"/>
             </a:xfrm>
             <a:prstGeom prst="ellipse">
@@ -8340,13 +10980,13 @@
         </p:sp>
         <p:sp>
           <p:nvSpPr>
-            <p:cNvPr id="165" name="pt165"/>
-            <p:cNvSpPr/>
-            <p:nvPr/>
-          </p:nvSpPr>
-          <p:spPr>
-            <a:xfrm>
-              <a:off x="5063148" y="4776040"/>
+            <p:cNvPr id="231" name="pt231"/>
+            <p:cNvSpPr/>
+            <p:nvPr/>
+          </p:nvSpPr>
+          <p:spPr>
+            <a:xfrm>
+              <a:off x="5134562" y="4828405"/>
               <a:ext cx="36101" cy="36101"/>
             </a:xfrm>
             <a:prstGeom prst="ellipse">
@@ -8375,13 +11015,13 @@
         </p:sp>
         <p:sp>
           <p:nvSpPr>
-            <p:cNvPr id="166" name="pt166"/>
-            <p:cNvSpPr/>
-            <p:nvPr/>
-          </p:nvSpPr>
-          <p:spPr>
-            <a:xfrm>
-              <a:off x="5027141" y="4761573"/>
+            <p:cNvPr id="232" name="pt232"/>
+            <p:cNvSpPr/>
+            <p:nvPr/>
+          </p:nvSpPr>
+          <p:spPr>
+            <a:xfrm>
+              <a:off x="5100895" y="4773569"/>
               <a:ext cx="36101" cy="36101"/>
             </a:xfrm>
             <a:prstGeom prst="ellipse">
@@ -8410,13 +11050,13 @@
         </p:sp>
         <p:sp>
           <p:nvSpPr>
-            <p:cNvPr id="167" name="pt167"/>
-            <p:cNvSpPr/>
-            <p:nvPr/>
-          </p:nvSpPr>
-          <p:spPr>
-            <a:xfrm>
-              <a:off x="4803099" y="4799151"/>
+            <p:cNvPr id="233" name="pt233"/>
+            <p:cNvSpPr/>
+            <p:nvPr/>
+          </p:nvSpPr>
+          <p:spPr>
+            <a:xfrm>
+              <a:off x="4891416" y="4807819"/>
               <a:ext cx="36101" cy="36101"/>
             </a:xfrm>
             <a:prstGeom prst="ellipse">
@@ -8445,13 +11085,13 @@
         </p:sp>
         <p:sp>
           <p:nvSpPr>
-            <p:cNvPr id="168" name="pt168"/>
-            <p:cNvSpPr/>
-            <p:nvPr/>
-          </p:nvSpPr>
-          <p:spPr>
-            <a:xfrm>
-              <a:off x="4959129" y="4842051"/>
+            <p:cNvPr id="234" name="pt234"/>
+            <p:cNvSpPr/>
+            <p:nvPr/>
+          </p:nvSpPr>
+          <p:spPr>
+            <a:xfrm>
+              <a:off x="5037303" y="4788054"/>
               <a:ext cx="36101" cy="36101"/>
             </a:xfrm>
             <a:prstGeom prst="ellipse">
@@ -8480,13 +11120,13 @@
         </p:sp>
         <p:sp>
           <p:nvSpPr>
-            <p:cNvPr id="169" name="pt169"/>
-            <p:cNvSpPr/>
-            <p:nvPr/>
-          </p:nvSpPr>
-          <p:spPr>
-            <a:xfrm>
-              <a:off x="5011138" y="4816727"/>
+            <p:cNvPr id="235" name="pt235"/>
+            <p:cNvSpPr/>
+            <p:nvPr/>
+          </p:nvSpPr>
+          <p:spPr>
+            <a:xfrm>
+              <a:off x="5085933" y="4761767"/>
               <a:ext cx="36101" cy="36101"/>
             </a:xfrm>
             <a:prstGeom prst="ellipse">
@@ -8515,13 +11155,13 @@
         </p:sp>
         <p:sp>
           <p:nvSpPr>
-            <p:cNvPr id="170" name="pt170"/>
-            <p:cNvSpPr/>
-            <p:nvPr/>
-          </p:nvSpPr>
-          <p:spPr>
-            <a:xfrm>
-              <a:off x="4995135" y="4822952"/>
+            <p:cNvPr id="236" name="pt236"/>
+            <p:cNvSpPr/>
+            <p:nvPr/>
+          </p:nvSpPr>
+          <p:spPr>
+            <a:xfrm>
+              <a:off x="5070970" y="4788054"/>
               <a:ext cx="36101" cy="36101"/>
             </a:xfrm>
             <a:prstGeom prst="ellipse">
@@ -8550,13 +11190,13 @@
         </p:sp>
         <p:sp>
           <p:nvSpPr>
-            <p:cNvPr id="171" name="pt171"/>
-            <p:cNvSpPr/>
-            <p:nvPr/>
-          </p:nvSpPr>
-          <p:spPr>
-            <a:xfrm>
-              <a:off x="5339200" y="4557360"/>
+            <p:cNvPr id="237" name="pt237"/>
+            <p:cNvSpPr/>
+            <p:nvPr/>
+          </p:nvSpPr>
+          <p:spPr>
+            <a:xfrm>
+              <a:off x="5392671" y="4532508"/>
               <a:ext cx="36101" cy="36101"/>
             </a:xfrm>
             <a:prstGeom prst="ellipse">
@@ -8585,13 +11225,13 @@
         </p:sp>
         <p:sp>
           <p:nvSpPr>
-            <p:cNvPr id="172" name="pt172"/>
-            <p:cNvSpPr/>
-            <p:nvPr/>
-          </p:nvSpPr>
-          <p:spPr>
-            <a:xfrm>
-              <a:off x="5127160" y="4584673"/>
+            <p:cNvPr id="238" name="pt238"/>
+            <p:cNvSpPr/>
+            <p:nvPr/>
+          </p:nvSpPr>
+          <p:spPr>
+            <a:xfrm>
+              <a:off x="5194413" y="4599265"/>
               <a:ext cx="36101" cy="36101"/>
             </a:xfrm>
             <a:prstGeom prst="ellipse">
@@ -8620,13 +11260,13 @@
         </p:sp>
         <p:sp>
           <p:nvSpPr>
-            <p:cNvPr id="173" name="pt173"/>
-            <p:cNvSpPr/>
-            <p:nvPr/>
-          </p:nvSpPr>
-          <p:spPr>
-            <a:xfrm>
-              <a:off x="5319197" y="4580462"/>
+            <p:cNvPr id="239" name="pt239"/>
+            <p:cNvSpPr/>
+            <p:nvPr/>
+          </p:nvSpPr>
+          <p:spPr>
+            <a:xfrm>
+              <a:off x="5373967" y="4574190"/>
               <a:ext cx="36101" cy="36101"/>
             </a:xfrm>
             <a:prstGeom prst="ellipse">
@@ -8655,13 +11295,13 @@
         </p:sp>
         <p:sp>
           <p:nvSpPr>
-            <p:cNvPr id="174" name="pt174"/>
-            <p:cNvSpPr/>
-            <p:nvPr/>
-          </p:nvSpPr>
-          <p:spPr>
-            <a:xfrm>
-              <a:off x="5159166" y="4533042"/>
+            <p:cNvPr id="240" name="pt240"/>
+            <p:cNvSpPr/>
+            <p:nvPr/>
+          </p:nvSpPr>
+          <p:spPr>
+            <a:xfrm>
+              <a:off x="5224339" y="4598098"/>
               <a:ext cx="36101" cy="36101"/>
             </a:xfrm>
             <a:prstGeom prst="ellipse">
@@ -8690,13 +11330,13 @@
         </p:sp>
         <p:sp>
           <p:nvSpPr>
-            <p:cNvPr id="175" name="pt175"/>
-            <p:cNvSpPr/>
-            <p:nvPr/>
-          </p:nvSpPr>
-          <p:spPr>
-            <a:xfrm>
-              <a:off x="5463224" y="4547650"/>
+            <p:cNvPr id="241" name="pt241"/>
+            <p:cNvSpPr/>
+            <p:nvPr/>
+          </p:nvSpPr>
+          <p:spPr>
+            <a:xfrm>
+              <a:off x="5508632" y="4548458"/>
               <a:ext cx="36101" cy="36101"/>
             </a:xfrm>
             <a:prstGeom prst="ellipse">
@@ -8725,13 +11365,13 @@
         </p:sp>
         <p:sp>
           <p:nvSpPr>
-            <p:cNvPr id="176" name="pt176"/>
-            <p:cNvSpPr/>
-            <p:nvPr/>
-          </p:nvSpPr>
-          <p:spPr>
-            <a:xfrm>
-              <a:off x="5575245" y="4600640"/>
+            <p:cNvPr id="242" name="pt242"/>
+            <p:cNvSpPr/>
+            <p:nvPr/>
+          </p:nvSpPr>
+          <p:spPr>
+            <a:xfrm>
+              <a:off x="5613372" y="4571605"/>
               <a:ext cx="36101" cy="36101"/>
             </a:xfrm>
             <a:prstGeom prst="ellipse">
@@ -8760,13 +11400,13 @@
         </p:sp>
         <p:sp>
           <p:nvSpPr>
-            <p:cNvPr id="177" name="pt177"/>
-            <p:cNvSpPr/>
-            <p:nvPr/>
-          </p:nvSpPr>
-          <p:spPr>
-            <a:xfrm>
-              <a:off x="5275188" y="5498540"/>
+            <p:cNvPr id="243" name="pt243"/>
+            <p:cNvSpPr/>
+            <p:nvPr/>
+          </p:nvSpPr>
+          <p:spPr>
+            <a:xfrm>
+              <a:off x="5332819" y="5483882"/>
               <a:ext cx="36101" cy="36101"/>
             </a:xfrm>
             <a:prstGeom prst="ellipse">
@@ -8795,13 +11435,13 @@
         </p:sp>
         <p:sp>
           <p:nvSpPr>
-            <p:cNvPr id="178" name="pt178"/>
-            <p:cNvSpPr/>
-            <p:nvPr/>
-          </p:nvSpPr>
-          <p:spPr>
-            <a:xfrm>
-              <a:off x="5299193" y="5252389"/>
+            <p:cNvPr id="244" name="pt244"/>
+            <p:cNvSpPr/>
+            <p:nvPr/>
+          </p:nvSpPr>
+          <p:spPr>
+            <a:xfrm>
+              <a:off x="5355263" y="5231332"/>
               <a:ext cx="36101" cy="36101"/>
             </a:xfrm>
             <a:prstGeom prst="ellipse">
@@ -8830,13 +11470,13 @@
         </p:sp>
         <p:sp>
           <p:nvSpPr>
-            <p:cNvPr id="179" name="pt179"/>
-            <p:cNvSpPr/>
-            <p:nvPr/>
-          </p:nvSpPr>
-          <p:spPr>
-            <a:xfrm>
-              <a:off x="5179170" y="5724739"/>
+            <p:cNvPr id="245" name="pt245"/>
+            <p:cNvSpPr/>
+            <p:nvPr/>
+          </p:nvSpPr>
+          <p:spPr>
+            <a:xfrm>
+              <a:off x="5243042" y="5691814"/>
               <a:ext cx="36101" cy="36101"/>
             </a:xfrm>
             <a:prstGeom prst="ellipse">
@@ -8865,13 +11505,13 @@
         </p:sp>
         <p:sp>
           <p:nvSpPr>
-            <p:cNvPr id="180" name="pt180"/>
-            <p:cNvSpPr/>
-            <p:nvPr/>
-          </p:nvSpPr>
-          <p:spPr>
-            <a:xfrm>
-              <a:off x="5303194" y="4993242"/>
+            <p:cNvPr id="246" name="pt246"/>
+            <p:cNvSpPr/>
+            <p:nvPr/>
+          </p:nvSpPr>
+          <p:spPr>
+            <a:xfrm>
+              <a:off x="5359004" y="5032106"/>
               <a:ext cx="36101" cy="36101"/>
             </a:xfrm>
             <a:prstGeom prst="ellipse">
@@ -8900,13 +11540,13 @@
         </p:sp>
         <p:sp>
           <p:nvSpPr>
-            <p:cNvPr id="181" name="pt181"/>
-            <p:cNvSpPr/>
-            <p:nvPr/>
-          </p:nvSpPr>
-          <p:spPr>
-            <a:xfrm>
-              <a:off x="5515234" y="5044466"/>
+            <p:cNvPr id="247" name="pt247"/>
+            <p:cNvSpPr/>
+            <p:nvPr/>
+          </p:nvSpPr>
+          <p:spPr>
+            <a:xfrm>
+              <a:off x="5557262" y="5007404"/>
               <a:ext cx="36101" cy="36101"/>
             </a:xfrm>
             <a:prstGeom prst="ellipse">
@@ -8935,7 +11575,7 @@
         </p:sp>
         <p:sp>
           <p:nvSpPr>
-            <p:cNvPr id="182" name="rc182"/>
+            <p:cNvPr id="248" name="rc248"/>
             <p:cNvSpPr/>
             <p:nvPr/>
           </p:nvSpPr>
@@ -8965,7 +11605,7 @@
         </p:sp>
         <p:sp>
           <p:nvSpPr>
-            <p:cNvPr id="183" name="rc183"/>
+            <p:cNvPr id="249" name="rc249"/>
             <p:cNvSpPr/>
             <p:nvPr/>
           </p:nvSpPr>
@@ -8991,7 +11631,7 @@
         </p:sp>
         <p:sp>
           <p:nvSpPr>
-            <p:cNvPr id="184" name="tx184"/>
+            <p:cNvPr id="250" name="tx250"/>
             <p:cNvSpPr/>
             <p:nvPr/>
           </p:nvSpPr>
@@ -9037,7 +11677,7 @@
         </p:sp>
         <p:sp>
           <p:nvSpPr>
-            <p:cNvPr id="185" name="rc185"/>
+            <p:cNvPr id="251" name="rc251"/>
             <p:cNvSpPr/>
             <p:nvPr/>
           </p:nvSpPr>
@@ -9063,7 +11703,7 @@
         </p:sp>
         <p:sp>
           <p:nvSpPr>
-            <p:cNvPr id="186" name="tx186"/>
+            <p:cNvPr id="252" name="tx252"/>
             <p:cNvSpPr/>
             <p:nvPr/>
           </p:nvSpPr>
@@ -9109,7 +11749,7 @@
         </p:sp>
         <p:sp>
           <p:nvSpPr>
-            <p:cNvPr id="187" name="rc187"/>
+            <p:cNvPr id="253" name="rc253"/>
             <p:cNvSpPr/>
             <p:nvPr/>
           </p:nvSpPr>
@@ -9135,7 +11775,7 @@
         </p:sp>
         <p:sp>
           <p:nvSpPr>
-            <p:cNvPr id="188" name="tx188"/>
+            <p:cNvPr id="254" name="tx254"/>
             <p:cNvSpPr/>
             <p:nvPr/>
           </p:nvSpPr>
@@ -9181,7 +11821,7 @@
         </p:sp>
         <p:sp>
           <p:nvSpPr>
-            <p:cNvPr id="189" name="pl189"/>
+            <p:cNvPr id="255" name="pl255"/>
             <p:cNvSpPr/>
             <p:nvPr/>
           </p:nvSpPr>
@@ -9221,13 +11861,13 @@
         </p:sp>
         <p:sp>
           <p:nvSpPr>
-            <p:cNvPr id="190" name="pl190"/>
-            <p:cNvSpPr/>
-            <p:nvPr/>
-          </p:nvSpPr>
-          <p:spPr>
-            <a:xfrm>
-              <a:off x="2118086" y="5876366"/>
+            <p:cNvPr id="256" name="pl256"/>
+            <p:cNvSpPr/>
+            <p:nvPr/>
+          </p:nvSpPr>
+          <p:spPr>
+            <a:xfrm>
+              <a:off x="1816729" y="5876366"/>
               <a:ext cx="0" cy="44283"/>
             </a:xfrm>
             <a:custGeom>
@@ -9261,13 +11901,13 @@
         </p:sp>
         <p:sp>
           <p:nvSpPr>
-            <p:cNvPr id="191" name="pl191"/>
-            <p:cNvSpPr/>
-            <p:nvPr/>
-          </p:nvSpPr>
-          <p:spPr>
-            <a:xfrm>
-              <a:off x="2518162" y="5876366"/>
+            <p:cNvPr id="257" name="pl257"/>
+            <p:cNvSpPr/>
+            <p:nvPr/>
+          </p:nvSpPr>
+          <p:spPr>
+            <a:xfrm>
+              <a:off x="2190800" y="5876366"/>
               <a:ext cx="0" cy="44283"/>
             </a:xfrm>
             <a:custGeom>
@@ -9301,13 +11941,13 @@
         </p:sp>
         <p:sp>
           <p:nvSpPr>
-            <p:cNvPr id="192" name="pl192"/>
-            <p:cNvSpPr/>
-            <p:nvPr/>
-          </p:nvSpPr>
-          <p:spPr>
-            <a:xfrm>
-              <a:off x="2918237" y="5876366"/>
+            <p:cNvPr id="258" name="pl258"/>
+            <p:cNvSpPr/>
+            <p:nvPr/>
+          </p:nvSpPr>
+          <p:spPr>
+            <a:xfrm>
+              <a:off x="2564870" y="5876366"/>
               <a:ext cx="0" cy="44283"/>
             </a:xfrm>
             <a:custGeom>
@@ -9341,13 +11981,13 @@
         </p:sp>
         <p:sp>
           <p:nvSpPr>
-            <p:cNvPr id="193" name="pl193"/>
-            <p:cNvSpPr/>
-            <p:nvPr/>
-          </p:nvSpPr>
-          <p:spPr>
-            <a:xfrm>
-              <a:off x="3318313" y="5876366"/>
+            <p:cNvPr id="259" name="pl259"/>
+            <p:cNvSpPr/>
+            <p:nvPr/>
+          </p:nvSpPr>
+          <p:spPr>
+            <a:xfrm>
+              <a:off x="2938941" y="5876366"/>
               <a:ext cx="0" cy="44283"/>
             </a:xfrm>
             <a:custGeom>
@@ -9381,13 +12021,99 @@
         </p:sp>
         <p:sp>
           <p:nvSpPr>
-            <p:cNvPr id="194" name="tx194"/>
-            <p:cNvSpPr/>
-            <p:nvPr/>
-          </p:nvSpPr>
-          <p:spPr>
-            <a:xfrm>
-              <a:off x="2033328" y="5956301"/>
+            <p:cNvPr id="260" name="pl260"/>
+            <p:cNvSpPr/>
+            <p:nvPr/>
+          </p:nvSpPr>
+          <p:spPr>
+            <a:xfrm>
+              <a:off x="3313012" y="5876366"/>
+              <a:ext cx="0" cy="44283"/>
+            </a:xfrm>
+            <a:custGeom>
+              <a:avLst/>
+              <a:pathLst>
+                <a:path w="0" h="44283">
+                  <a:moveTo>
+                    <a:pt x="0" y="44283"/>
+                  </a:moveTo>
+                  <a:lnTo>
+                    <a:pt x="0" y="0"/>
+                  </a:lnTo>
+                </a:path>
+              </a:pathLst>
+            </a:custGeom>
+            <a:ln w="13550" cap="flat">
+              <a:solidFill>
+                <a:srgbClr val="000000">
+                  <a:alpha val="100000"/>
+                </a:srgbClr>
+              </a:solidFill>
+              <a:prstDash val="solid"/>
+              <a:round/>
+            </a:ln>
+          </p:spPr>
+          <p:txBody>
+            <a:bodyPr/>
+            <a:lstStyle/>
+            <a:p/>
+          </p:txBody>
+        </p:sp>
+        <p:sp>
+          <p:nvSpPr>
+            <p:cNvPr id="261" name="tx261"/>
+            <p:cNvSpPr/>
+            <p:nvPr/>
+          </p:nvSpPr>
+          <p:spPr>
+            <a:xfrm>
+              <a:off x="1731971" y="5956226"/>
+              <a:ext cx="169515" cy="111472"/>
+            </a:xfrm>
+            <a:prstGeom prst="rect">
+              <a:avLst/>
+            </a:prstGeom>
+            <a:noFill/>
+          </p:spPr>
+          <p:txBody>
+            <a:bodyPr lIns="0" rIns="0" tIns="0" bIns="0" anchorCtr="1" anchor="ctr" wrap="none"/>
+            <a:lstStyle/>
+            <a:p>
+              <a:pPr algn="l" marL="0" marR="0" indent="0">
+                <a:lnSpc>
+                  <a:spcPts val="1200"/>
+                </a:lnSpc>
+                <a:spcBef>
+                  <a:spcPts val="0"/>
+                </a:spcBef>
+                <a:spcAft>
+                  <a:spcPts val="0"/>
+                </a:spcAft>
+              </a:pPr>
+              <a:r>
+                <a:rPr sz="1200">
+                  <a:solidFill>
+                    <a:srgbClr val="000000">
+                      <a:alpha val="100000"/>
+                    </a:srgbClr>
+                  </a:solidFill>
+                  <a:latin typeface="Arial"/>
+                  <a:cs typeface="Arial"/>
+                </a:rPr>
+                <a:t>30</a:t>
+              </a:r>
+            </a:p>
+          </p:txBody>
+        </p:sp>
+        <p:sp>
+          <p:nvSpPr>
+            <p:cNvPr id="262" name="tx262"/>
+            <p:cNvSpPr/>
+            <p:nvPr/>
+          </p:nvSpPr>
+          <p:spPr>
+            <a:xfrm>
+              <a:off x="2106042" y="5956301"/>
               <a:ext cx="169515" cy="111397"/>
             </a:xfrm>
             <a:prstGeom prst="rect">
@@ -9427,13 +12153,13 @@
         </p:sp>
         <p:sp>
           <p:nvSpPr>
-            <p:cNvPr id="195" name="tx195"/>
-            <p:cNvSpPr/>
-            <p:nvPr/>
-          </p:nvSpPr>
-          <p:spPr>
-            <a:xfrm>
-              <a:off x="2433404" y="5956301"/>
+            <p:cNvPr id="263" name="tx263"/>
+            <p:cNvSpPr/>
+            <p:nvPr/>
+          </p:nvSpPr>
+          <p:spPr>
+            <a:xfrm>
+              <a:off x="2480113" y="5956301"/>
               <a:ext cx="169515" cy="111397"/>
             </a:xfrm>
             <a:prstGeom prst="rect">
@@ -9473,13 +12199,13 @@
         </p:sp>
         <p:sp>
           <p:nvSpPr>
-            <p:cNvPr id="196" name="tx196"/>
-            <p:cNvSpPr/>
-            <p:nvPr/>
-          </p:nvSpPr>
-          <p:spPr>
-            <a:xfrm>
-              <a:off x="2833480" y="5956301"/>
+            <p:cNvPr id="264" name="tx264"/>
+            <p:cNvSpPr/>
+            <p:nvPr/>
+          </p:nvSpPr>
+          <p:spPr>
+            <a:xfrm>
+              <a:off x="2854184" y="5956301"/>
               <a:ext cx="169515" cy="111397"/>
             </a:xfrm>
             <a:prstGeom prst="rect">
@@ -9519,13 +12245,13 @@
         </p:sp>
         <p:sp>
           <p:nvSpPr>
-            <p:cNvPr id="197" name="tx197"/>
-            <p:cNvSpPr/>
-            <p:nvPr/>
-          </p:nvSpPr>
-          <p:spPr>
-            <a:xfrm>
-              <a:off x="3233555" y="5956301"/>
+            <p:cNvPr id="265" name="tx265"/>
+            <p:cNvSpPr/>
+            <p:nvPr/>
+          </p:nvSpPr>
+          <p:spPr>
+            <a:xfrm>
+              <a:off x="3228254" y="5956301"/>
               <a:ext cx="169515" cy="111397"/>
             </a:xfrm>
             <a:prstGeom prst="rect">
@@ -9565,7 +12291,7 @@
         </p:sp>
         <p:sp>
           <p:nvSpPr>
-            <p:cNvPr id="198" name="pl198"/>
+            <p:cNvPr id="266" name="pl266"/>
             <p:cNvSpPr/>
             <p:nvPr/>
           </p:nvSpPr>
@@ -9605,13 +12331,13 @@
         </p:sp>
         <p:sp>
           <p:nvSpPr>
-            <p:cNvPr id="199" name="pl199"/>
-            <p:cNvSpPr/>
-            <p:nvPr/>
-          </p:nvSpPr>
-          <p:spPr>
-            <a:xfrm>
-              <a:off x="5061195" y="5876366"/>
+            <p:cNvPr id="267" name="pl267"/>
+            <p:cNvSpPr/>
+            <p:nvPr/>
+          </p:nvSpPr>
+          <p:spPr>
+            <a:xfrm>
+              <a:off x="4759838" y="5876366"/>
               <a:ext cx="0" cy="44283"/>
             </a:xfrm>
             <a:custGeom>
@@ -9645,13 +12371,13 @@
         </p:sp>
         <p:sp>
           <p:nvSpPr>
-            <p:cNvPr id="200" name="pl200"/>
-            <p:cNvSpPr/>
-            <p:nvPr/>
-          </p:nvSpPr>
-          <p:spPr>
-            <a:xfrm>
-              <a:off x="5461271" y="5876366"/>
+            <p:cNvPr id="268" name="pl268"/>
+            <p:cNvSpPr/>
+            <p:nvPr/>
+          </p:nvSpPr>
+          <p:spPr>
+            <a:xfrm>
+              <a:off x="5133909" y="5876366"/>
               <a:ext cx="0" cy="44283"/>
             </a:xfrm>
             <a:custGeom>
@@ -9685,13 +12411,13 @@
         </p:sp>
         <p:sp>
           <p:nvSpPr>
-            <p:cNvPr id="201" name="pl201"/>
-            <p:cNvSpPr/>
-            <p:nvPr/>
-          </p:nvSpPr>
-          <p:spPr>
-            <a:xfrm>
-              <a:off x="5861346" y="5876366"/>
+            <p:cNvPr id="269" name="pl269"/>
+            <p:cNvSpPr/>
+            <p:nvPr/>
+          </p:nvSpPr>
+          <p:spPr>
+            <a:xfrm>
+              <a:off x="5507980" y="5876366"/>
               <a:ext cx="0" cy="44283"/>
             </a:xfrm>
             <a:custGeom>
@@ -9725,13 +12451,13 @@
         </p:sp>
         <p:sp>
           <p:nvSpPr>
-            <p:cNvPr id="202" name="pl202"/>
-            <p:cNvSpPr/>
-            <p:nvPr/>
-          </p:nvSpPr>
-          <p:spPr>
-            <a:xfrm>
-              <a:off x="6261422" y="5876366"/>
+            <p:cNvPr id="270" name="pl270"/>
+            <p:cNvSpPr/>
+            <p:nvPr/>
+          </p:nvSpPr>
+          <p:spPr>
+            <a:xfrm>
+              <a:off x="5882050" y="5876366"/>
               <a:ext cx="0" cy="44283"/>
             </a:xfrm>
             <a:custGeom>
@@ -9765,13 +12491,99 @@
         </p:sp>
         <p:sp>
           <p:nvSpPr>
-            <p:cNvPr id="203" name="tx203"/>
-            <p:cNvSpPr/>
-            <p:nvPr/>
-          </p:nvSpPr>
-          <p:spPr>
-            <a:xfrm>
-              <a:off x="4976437" y="5956301"/>
+            <p:cNvPr id="271" name="pl271"/>
+            <p:cNvSpPr/>
+            <p:nvPr/>
+          </p:nvSpPr>
+          <p:spPr>
+            <a:xfrm>
+              <a:off x="6256121" y="5876366"/>
+              <a:ext cx="0" cy="44283"/>
+            </a:xfrm>
+            <a:custGeom>
+              <a:avLst/>
+              <a:pathLst>
+                <a:path w="0" h="44283">
+                  <a:moveTo>
+                    <a:pt x="0" y="44283"/>
+                  </a:moveTo>
+                  <a:lnTo>
+                    <a:pt x="0" y="0"/>
+                  </a:lnTo>
+                </a:path>
+              </a:pathLst>
+            </a:custGeom>
+            <a:ln w="13550" cap="flat">
+              <a:solidFill>
+                <a:srgbClr val="000000">
+                  <a:alpha val="100000"/>
+                </a:srgbClr>
+              </a:solidFill>
+              <a:prstDash val="solid"/>
+              <a:round/>
+            </a:ln>
+          </p:spPr>
+          <p:txBody>
+            <a:bodyPr/>
+            <a:lstStyle/>
+            <a:p/>
+          </p:txBody>
+        </p:sp>
+        <p:sp>
+          <p:nvSpPr>
+            <p:cNvPr id="272" name="tx272"/>
+            <p:cNvSpPr/>
+            <p:nvPr/>
+          </p:nvSpPr>
+          <p:spPr>
+            <a:xfrm>
+              <a:off x="4675080" y="5956226"/>
+              <a:ext cx="169515" cy="111472"/>
+            </a:xfrm>
+            <a:prstGeom prst="rect">
+              <a:avLst/>
+            </a:prstGeom>
+            <a:noFill/>
+          </p:spPr>
+          <p:txBody>
+            <a:bodyPr lIns="0" rIns="0" tIns="0" bIns="0" anchorCtr="1" anchor="ctr" wrap="none"/>
+            <a:lstStyle/>
+            <a:p>
+              <a:pPr algn="l" marL="0" marR="0" indent="0">
+                <a:lnSpc>
+                  <a:spcPts val="1200"/>
+                </a:lnSpc>
+                <a:spcBef>
+                  <a:spcPts val="0"/>
+                </a:spcBef>
+                <a:spcAft>
+                  <a:spcPts val="0"/>
+                </a:spcAft>
+              </a:pPr>
+              <a:r>
+                <a:rPr sz="1200">
+                  <a:solidFill>
+                    <a:srgbClr val="000000">
+                      <a:alpha val="100000"/>
+                    </a:srgbClr>
+                  </a:solidFill>
+                  <a:latin typeface="Arial"/>
+                  <a:cs typeface="Arial"/>
+                </a:rPr>
+                <a:t>30</a:t>
+              </a:r>
+            </a:p>
+          </p:txBody>
+        </p:sp>
+        <p:sp>
+          <p:nvSpPr>
+            <p:cNvPr id="273" name="tx273"/>
+            <p:cNvSpPr/>
+            <p:nvPr/>
+          </p:nvSpPr>
+          <p:spPr>
+            <a:xfrm>
+              <a:off x="5049151" y="5956301"/>
               <a:ext cx="169515" cy="111397"/>
             </a:xfrm>
             <a:prstGeom prst="rect">
@@ -9811,13 +12623,13 @@
         </p:sp>
         <p:sp>
           <p:nvSpPr>
-            <p:cNvPr id="204" name="tx204"/>
-            <p:cNvSpPr/>
-            <p:nvPr/>
-          </p:nvSpPr>
-          <p:spPr>
-            <a:xfrm>
-              <a:off x="5376513" y="5956301"/>
+            <p:cNvPr id="274" name="tx274"/>
+            <p:cNvSpPr/>
+            <p:nvPr/>
+          </p:nvSpPr>
+          <p:spPr>
+            <a:xfrm>
+              <a:off x="5423222" y="5956301"/>
               <a:ext cx="169515" cy="111397"/>
             </a:xfrm>
             <a:prstGeom prst="rect">
@@ -9857,13 +12669,13 @@
         </p:sp>
         <p:sp>
           <p:nvSpPr>
-            <p:cNvPr id="205" name="tx205"/>
-            <p:cNvSpPr/>
-            <p:nvPr/>
-          </p:nvSpPr>
-          <p:spPr>
-            <a:xfrm>
-              <a:off x="5776589" y="5956301"/>
+            <p:cNvPr id="275" name="tx275"/>
+            <p:cNvSpPr/>
+            <p:nvPr/>
+          </p:nvSpPr>
+          <p:spPr>
+            <a:xfrm>
+              <a:off x="5797293" y="5956301"/>
               <a:ext cx="169515" cy="111397"/>
             </a:xfrm>
             <a:prstGeom prst="rect">
@@ -9903,13 +12715,13 @@
         </p:sp>
         <p:sp>
           <p:nvSpPr>
-            <p:cNvPr id="206" name="tx206"/>
-            <p:cNvSpPr/>
-            <p:nvPr/>
-          </p:nvSpPr>
-          <p:spPr>
-            <a:xfrm>
-              <a:off x="6176664" y="5956301"/>
+            <p:cNvPr id="276" name="tx276"/>
+            <p:cNvSpPr/>
+            <p:nvPr/>
+          </p:nvSpPr>
+          <p:spPr>
+            <a:xfrm>
+              <a:off x="6171363" y="5956301"/>
               <a:ext cx="169515" cy="111397"/>
             </a:xfrm>
             <a:prstGeom prst="rect">
@@ -9949,7 +12761,7 @@
         </p:sp>
         <p:sp>
           <p:nvSpPr>
-            <p:cNvPr id="207" name="pl207"/>
+            <p:cNvPr id="277" name="pl277"/>
             <p:cNvSpPr/>
             <p:nvPr/>
           </p:nvSpPr>
@@ -9989,7 +12801,7 @@
         </p:sp>
         <p:sp>
           <p:nvSpPr>
-            <p:cNvPr id="208" name="tx208"/>
+            <p:cNvPr id="278" name="tx278"/>
             <p:cNvSpPr/>
             <p:nvPr/>
           </p:nvSpPr>
@@ -10035,7 +12847,7 @@
         </p:sp>
         <p:sp>
           <p:nvSpPr>
-            <p:cNvPr id="209" name="tx209"/>
+            <p:cNvPr id="279" name="tx279"/>
             <p:cNvSpPr/>
             <p:nvPr/>
           </p:nvSpPr>
@@ -10081,7 +12893,7 @@
         </p:sp>
         <p:sp>
           <p:nvSpPr>
-            <p:cNvPr id="210" name="tx210"/>
+            <p:cNvPr id="280" name="tx280"/>
             <p:cNvSpPr/>
             <p:nvPr/>
           </p:nvSpPr>
@@ -10127,7 +12939,7 @@
         </p:sp>
         <p:sp>
           <p:nvSpPr>
-            <p:cNvPr id="211" name="tx211"/>
+            <p:cNvPr id="281" name="tx281"/>
             <p:cNvSpPr/>
             <p:nvPr/>
           </p:nvSpPr>
@@ -10173,7 +12985,7 @@
         </p:sp>
         <p:sp>
           <p:nvSpPr>
-            <p:cNvPr id="212" name="tx212"/>
+            <p:cNvPr id="282" name="tx282"/>
             <p:cNvSpPr/>
             <p:nvPr/>
           </p:nvSpPr>
@@ -10219,7 +13031,7 @@
         </p:sp>
         <p:sp>
           <p:nvSpPr>
-            <p:cNvPr id="213" name="tx213"/>
+            <p:cNvPr id="283" name="tx283"/>
             <p:cNvSpPr/>
             <p:nvPr/>
           </p:nvSpPr>
@@ -10265,7 +13077,7 @@
         </p:sp>
         <p:sp>
           <p:nvSpPr>
-            <p:cNvPr id="214" name="pl214"/>
+            <p:cNvPr id="284" name="pl284"/>
             <p:cNvSpPr/>
             <p:nvPr/>
           </p:nvSpPr>
@@ -10305,7 +13117,7 @@
         </p:sp>
         <p:sp>
           <p:nvSpPr>
-            <p:cNvPr id="215" name="pl215"/>
+            <p:cNvPr id="285" name="pl285"/>
             <p:cNvSpPr/>
             <p:nvPr/>
           </p:nvSpPr>
@@ -10345,7 +13157,7 @@
         </p:sp>
         <p:sp>
           <p:nvSpPr>
-            <p:cNvPr id="216" name="pl216"/>
+            <p:cNvPr id="286" name="pl286"/>
             <p:cNvSpPr/>
             <p:nvPr/>
           </p:nvSpPr>
@@ -10385,7 +13197,7 @@
         </p:sp>
         <p:sp>
           <p:nvSpPr>
-            <p:cNvPr id="217" name="pl217"/>
+            <p:cNvPr id="287" name="pl287"/>
             <p:cNvSpPr/>
             <p:nvPr/>
           </p:nvSpPr>
@@ -10425,7 +13237,7 @@
         </p:sp>
         <p:sp>
           <p:nvSpPr>
-            <p:cNvPr id="218" name="pl218"/>
+            <p:cNvPr id="288" name="pl288"/>
             <p:cNvSpPr/>
             <p:nvPr/>
           </p:nvSpPr>
@@ -10465,7 +13277,7 @@
         </p:sp>
         <p:sp>
           <p:nvSpPr>
-            <p:cNvPr id="219" name="pl219"/>
+            <p:cNvPr id="289" name="pl289"/>
             <p:cNvSpPr/>
             <p:nvPr/>
           </p:nvSpPr>
@@ -10505,7 +13317,7 @@
         </p:sp>
         <p:sp>
           <p:nvSpPr>
-            <p:cNvPr id="220" name="pl220"/>
+            <p:cNvPr id="290" name="pl290"/>
             <p:cNvSpPr/>
             <p:nvPr/>
           </p:nvSpPr>
@@ -10545,7 +13357,7 @@
         </p:sp>
         <p:sp>
           <p:nvSpPr>
-            <p:cNvPr id="221" name="tx221"/>
+            <p:cNvPr id="291" name="tx291"/>
             <p:cNvSpPr/>
             <p:nvPr/>
           </p:nvSpPr>
@@ -10591,7 +13403,7 @@
         </p:sp>
         <p:sp>
           <p:nvSpPr>
-            <p:cNvPr id="222" name="tx222"/>
+            <p:cNvPr id="292" name="tx292"/>
             <p:cNvSpPr/>
             <p:nvPr/>
           </p:nvSpPr>
@@ -10637,7 +13449,7 @@
         </p:sp>
         <p:sp>
           <p:nvSpPr>
-            <p:cNvPr id="223" name="tx223"/>
+            <p:cNvPr id="293" name="tx293"/>
             <p:cNvSpPr/>
             <p:nvPr/>
           </p:nvSpPr>
@@ -10683,7 +13495,7 @@
         </p:sp>
         <p:sp>
           <p:nvSpPr>
-            <p:cNvPr id="224" name="tx224"/>
+            <p:cNvPr id="294" name="tx294"/>
             <p:cNvSpPr/>
             <p:nvPr/>
           </p:nvSpPr>
@@ -10729,7 +13541,7 @@
         </p:sp>
         <p:sp>
           <p:nvSpPr>
-            <p:cNvPr id="225" name="pl225"/>
+            <p:cNvPr id="295" name="pl295"/>
             <p:cNvSpPr/>
             <p:nvPr/>
           </p:nvSpPr>
@@ -10769,7 +13581,7 @@
         </p:sp>
         <p:sp>
           <p:nvSpPr>
-            <p:cNvPr id="226" name="pl226"/>
+            <p:cNvPr id="296" name="pl296"/>
             <p:cNvSpPr/>
             <p:nvPr/>
           </p:nvSpPr>
@@ -10809,7 +13621,7 @@
         </p:sp>
         <p:sp>
           <p:nvSpPr>
-            <p:cNvPr id="227" name="pl227"/>
+            <p:cNvPr id="297" name="pl297"/>
             <p:cNvSpPr/>
             <p:nvPr/>
           </p:nvSpPr>
@@ -10849,7 +13661,7 @@
         </p:sp>
         <p:sp>
           <p:nvSpPr>
-            <p:cNvPr id="228" name="pl228"/>
+            <p:cNvPr id="298" name="pl298"/>
             <p:cNvSpPr/>
             <p:nvPr/>
           </p:nvSpPr>
@@ -10889,7 +13701,7 @@
         </p:sp>
         <p:sp>
           <p:nvSpPr>
-            <p:cNvPr id="229" name="pl229"/>
+            <p:cNvPr id="299" name="pl299"/>
             <p:cNvSpPr/>
             <p:nvPr/>
           </p:nvSpPr>
@@ -10929,7 +13741,7 @@
         </p:sp>
         <p:sp>
           <p:nvSpPr>
-            <p:cNvPr id="230" name="tx230"/>
+            <p:cNvPr id="300" name="tx300"/>
             <p:cNvSpPr/>
             <p:nvPr/>
           </p:nvSpPr>
@@ -10975,7 +13787,7 @@
         </p:sp>
         <p:sp>
           <p:nvSpPr>
-            <p:cNvPr id="231" name="tx231"/>
+            <p:cNvPr id="301" name="tx301"/>
             <p:cNvSpPr/>
             <p:nvPr/>
           </p:nvSpPr>
@@ -11021,7 +13833,7 @@
         </p:sp>
         <p:sp>
           <p:nvSpPr>
-            <p:cNvPr id="232" name="tx232"/>
+            <p:cNvPr id="302" name="tx302"/>
             <p:cNvSpPr/>
             <p:nvPr/>
           </p:nvSpPr>
@@ -11067,7 +13879,7 @@
         </p:sp>
         <p:sp>
           <p:nvSpPr>
-            <p:cNvPr id="233" name="tx233"/>
+            <p:cNvPr id="303" name="tx303"/>
             <p:cNvSpPr/>
             <p:nvPr/>
           </p:nvSpPr>
@@ -11113,7 +13925,7 @@
         </p:sp>
         <p:sp>
           <p:nvSpPr>
-            <p:cNvPr id="234" name="tx234"/>
+            <p:cNvPr id="304" name="tx304"/>
             <p:cNvSpPr/>
             <p:nvPr/>
           </p:nvSpPr>
@@ -11159,7 +13971,7 @@
         </p:sp>
         <p:sp>
           <p:nvSpPr>
-            <p:cNvPr id="235" name="tx235"/>
+            <p:cNvPr id="305" name="tx305"/>
             <p:cNvSpPr/>
             <p:nvPr/>
           </p:nvSpPr>
@@ -11205,7 +14017,7 @@
         </p:sp>
         <p:sp>
           <p:nvSpPr>
-            <p:cNvPr id="236" name="tx236"/>
+            <p:cNvPr id="306" name="tx306"/>
             <p:cNvSpPr/>
             <p:nvPr/>
           </p:nvSpPr>
@@ -11251,7 +14063,7 @@
         </p:sp>
         <p:sp>
           <p:nvSpPr>
-            <p:cNvPr id="237" name="tx237"/>
+            <p:cNvPr id="307" name="tx307"/>
             <p:cNvSpPr/>
             <p:nvPr/>
           </p:nvSpPr>
@@ -11297,7 +14109,7 @@
         </p:sp>
         <p:sp>
           <p:nvSpPr>
-            <p:cNvPr id="238" name="pl238"/>
+            <p:cNvPr id="308" name="pl308"/>
             <p:cNvSpPr/>
             <p:nvPr/>
           </p:nvSpPr>
@@ -11337,7 +14149,7 @@
         </p:sp>
         <p:sp>
           <p:nvSpPr>
-            <p:cNvPr id="239" name="pl239"/>
+            <p:cNvPr id="309" name="pl309"/>
             <p:cNvSpPr/>
             <p:nvPr/>
           </p:nvSpPr>
@@ -11377,7 +14189,7 @@
         </p:sp>
         <p:sp>
           <p:nvSpPr>
-            <p:cNvPr id="240" name="pl240"/>
+            <p:cNvPr id="310" name="pl310"/>
             <p:cNvSpPr/>
             <p:nvPr/>
           </p:nvSpPr>
@@ -11417,7 +14229,7 @@
         </p:sp>
         <p:sp>
           <p:nvSpPr>
-            <p:cNvPr id="241" name="pl241"/>
+            <p:cNvPr id="311" name="pl311"/>
             <p:cNvSpPr/>
             <p:nvPr/>
           </p:nvSpPr>
@@ -11457,7 +14269,7 @@
         </p:sp>
         <p:sp>
           <p:nvSpPr>
-            <p:cNvPr id="242" name="pl242"/>
+            <p:cNvPr id="312" name="pl312"/>
             <p:cNvSpPr/>
             <p:nvPr/>
           </p:nvSpPr>
@@ -11497,7 +14309,7 @@
         </p:sp>
         <p:sp>
           <p:nvSpPr>
-            <p:cNvPr id="243" name="pl243"/>
+            <p:cNvPr id="313" name="pl313"/>
             <p:cNvSpPr/>
             <p:nvPr/>
           </p:nvSpPr>
@@ -11537,7 +14349,7 @@
         </p:sp>
         <p:sp>
           <p:nvSpPr>
-            <p:cNvPr id="244" name="pl244"/>
+            <p:cNvPr id="314" name="pl314"/>
             <p:cNvSpPr/>
             <p:nvPr/>
           </p:nvSpPr>
@@ -11577,7 +14389,7 @@
         </p:sp>
         <p:sp>
           <p:nvSpPr>
-            <p:cNvPr id="245" name="pl245"/>
+            <p:cNvPr id="315" name="pl315"/>
             <p:cNvSpPr/>
             <p:nvPr/>
           </p:nvSpPr>
@@ -11617,7 +14429,7 @@
         </p:sp>
         <p:sp>
           <p:nvSpPr>
-            <p:cNvPr id="246" name="tx246"/>
+            <p:cNvPr id="316" name="tx316"/>
             <p:cNvSpPr/>
             <p:nvPr/>
           </p:nvSpPr>
@@ -11663,7 +14475,7 @@
         </p:sp>
         <p:sp>
           <p:nvSpPr>
-            <p:cNvPr id="247" name="tx247"/>
+            <p:cNvPr id="317" name="tx317"/>
             <p:cNvSpPr/>
             <p:nvPr/>
           </p:nvSpPr>
@@ -11709,7 +14521,7 @@
         </p:sp>
         <p:sp>
           <p:nvSpPr>
-            <p:cNvPr id="248" name="tx248"/>
+            <p:cNvPr id="318" name="tx318"/>
             <p:cNvSpPr/>
             <p:nvPr/>
           </p:nvSpPr>
@@ -11755,7 +14567,7 @@
         </p:sp>
         <p:sp>
           <p:nvSpPr>
-            <p:cNvPr id="249" name="tx249"/>
+            <p:cNvPr id="319" name="tx319"/>
             <p:cNvSpPr/>
             <p:nvPr/>
           </p:nvSpPr>
@@ -11801,7 +14613,7 @@
         </p:sp>
         <p:sp>
           <p:nvSpPr>
-            <p:cNvPr id="250" name="pt250"/>
+            <p:cNvPr id="320" name="pt320"/>
             <p:cNvSpPr/>
             <p:nvPr/>
           </p:nvSpPr>
@@ -11831,7 +14643,7 @@
         </p:sp>
         <p:sp>
           <p:nvSpPr>
-            <p:cNvPr id="251" name="pt251"/>
+            <p:cNvPr id="321" name="pt321"/>
             <p:cNvSpPr/>
             <p:nvPr/>
           </p:nvSpPr>
@@ -11861,7 +14673,7 @@
         </p:sp>
         <p:sp>
           <p:nvSpPr>
-            <p:cNvPr id="252" name="pt252"/>
+            <p:cNvPr id="322" name="pt322"/>
             <p:cNvSpPr/>
             <p:nvPr/>
           </p:nvSpPr>
@@ -11891,7 +14703,7 @@
         </p:sp>
         <p:sp>
           <p:nvSpPr>
-            <p:cNvPr id="253" name="pt253"/>
+            <p:cNvPr id="323" name="pt323"/>
             <p:cNvSpPr/>
             <p:nvPr/>
           </p:nvSpPr>
@@ -11921,7 +14733,7 @@
         </p:sp>
         <p:sp>
           <p:nvSpPr>
-            <p:cNvPr id="254" name="tx254"/>
+            <p:cNvPr id="324" name="tx324"/>
             <p:cNvSpPr/>
             <p:nvPr/>
           </p:nvSpPr>
@@ -11967,7 +14779,7 @@
         </p:sp>
         <p:sp>
           <p:nvSpPr>
-            <p:cNvPr id="255" name="tx255"/>
+            <p:cNvPr id="325" name="tx325"/>
             <p:cNvSpPr/>
             <p:nvPr/>
           </p:nvSpPr>
@@ -12013,7 +14825,7 @@
         </p:sp>
         <p:sp>
           <p:nvSpPr>
-            <p:cNvPr id="256" name="tx256"/>
+            <p:cNvPr id="326" name="tx326"/>
             <p:cNvSpPr/>
             <p:nvPr/>
           </p:nvSpPr>
@@ -12059,7 +14871,7 @@
         </p:sp>
         <p:sp>
           <p:nvSpPr>
-            <p:cNvPr id="257" name="tx257"/>
+            <p:cNvPr id="327" name="tx327"/>
             <p:cNvSpPr/>
             <p:nvPr/>
           </p:nvSpPr>
@@ -12105,7 +14917,7 @@
         </p:sp>
         <p:sp>
           <p:nvSpPr>
-            <p:cNvPr id="258" name="tx258"/>
+            <p:cNvPr id="328" name="tx328"/>
             <p:cNvSpPr/>
             <p:nvPr/>
           </p:nvSpPr>
@@ -12151,7 +14963,7 @@
         </p:sp>
         <p:sp>
           <p:nvSpPr>
-            <p:cNvPr id="259" name="pt259"/>
+            <p:cNvPr id="329" name="pt329"/>
             <p:cNvSpPr/>
             <p:nvPr/>
           </p:nvSpPr>
@@ -12186,7 +14998,7 @@
         </p:sp>
         <p:sp>
           <p:nvSpPr>
-            <p:cNvPr id="260" name="pt260"/>
+            <p:cNvPr id="330" name="pt330"/>
             <p:cNvSpPr/>
             <p:nvPr/>
           </p:nvSpPr>
@@ -12221,7 +15033,7 @@
         </p:sp>
         <p:sp>
           <p:nvSpPr>
-            <p:cNvPr id="261" name="tx261"/>
+            <p:cNvPr id="331" name="tx331"/>
             <p:cNvSpPr/>
             <p:nvPr/>
           </p:nvSpPr>
@@ -12267,7 +15079,7 @@
         </p:sp>
         <p:sp>
           <p:nvSpPr>
-            <p:cNvPr id="262" name="tx262"/>
+            <p:cNvPr id="332" name="tx332"/>
             <p:cNvSpPr/>
             <p:nvPr/>
           </p:nvSpPr>

--- a/plots/gc-plot.pptx
+++ b/plots/gc-plot.pptx
@@ -6490,7 +6490,7 @@
           </p:nvSpPr>
           <p:spPr>
             <a:xfrm>
-              <a:off x="1798025" y="3260556"/>
+              <a:off x="1798025" y="3935769"/>
               <a:ext cx="1155878" cy="0"/>
             </a:xfrm>
             <a:custGeom>
@@ -6530,7 +6530,7 @@
           </p:nvSpPr>
           <p:spPr>
             <a:xfrm>
-              <a:off x="1798025" y="3260556"/>
+              <a:off x="1798025" y="3935769"/>
               <a:ext cx="1155878" cy="0"/>
             </a:xfrm>
             <a:custGeom>
@@ -6570,7 +6570,7 @@
           </p:nvSpPr>
           <p:spPr>
             <a:xfrm>
-              <a:off x="1798025" y="3260556"/>
+              <a:off x="1798025" y="3935769"/>
               <a:ext cx="1155878" cy="0"/>
             </a:xfrm>
             <a:custGeom>
@@ -6610,7 +6610,7 @@
           </p:nvSpPr>
           <p:spPr>
             <a:xfrm>
-              <a:off x="1798025" y="3260556"/>
+              <a:off x="1798025" y="3935769"/>
               <a:ext cx="1155878" cy="0"/>
             </a:xfrm>
             <a:custGeom>
@@ -6650,7 +6650,7 @@
           </p:nvSpPr>
           <p:spPr>
             <a:xfrm>
-              <a:off x="1798025" y="3260556"/>
+              <a:off x="1798025" y="3935769"/>
               <a:ext cx="1155878" cy="0"/>
             </a:xfrm>
             <a:custGeom>
@@ -6690,7 +6690,7 @@
           </p:nvSpPr>
           <p:spPr>
             <a:xfrm>
-              <a:off x="1798025" y="3260556"/>
+              <a:off x="1798025" y="3935769"/>
               <a:ext cx="1155878" cy="0"/>
             </a:xfrm>
             <a:custGeom>
@@ -6730,7 +6730,7 @@
           </p:nvSpPr>
           <p:spPr>
             <a:xfrm>
-              <a:off x="2213244" y="2922950"/>
+              <a:off x="2213244" y="3598163"/>
               <a:ext cx="1081064" cy="0"/>
             </a:xfrm>
             <a:custGeom>
@@ -6770,7 +6770,7 @@
           </p:nvSpPr>
           <p:spPr>
             <a:xfrm>
-              <a:off x="2213244" y="2922950"/>
+              <a:off x="2213244" y="3598163"/>
               <a:ext cx="1081064" cy="0"/>
             </a:xfrm>
             <a:custGeom>
@@ -6810,7 +6810,7 @@
           </p:nvSpPr>
           <p:spPr>
             <a:xfrm>
-              <a:off x="2213244" y="2922950"/>
+              <a:off x="2213244" y="3598163"/>
               <a:ext cx="1081064" cy="0"/>
             </a:xfrm>
             <a:custGeom>
@@ -6850,7 +6850,7 @@
           </p:nvSpPr>
           <p:spPr>
             <a:xfrm>
-              <a:off x="2213244" y="2922950"/>
+              <a:off x="2213244" y="3598163"/>
               <a:ext cx="1081064" cy="0"/>
             </a:xfrm>
             <a:custGeom>
@@ -6890,7 +6890,7 @@
           </p:nvSpPr>
           <p:spPr>
             <a:xfrm>
-              <a:off x="2213244" y="2922950"/>
+              <a:off x="2213244" y="3598163"/>
               <a:ext cx="1081064" cy="0"/>
             </a:xfrm>
             <a:custGeom>
@@ -6930,7 +6930,7 @@
           </p:nvSpPr>
           <p:spPr>
             <a:xfrm>
-              <a:off x="2213244" y="2922950"/>
+              <a:off x="2213244" y="3598163"/>
               <a:ext cx="1081064" cy="0"/>
             </a:xfrm>
             <a:custGeom>
@@ -6970,7 +6970,7 @@
           </p:nvSpPr>
           <p:spPr>
             <a:xfrm>
-              <a:off x="2213244" y="2922950"/>
+              <a:off x="2213244" y="3598163"/>
               <a:ext cx="1081064" cy="0"/>
             </a:xfrm>
             <a:custGeom>
@@ -7010,7 +7010,7 @@
           </p:nvSpPr>
           <p:spPr>
             <a:xfrm>
-              <a:off x="2213244" y="2922950"/>
+              <a:off x="2213244" y="3598163"/>
               <a:ext cx="1081064" cy="0"/>
             </a:xfrm>
             <a:custGeom>
@@ -7050,7 +7050,7 @@
           </p:nvSpPr>
           <p:spPr>
             <a:xfrm>
-              <a:off x="2213244" y="2922950"/>
+              <a:off x="2213244" y="3598163"/>
               <a:ext cx="1081064" cy="0"/>
             </a:xfrm>
             <a:custGeom>
@@ -7090,7 +7090,7 @@
           </p:nvSpPr>
           <p:spPr>
             <a:xfrm>
-              <a:off x="2269355" y="3935769"/>
+              <a:off x="2269355" y="3260556"/>
               <a:ext cx="67332" cy="0"/>
             </a:xfrm>
             <a:custGeom>
@@ -7130,7 +7130,7 @@
           </p:nvSpPr>
           <p:spPr>
             <a:xfrm>
-              <a:off x="2269355" y="3935769"/>
+              <a:off x="2269355" y="3260556"/>
               <a:ext cx="67332" cy="0"/>
             </a:xfrm>
             <a:custGeom>
@@ -7170,7 +7170,7 @@
           </p:nvSpPr>
           <p:spPr>
             <a:xfrm>
-              <a:off x="2205763" y="3598163"/>
+              <a:off x="2205763" y="2922950"/>
               <a:ext cx="89776" cy="0"/>
             </a:xfrm>
             <a:custGeom>
@@ -7210,7 +7210,7 @@
           </p:nvSpPr>
           <p:spPr>
             <a:xfrm>
-              <a:off x="2205763" y="3598163"/>
+              <a:off x="2205763" y="2922950"/>
               <a:ext cx="89776" cy="0"/>
             </a:xfrm>
             <a:custGeom>
@@ -7250,7 +7250,7 @@
           </p:nvSpPr>
           <p:spPr>
             <a:xfrm>
-              <a:off x="2213244" y="2922950"/>
+              <a:off x="2213244" y="3598163"/>
               <a:ext cx="1081064" cy="0"/>
             </a:xfrm>
             <a:custGeom>
@@ -7290,7 +7290,7 @@
           </p:nvSpPr>
           <p:spPr>
             <a:xfrm>
-              <a:off x="2163798" y="3180472"/>
+              <a:off x="2163798" y="3953137"/>
               <a:ext cx="68966" cy="68966"/>
             </a:xfrm>
             <a:prstGeom prst="ellipse">
@@ -7325,7 +7325,7 @@
           </p:nvSpPr>
           <p:spPr>
             <a:xfrm>
-              <a:off x="2090454" y="3303796"/>
+              <a:off x="2090454" y="3883860"/>
               <a:ext cx="36101" cy="36101"/>
             </a:xfrm>
             <a:prstGeom prst="ellipse">
@@ -7360,7 +7360,7 @@
           </p:nvSpPr>
           <p:spPr>
             <a:xfrm>
-              <a:off x="2090454" y="3217510"/>
+              <a:off x="2090454" y="3984023"/>
               <a:ext cx="36101" cy="36101"/>
             </a:xfrm>
             <a:prstGeom prst="ellipse">
@@ -7395,7 +7395,7 @@
           </p:nvSpPr>
           <p:spPr>
             <a:xfrm>
-              <a:off x="2049306" y="3240010"/>
+              <a:off x="2049306" y="3852814"/>
               <a:ext cx="36101" cy="36101"/>
             </a:xfrm>
             <a:prstGeom prst="ellipse">
@@ -7430,7 +7430,7 @@
           </p:nvSpPr>
           <p:spPr>
             <a:xfrm>
-              <a:off x="1959529" y="3272290"/>
+              <a:off x="1959529" y="3933529"/>
               <a:ext cx="36101" cy="36101"/>
             </a:xfrm>
             <a:prstGeom prst="ellipse">
@@ -7465,7 +7465,7 @@
           </p:nvSpPr>
           <p:spPr>
             <a:xfrm>
-              <a:off x="2166731" y="3245992"/>
+              <a:off x="2166731" y="3896994"/>
               <a:ext cx="93025" cy="93025"/>
             </a:xfrm>
             <a:prstGeom prst="ellipse">
@@ -7500,7 +7500,7 @@
           </p:nvSpPr>
           <p:spPr>
             <a:xfrm>
-              <a:off x="2182779" y="2881547"/>
+              <a:off x="2182779" y="3528741"/>
               <a:ext cx="105818" cy="105818"/>
             </a:xfrm>
             <a:prstGeom prst="ellipse">
@@ -7535,7 +7535,7 @@
           </p:nvSpPr>
           <p:spPr>
             <a:xfrm>
-              <a:off x="2066587" y="2875049"/>
+              <a:off x="2066587" y="3626807"/>
               <a:ext cx="76352" cy="76352"/>
             </a:xfrm>
             <a:prstGeom prst="ellipse">
@@ -7570,7 +7570,7 @@
           </p:nvSpPr>
           <p:spPr>
             <a:xfrm>
-              <a:off x="2154708" y="2910154"/>
+              <a:off x="2154708" y="3561748"/>
               <a:ext cx="109589" cy="109589"/>
             </a:xfrm>
             <a:prstGeom prst="ellipse">
@@ -7605,7 +7605,7 @@
           </p:nvSpPr>
           <p:spPr>
             <a:xfrm>
-              <a:off x="2192916" y="2888931"/>
+              <a:off x="2192916" y="3572707"/>
               <a:ext cx="93025" cy="93025"/>
             </a:xfrm>
             <a:prstGeom prst="ellipse">
@@ -7640,7 +7640,7 @@
           </p:nvSpPr>
           <p:spPr>
             <a:xfrm>
-              <a:off x="2115844" y="2858087"/>
+              <a:off x="2115844" y="3613339"/>
               <a:ext cx="82579" cy="82579"/>
             </a:xfrm>
             <a:prstGeom prst="ellipse">
@@ -7675,7 +7675,7 @@
           </p:nvSpPr>
           <p:spPr>
             <a:xfrm>
-              <a:off x="2188513" y="2892850"/>
+              <a:off x="2188513" y="3497144"/>
               <a:ext cx="101831" cy="101831"/>
             </a:xfrm>
             <a:prstGeom prst="ellipse">
@@ -7710,7 +7710,7 @@
           </p:nvSpPr>
           <p:spPr>
             <a:xfrm>
-              <a:off x="2102477" y="2857614"/>
+              <a:off x="2102477" y="3522939"/>
               <a:ext cx="101831" cy="101831"/>
             </a:xfrm>
             <a:prstGeom prst="ellipse">
@@ -7745,7 +7745,7 @@
           </p:nvSpPr>
           <p:spPr>
             <a:xfrm>
-              <a:off x="2168261" y="2865483"/>
+              <a:off x="2168261" y="3549478"/>
               <a:ext cx="119891" cy="119891"/>
             </a:xfrm>
             <a:prstGeom prst="ellipse">
@@ -7780,7 +7780,7 @@
           </p:nvSpPr>
           <p:spPr>
             <a:xfrm>
-              <a:off x="2166731" y="2889489"/>
+              <a:off x="2166731" y="3503157"/>
               <a:ext cx="93025" cy="93025"/>
             </a:xfrm>
             <a:prstGeom prst="ellipse">
@@ -7815,7 +7815,7 @@
           </p:nvSpPr>
           <p:spPr>
             <a:xfrm>
-              <a:off x="2377066" y="3874813"/>
+              <a:off x="2377066" y="3240987"/>
               <a:ext cx="76352" cy="76352"/>
             </a:xfrm>
             <a:prstGeom prst="ellipse">
@@ -7850,7 +7850,7 @@
           </p:nvSpPr>
           <p:spPr>
             <a:xfrm>
-              <a:off x="2380759" y="3944846"/>
+              <a:off x="2380759" y="3278597"/>
               <a:ext cx="68966" cy="68966"/>
             </a:xfrm>
             <a:prstGeom prst="ellipse">
@@ -7885,7 +7885,7 @@
           </p:nvSpPr>
           <p:spPr>
             <a:xfrm>
-              <a:off x="2041824" y="3628841"/>
+              <a:off x="2041824" y="2843304"/>
               <a:ext cx="36101" cy="36101"/>
             </a:xfrm>
             <a:prstGeom prst="ellipse">
@@ -7920,7 +7920,7 @@
           </p:nvSpPr>
           <p:spPr>
             <a:xfrm>
-              <a:off x="2000677" y="3530166"/>
+              <a:off x="2000677" y="2845490"/>
               <a:ext cx="36101" cy="36101"/>
             </a:xfrm>
             <a:prstGeom prst="ellipse">
@@ -7955,7 +7955,7 @@
           </p:nvSpPr>
           <p:spPr>
             <a:xfrm>
-              <a:off x="2093774" y="2867148"/>
+              <a:off x="2093774" y="3506934"/>
               <a:ext cx="171607" cy="171607"/>
             </a:xfrm>
             <a:prstGeom prst="ellipse">
@@ -8020,7 +8020,7 @@
           </p:nvSpPr>
           <p:spPr>
             <a:xfrm>
-              <a:off x="1798025" y="4908012"/>
+              <a:off x="1798025" y="5772614"/>
               <a:ext cx="1155878" cy="0"/>
             </a:xfrm>
             <a:custGeom>
@@ -8060,7 +8060,7 @@
           </p:nvSpPr>
           <p:spPr>
             <a:xfrm>
-              <a:off x="1798025" y="4908012"/>
+              <a:off x="1798025" y="5772614"/>
               <a:ext cx="1155878" cy="0"/>
             </a:xfrm>
             <a:custGeom>
@@ -8100,7 +8100,7 @@
           </p:nvSpPr>
           <p:spPr>
             <a:xfrm>
-              <a:off x="1798025" y="4908012"/>
+              <a:off x="1798025" y="5772614"/>
               <a:ext cx="1155878" cy="0"/>
             </a:xfrm>
             <a:custGeom>
@@ -8140,7 +8140,7 @@
           </p:nvSpPr>
           <p:spPr>
             <a:xfrm>
-              <a:off x="1798025" y="4908012"/>
+              <a:off x="1798025" y="5772614"/>
               <a:ext cx="1155878" cy="0"/>
             </a:xfrm>
             <a:custGeom>
@@ -8180,7 +8180,7 @@
           </p:nvSpPr>
           <p:spPr>
             <a:xfrm>
-              <a:off x="2213244" y="4562172"/>
+              <a:off x="2213244" y="5599694"/>
               <a:ext cx="1081064" cy="0"/>
             </a:xfrm>
             <a:custGeom>
@@ -8220,7 +8220,7 @@
           </p:nvSpPr>
           <p:spPr>
             <a:xfrm>
-              <a:off x="2213244" y="4562172"/>
+              <a:off x="2213244" y="5599694"/>
               <a:ext cx="1081064" cy="0"/>
             </a:xfrm>
             <a:custGeom>
@@ -8260,7 +8260,7 @@
           </p:nvSpPr>
           <p:spPr>
             <a:xfrm>
-              <a:off x="2213244" y="4562172"/>
+              <a:off x="2213244" y="5599694"/>
               <a:ext cx="1081064" cy="0"/>
             </a:xfrm>
             <a:custGeom>
@@ -8300,7 +8300,7 @@
           </p:nvSpPr>
           <p:spPr>
             <a:xfrm>
-              <a:off x="2213244" y="4562172"/>
+              <a:off x="2213244" y="5599694"/>
               <a:ext cx="1081064" cy="0"/>
             </a:xfrm>
             <a:custGeom>
@@ -8340,7 +8340,7 @@
           </p:nvSpPr>
           <p:spPr>
             <a:xfrm>
-              <a:off x="2213244" y="4562172"/>
+              <a:off x="2213244" y="5599694"/>
               <a:ext cx="1081064" cy="0"/>
             </a:xfrm>
             <a:custGeom>
@@ -8380,7 +8380,7 @@
           </p:nvSpPr>
           <p:spPr>
             <a:xfrm>
-              <a:off x="2213244" y="4562172"/>
+              <a:off x="2213244" y="5599694"/>
               <a:ext cx="1081064" cy="0"/>
             </a:xfrm>
             <a:custGeom>
@@ -8420,7 +8420,7 @@
           </p:nvSpPr>
           <p:spPr>
             <a:xfrm>
-              <a:off x="2213244" y="4562172"/>
+              <a:off x="2213244" y="5599694"/>
               <a:ext cx="1081064" cy="0"/>
             </a:xfrm>
             <a:custGeom>
@@ -8460,7 +8460,7 @@
           </p:nvSpPr>
           <p:spPr>
             <a:xfrm>
-              <a:off x="2213244" y="4562172"/>
+              <a:off x="2213244" y="5599694"/>
               <a:ext cx="1081064" cy="0"/>
             </a:xfrm>
             <a:custGeom>
@@ -8500,7 +8500,7 @@
           </p:nvSpPr>
           <p:spPr>
             <a:xfrm>
-              <a:off x="2078579" y="5772614"/>
+              <a:off x="2078579" y="5426773"/>
               <a:ext cx="78554" cy="0"/>
             </a:xfrm>
             <a:custGeom>
@@ -8540,7 +8540,7 @@
           </p:nvSpPr>
           <p:spPr>
             <a:xfrm>
-              <a:off x="2183318" y="5599694"/>
+              <a:off x="2183318" y="5253853"/>
               <a:ext cx="22444" cy="0"/>
             </a:xfrm>
             <a:custGeom>
@@ -8580,7 +8580,7 @@
           </p:nvSpPr>
           <p:spPr>
             <a:xfrm>
-              <a:off x="2235688" y="5253853"/>
+              <a:off x="2235688" y="4908012"/>
               <a:ext cx="41147" cy="0"/>
             </a:xfrm>
             <a:custGeom>
@@ -8620,7 +8620,7 @@
           </p:nvSpPr>
           <p:spPr>
             <a:xfrm>
-              <a:off x="2235688" y="5253853"/>
+              <a:off x="2235688" y="4908012"/>
               <a:ext cx="41147" cy="0"/>
             </a:xfrm>
             <a:custGeom>
@@ -8660,7 +8660,7 @@
           </p:nvSpPr>
           <p:spPr>
             <a:xfrm>
-              <a:off x="2235688" y="5253853"/>
+              <a:off x="2235688" y="4908012"/>
               <a:ext cx="41147" cy="0"/>
             </a:xfrm>
             <a:custGeom>
@@ -8700,7 +8700,7 @@
           </p:nvSpPr>
           <p:spPr>
             <a:xfrm>
-              <a:off x="2235688" y="5253853"/>
+              <a:off x="2235688" y="4908012"/>
               <a:ext cx="41147" cy="0"/>
             </a:xfrm>
             <a:custGeom>
@@ -8740,7 +8740,7 @@
           </p:nvSpPr>
           <p:spPr>
             <a:xfrm>
-              <a:off x="2269355" y="5426773"/>
+              <a:off x="2269355" y="5080933"/>
               <a:ext cx="67332" cy="0"/>
             </a:xfrm>
             <a:custGeom>
@@ -8780,7 +8780,7 @@
           </p:nvSpPr>
           <p:spPr>
             <a:xfrm>
-              <a:off x="2269355" y="5426773"/>
+              <a:off x="2269355" y="5080933"/>
               <a:ext cx="67332" cy="0"/>
             </a:xfrm>
             <a:custGeom>
@@ -8820,7 +8820,7 @@
           </p:nvSpPr>
           <p:spPr>
             <a:xfrm>
-              <a:off x="2269355" y="5426773"/>
+              <a:off x="2269355" y="5080933"/>
               <a:ext cx="67332" cy="0"/>
             </a:xfrm>
             <a:custGeom>
@@ -8860,7 +8860,7 @@
           </p:nvSpPr>
           <p:spPr>
             <a:xfrm>
-              <a:off x="2269355" y="5426773"/>
+              <a:off x="2269355" y="5080933"/>
               <a:ext cx="67332" cy="0"/>
             </a:xfrm>
             <a:custGeom>
@@ -8900,7 +8900,7 @@
           </p:nvSpPr>
           <p:spPr>
             <a:xfrm>
-              <a:off x="2269355" y="5426773"/>
+              <a:off x="2269355" y="5080933"/>
               <a:ext cx="67332" cy="0"/>
             </a:xfrm>
             <a:custGeom>
@@ -8940,7 +8940,7 @@
           </p:nvSpPr>
           <p:spPr>
             <a:xfrm>
-              <a:off x="2127208" y="5080933"/>
+              <a:off x="2127208" y="4735092"/>
               <a:ext cx="224442" cy="0"/>
             </a:xfrm>
             <a:custGeom>
@@ -8980,7 +8980,7 @@
           </p:nvSpPr>
           <p:spPr>
             <a:xfrm>
-              <a:off x="2190800" y="4735092"/>
+              <a:off x="2190800" y="4562172"/>
               <a:ext cx="508736" cy="0"/>
             </a:xfrm>
             <a:custGeom>
@@ -9020,7 +9020,7 @@
           </p:nvSpPr>
           <p:spPr>
             <a:xfrm>
-              <a:off x="2213244" y="4562172"/>
+              <a:off x="2213244" y="5599694"/>
               <a:ext cx="1081064" cy="0"/>
             </a:xfrm>
             <a:custGeom>
@@ -9060,7 +9060,7 @@
           </p:nvSpPr>
           <p:spPr>
             <a:xfrm>
-              <a:off x="2235688" y="5253853"/>
+              <a:off x="2235688" y="4908012"/>
               <a:ext cx="41147" cy="0"/>
             </a:xfrm>
             <a:custGeom>
@@ -9100,7 +9100,7 @@
           </p:nvSpPr>
           <p:spPr>
             <a:xfrm>
-              <a:off x="2183318" y="5599694"/>
+              <a:off x="2183318" y="5253853"/>
               <a:ext cx="22444" cy="0"/>
             </a:xfrm>
             <a:custGeom>
@@ -9140,7 +9140,7 @@
           </p:nvSpPr>
           <p:spPr>
             <a:xfrm>
-              <a:off x="2068009" y="4885161"/>
+              <a:off x="2068009" y="5724072"/>
               <a:ext cx="36101" cy="36101"/>
             </a:xfrm>
             <a:prstGeom prst="ellipse">
@@ -9175,7 +9175,7 @@
           </p:nvSpPr>
           <p:spPr>
             <a:xfrm>
-              <a:off x="2621237" y="4908290"/>
+              <a:off x="2621237" y="5714176"/>
               <a:ext cx="59340" cy="59340"/>
             </a:xfrm>
             <a:prstGeom prst="ellipse">
@@ -9210,7 +9210,7 @@
           </p:nvSpPr>
           <p:spPr>
             <a:xfrm>
-              <a:off x="2068009" y="4913696"/>
+              <a:off x="2068009" y="5727362"/>
               <a:ext cx="36101" cy="36101"/>
             </a:xfrm>
             <a:prstGeom prst="ellipse">
@@ -9245,7 +9245,7 @@
           </p:nvSpPr>
           <p:spPr>
             <a:xfrm>
-              <a:off x="2068009" y="4897260"/>
+              <a:off x="2068009" y="5768886"/>
               <a:ext cx="36101" cy="36101"/>
             </a:xfrm>
             <a:prstGeom prst="ellipse">
@@ -9280,7 +9280,7 @@
           </p:nvSpPr>
           <p:spPr>
             <a:xfrm>
-              <a:off x="2513154" y="4527602"/>
+              <a:off x="2513154" y="5571211"/>
               <a:ext cx="36101" cy="36101"/>
             </a:xfrm>
             <a:prstGeom prst="ellipse">
@@ -9315,7 +9315,7 @@
           </p:nvSpPr>
           <p:spPr>
             <a:xfrm>
-              <a:off x="2876002" y="4551421"/>
+              <a:off x="2876002" y="5548257"/>
               <a:ext cx="36101" cy="36101"/>
             </a:xfrm>
             <a:prstGeom prst="ellipse">
@@ -9350,7 +9350,7 @@
           </p:nvSpPr>
           <p:spPr>
             <a:xfrm>
-              <a:off x="2715152" y="4518458"/>
+              <a:off x="2715152" y="5592096"/>
               <a:ext cx="36101" cy="36101"/>
             </a:xfrm>
             <a:prstGeom prst="ellipse">
@@ -9385,7 +9385,7 @@
           </p:nvSpPr>
           <p:spPr>
             <a:xfrm>
-              <a:off x="2947076" y="4519630"/>
+              <a:off x="2947076" y="5591407"/>
               <a:ext cx="36101" cy="36101"/>
             </a:xfrm>
             <a:prstGeom prst="ellipse">
@@ -9420,7 +9420,7 @@
           </p:nvSpPr>
           <p:spPr>
             <a:xfrm>
-              <a:off x="2560313" y="4548876"/>
+              <a:off x="2560313" y="5573538"/>
               <a:ext cx="68966" cy="68966"/>
             </a:xfrm>
             <a:prstGeom prst="ellipse">
@@ -9455,7 +9455,7 @@
           </p:nvSpPr>
           <p:spPr>
             <a:xfrm>
-              <a:off x="2685226" y="4536019"/>
+              <a:off x="2685226" y="5605093"/>
               <a:ext cx="36101" cy="36101"/>
             </a:xfrm>
             <a:prstGeom prst="ellipse">
@@ -9490,7 +9490,7 @@
           </p:nvSpPr>
           <p:spPr>
             <a:xfrm>
-              <a:off x="2954557" y="4512927"/>
+              <a:off x="2954557" y="5587273"/>
               <a:ext cx="36101" cy="36101"/>
             </a:xfrm>
             <a:prstGeom prst="ellipse">
@@ -9525,7 +9525,7 @@
           </p:nvSpPr>
           <p:spPr>
             <a:xfrm>
-              <a:off x="3272517" y="4538945"/>
+              <a:off x="3272517" y="5550621"/>
               <a:ext cx="36101" cy="36101"/>
             </a:xfrm>
             <a:prstGeom prst="ellipse">
@@ -9560,7 +9560,7 @@
           </p:nvSpPr>
           <p:spPr>
             <a:xfrm>
-              <a:off x="2145094" y="5767005"/>
+              <a:off x="2145094" y="5371025"/>
               <a:ext cx="68966" cy="68966"/>
             </a:xfrm>
             <a:prstGeom prst="ellipse">
@@ -9595,7 +9595,7 @@
           </p:nvSpPr>
           <p:spPr>
             <a:xfrm>
-              <a:off x="2135342" y="5605297"/>
+              <a:off x="2135342" y="5254050"/>
               <a:ext cx="36101" cy="36101"/>
             </a:xfrm>
             <a:prstGeom prst="ellipse">
@@ -9630,7 +9630,7 @@
           </p:nvSpPr>
           <p:spPr>
             <a:xfrm>
-              <a:off x="2172352" y="5224881"/>
+              <a:off x="2172352" y="4859181"/>
               <a:ext cx="59340" cy="59340"/>
             </a:xfrm>
             <a:prstGeom prst="ellipse">
@@ -9665,7 +9665,7 @@
           </p:nvSpPr>
           <p:spPr>
             <a:xfrm>
-              <a:off x="2172352" y="5255870"/>
+              <a:off x="2172352" y="4882044"/>
               <a:ext cx="59340" cy="59340"/>
             </a:xfrm>
             <a:prstGeom prst="ellipse">
@@ -9700,7 +9700,7 @@
           </p:nvSpPr>
           <p:spPr>
             <a:xfrm>
-              <a:off x="2168611" y="5221375"/>
+              <a:off x="2168611" y="4863954"/>
               <a:ext cx="59340" cy="59340"/>
             </a:xfrm>
             <a:prstGeom prst="ellipse">
@@ -9735,7 +9735,7 @@
           </p:nvSpPr>
           <p:spPr>
             <a:xfrm>
-              <a:off x="2168611" y="5228918"/>
+              <a:off x="2168611" y="4879808"/>
               <a:ext cx="59340" cy="59340"/>
             </a:xfrm>
             <a:prstGeom prst="ellipse">
@@ -9770,7 +9770,7 @@
           </p:nvSpPr>
           <p:spPr>
             <a:xfrm>
-              <a:off x="3231369" y="5410632"/>
+              <a:off x="3231369" y="5059645"/>
               <a:ext cx="36101" cy="36101"/>
             </a:xfrm>
             <a:prstGeom prst="ellipse">
@@ -9805,7 +9805,7 @@
           </p:nvSpPr>
           <p:spPr>
             <a:xfrm>
-              <a:off x="2052649" y="5366333"/>
+              <a:off x="2052649" y="5031701"/>
               <a:ext cx="59340" cy="59340"/>
             </a:xfrm>
             <a:prstGeom prst="ellipse">
@@ -9840,7 +9840,7 @@
           </p:nvSpPr>
           <p:spPr>
             <a:xfrm>
-              <a:off x="2857299" y="5420038"/>
+              <a:off x="2857299" y="5091423"/>
               <a:ext cx="36101" cy="36101"/>
             </a:xfrm>
             <a:prstGeom prst="ellipse">
@@ -9875,7 +9875,7 @@
           </p:nvSpPr>
           <p:spPr>
             <a:xfrm>
-              <a:off x="1993195" y="5377426"/>
+              <a:off x="1993195" y="5061928"/>
               <a:ext cx="36101" cy="36101"/>
             </a:xfrm>
             <a:prstGeom prst="ellipse">
@@ -9910,7 +9910,7 @@
           </p:nvSpPr>
           <p:spPr>
             <a:xfrm>
-              <a:off x="3171518" y="5439219"/>
+              <a:off x="3171518" y="5054701"/>
               <a:ext cx="36101" cy="36101"/>
             </a:xfrm>
             <a:prstGeom prst="ellipse">
@@ -9945,7 +9945,7 @@
           </p:nvSpPr>
           <p:spPr>
             <a:xfrm>
-              <a:off x="2228860" y="5096665"/>
+              <a:off x="2228860" y="4692044"/>
               <a:ext cx="36101" cy="36101"/>
             </a:xfrm>
             <a:prstGeom prst="ellipse">
@@ -9980,7 +9980,7 @@
           </p:nvSpPr>
           <p:spPr>
             <a:xfrm>
-              <a:off x="2133920" y="4676901"/>
+              <a:off x="2133920" y="4542703"/>
               <a:ext cx="76352" cy="76352"/>
             </a:xfrm>
             <a:prstGeom prst="ellipse">
@@ -10015,7 +10015,7 @@
           </p:nvSpPr>
           <p:spPr>
             <a:xfrm>
-              <a:off x="2928372" y="4511927"/>
+              <a:off x="2928372" y="5604064"/>
               <a:ext cx="36101" cy="36101"/>
             </a:xfrm>
             <a:prstGeom prst="ellipse">
@@ -10050,7 +10050,7 @@
           </p:nvSpPr>
           <p:spPr>
             <a:xfrm>
-              <a:off x="2172352" y="5240596"/>
+              <a:off x="2172352" y="4850068"/>
               <a:ext cx="59340" cy="59340"/>
             </a:xfrm>
             <a:prstGeom prst="ellipse">
@@ -10085,7 +10085,7 @@
           </p:nvSpPr>
           <p:spPr>
             <a:xfrm>
-              <a:off x="3156555" y="5564102"/>
+              <a:off x="3156555" y="5260427"/>
               <a:ext cx="36101" cy="36101"/>
             </a:xfrm>
             <a:prstGeom prst="ellipse">
@@ -10120,7 +10120,7 @@
           </p:nvSpPr>
           <p:spPr>
             <a:xfrm>
-              <a:off x="2830988" y="5597898"/>
+              <a:off x="2830988" y="5252057"/>
               <a:ext cx="537607" cy="103852"/>
             </a:xfrm>
             <a:prstGeom prst="rect">
@@ -10196,7 +10196,7 @@
           </p:nvSpPr>
           <p:spPr>
             <a:xfrm>
-              <a:off x="4741135" y="4824341"/>
+              <a:off x="4741135" y="5739145"/>
               <a:ext cx="1155878" cy="0"/>
             </a:xfrm>
             <a:custGeom>
@@ -10236,7 +10236,7 @@
           </p:nvSpPr>
           <p:spPr>
             <a:xfrm>
-              <a:off x="4741135" y="4824341"/>
+              <a:off x="4741135" y="5739145"/>
               <a:ext cx="1155878" cy="0"/>
             </a:xfrm>
             <a:custGeom>
@@ -10276,7 +10276,7 @@
           </p:nvSpPr>
           <p:spPr>
             <a:xfrm>
-              <a:off x="4741135" y="4824341"/>
+              <a:off x="4741135" y="5739145"/>
               <a:ext cx="1155878" cy="0"/>
             </a:xfrm>
             <a:custGeom>
@@ -10316,7 +10316,7 @@
           </p:nvSpPr>
           <p:spPr>
             <a:xfrm>
-              <a:off x="4741135" y="4824341"/>
+              <a:off x="4741135" y="5739145"/>
               <a:ext cx="1155878" cy="0"/>
             </a:xfrm>
             <a:custGeom>
@@ -10356,7 +10356,7 @@
           </p:nvSpPr>
           <p:spPr>
             <a:xfrm>
-              <a:off x="4741135" y="4824341"/>
+              <a:off x="4741135" y="5739145"/>
               <a:ext cx="1155878" cy="0"/>
             </a:xfrm>
             <a:custGeom>
@@ -10396,7 +10396,7 @@
           </p:nvSpPr>
           <p:spPr>
             <a:xfrm>
-              <a:off x="4741135" y="4824341"/>
+              <a:off x="4741135" y="5739145"/>
               <a:ext cx="1155878" cy="0"/>
             </a:xfrm>
             <a:custGeom>
@@ -10436,7 +10436,7 @@
           </p:nvSpPr>
           <p:spPr>
             <a:xfrm>
-              <a:off x="4741135" y="4824341"/>
+              <a:off x="4741135" y="5739145"/>
               <a:ext cx="1155878" cy="0"/>
             </a:xfrm>
             <a:custGeom>
@@ -10476,7 +10476,7 @@
           </p:nvSpPr>
           <p:spPr>
             <a:xfrm>
-              <a:off x="4741135" y="4824341"/>
+              <a:off x="4741135" y="5739145"/>
               <a:ext cx="1155878" cy="0"/>
             </a:xfrm>
             <a:custGeom>
@@ -10516,7 +10516,7 @@
           </p:nvSpPr>
           <p:spPr>
             <a:xfrm>
-              <a:off x="5156353" y="4595640"/>
+              <a:off x="5156353" y="5510444"/>
               <a:ext cx="1081064" cy="0"/>
             </a:xfrm>
             <a:custGeom>
@@ -10556,7 +10556,7 @@
           </p:nvSpPr>
           <p:spPr>
             <a:xfrm>
-              <a:off x="5156353" y="4595640"/>
+              <a:off x="5156353" y="5510444"/>
               <a:ext cx="1081064" cy="0"/>
             </a:xfrm>
             <a:custGeom>
@@ -10596,7 +10596,7 @@
           </p:nvSpPr>
           <p:spPr>
             <a:xfrm>
-              <a:off x="5156353" y="4595640"/>
+              <a:off x="5156353" y="5510444"/>
               <a:ext cx="1081064" cy="0"/>
             </a:xfrm>
             <a:custGeom>
@@ -10636,7 +10636,7 @@
           </p:nvSpPr>
           <p:spPr>
             <a:xfrm>
-              <a:off x="5156353" y="4595640"/>
+              <a:off x="5156353" y="5510444"/>
               <a:ext cx="1081064" cy="0"/>
             </a:xfrm>
             <a:custGeom>
@@ -10676,7 +10676,7 @@
           </p:nvSpPr>
           <p:spPr>
             <a:xfrm>
-              <a:off x="5156353" y="4595640"/>
+              <a:off x="5156353" y="5510444"/>
               <a:ext cx="1081064" cy="0"/>
             </a:xfrm>
             <a:custGeom>
@@ -10716,7 +10716,7 @@
           </p:nvSpPr>
           <p:spPr>
             <a:xfrm>
-              <a:off x="5156353" y="4595640"/>
+              <a:off x="5156353" y="5510444"/>
               <a:ext cx="1081064" cy="0"/>
             </a:xfrm>
             <a:custGeom>
@@ -10756,7 +10756,7 @@
           </p:nvSpPr>
           <p:spPr>
             <a:xfrm>
-              <a:off x="5279796" y="5281743"/>
+              <a:off x="5279796" y="4824341"/>
               <a:ext cx="938917" cy="0"/>
             </a:xfrm>
             <a:custGeom>
@@ -10796,7 +10796,7 @@
           </p:nvSpPr>
           <p:spPr>
             <a:xfrm>
-              <a:off x="4946873" y="5739145"/>
+              <a:off x="4946873" y="5281743"/>
               <a:ext cx="239405" cy="0"/>
             </a:xfrm>
             <a:custGeom>
@@ -10836,7 +10836,7 @@
           </p:nvSpPr>
           <p:spPr>
             <a:xfrm>
-              <a:off x="5145131" y="5053042"/>
+              <a:off x="5145131" y="4595640"/>
               <a:ext cx="594772" cy="0"/>
             </a:xfrm>
             <a:custGeom>
@@ -10876,7 +10876,7 @@
           </p:nvSpPr>
           <p:spPr>
             <a:xfrm>
-              <a:off x="5145131" y="5053042"/>
+              <a:off x="5145131" y="4595640"/>
               <a:ext cx="594772" cy="0"/>
             </a:xfrm>
             <a:custGeom>
@@ -10916,7 +10916,7 @@
           </p:nvSpPr>
           <p:spPr>
             <a:xfrm>
-              <a:off x="5085933" y="4789714"/>
+              <a:off x="5085933" y="5716739"/>
               <a:ext cx="36101" cy="36101"/>
             </a:xfrm>
             <a:prstGeom prst="ellipse">
@@ -10951,7 +10951,7 @@
           </p:nvSpPr>
           <p:spPr>
             <a:xfrm>
-              <a:off x="5112118" y="4837018"/>
+              <a:off x="5112118" y="5719729"/>
               <a:ext cx="36101" cy="36101"/>
             </a:xfrm>
             <a:prstGeom prst="ellipse">
@@ -10986,7 +10986,7 @@
           </p:nvSpPr>
           <p:spPr>
             <a:xfrm>
-              <a:off x="5134562" y="4828405"/>
+              <a:off x="5134562" y="5697926"/>
               <a:ext cx="36101" cy="36101"/>
             </a:xfrm>
             <a:prstGeom prst="ellipse">
@@ -11021,7 +11021,7 @@
           </p:nvSpPr>
           <p:spPr>
             <a:xfrm>
-              <a:off x="5100895" y="4773569"/>
+              <a:off x="5100895" y="5693152"/>
               <a:ext cx="36101" cy="36101"/>
             </a:xfrm>
             <a:prstGeom prst="ellipse">
@@ -11056,7 +11056,7 @@
           </p:nvSpPr>
           <p:spPr>
             <a:xfrm>
-              <a:off x="4891416" y="4807819"/>
+              <a:off x="4891416" y="5748921"/>
               <a:ext cx="36101" cy="36101"/>
             </a:xfrm>
             <a:prstGeom prst="ellipse">
@@ -11091,7 +11091,7 @@
           </p:nvSpPr>
           <p:spPr>
             <a:xfrm>
-              <a:off x="5037303" y="4788054"/>
+              <a:off x="5037303" y="5766092"/>
               <a:ext cx="36101" cy="36101"/>
             </a:xfrm>
             <a:prstGeom prst="ellipse">
@@ -11126,7 +11126,7 @@
           </p:nvSpPr>
           <p:spPr>
             <a:xfrm>
-              <a:off x="5085933" y="4761767"/>
+              <a:off x="5085933" y="5741107"/>
               <a:ext cx="36101" cy="36101"/>
             </a:xfrm>
             <a:prstGeom prst="ellipse">
@@ -11161,7 +11161,7 @@
           </p:nvSpPr>
           <p:spPr>
             <a:xfrm>
-              <a:off x="5070970" y="4788054"/>
+              <a:off x="5070970" y="5727801"/>
               <a:ext cx="36101" cy="36101"/>
             </a:xfrm>
             <a:prstGeom prst="ellipse">
@@ -11196,7 +11196,7 @@
           </p:nvSpPr>
           <p:spPr>
             <a:xfrm>
-              <a:off x="5392671" y="4532508"/>
+              <a:off x="5392671" y="5512308"/>
               <a:ext cx="36101" cy="36101"/>
             </a:xfrm>
             <a:prstGeom prst="ellipse">
@@ -11231,7 +11231,7 @@
           </p:nvSpPr>
           <p:spPr>
             <a:xfrm>
-              <a:off x="5194413" y="4599265"/>
+              <a:off x="5194413" y="5475937"/>
               <a:ext cx="36101" cy="36101"/>
             </a:xfrm>
             <a:prstGeom prst="ellipse">
@@ -11266,7 +11266,7 @@
           </p:nvSpPr>
           <p:spPr>
             <a:xfrm>
-              <a:off x="5373967" y="4574190"/>
+              <a:off x="5373967" y="5523886"/>
               <a:ext cx="36101" cy="36101"/>
             </a:xfrm>
             <a:prstGeom prst="ellipse">
@@ -11301,7 +11301,7 @@
           </p:nvSpPr>
           <p:spPr>
             <a:xfrm>
-              <a:off x="5224339" y="4598098"/>
+              <a:off x="5224339" y="5477261"/>
               <a:ext cx="36101" cy="36101"/>
             </a:xfrm>
             <a:prstGeom prst="ellipse">
@@ -11336,7 +11336,7 @@
           </p:nvSpPr>
           <p:spPr>
             <a:xfrm>
-              <a:off x="5508632" y="4548458"/>
+              <a:off x="5508632" y="5461311"/>
               <a:ext cx="36101" cy="36101"/>
             </a:xfrm>
             <a:prstGeom prst="ellipse">
@@ -11371,7 +11371,7 @@
           </p:nvSpPr>
           <p:spPr>
             <a:xfrm>
-              <a:off x="5613372" y="4571605"/>
+              <a:off x="5613372" y="5502895"/>
               <a:ext cx="36101" cy="36101"/>
             </a:xfrm>
             <a:prstGeom prst="ellipse">
@@ -11406,7 +11406,7 @@
           </p:nvSpPr>
           <p:spPr>
             <a:xfrm>
-              <a:off x="5332819" y="5483882"/>
+              <a:off x="5332819" y="5072330"/>
               <a:ext cx="36101" cy="36101"/>
             </a:xfrm>
             <a:prstGeom prst="ellipse">
@@ -11441,7 +11441,7 @@
           </p:nvSpPr>
           <p:spPr>
             <a:xfrm>
-              <a:off x="5355263" y="5231332"/>
+              <a:off x="5355263" y="4821147"/>
               <a:ext cx="36101" cy="36101"/>
             </a:xfrm>
             <a:prstGeom prst="ellipse">
@@ -11476,7 +11476,7 @@
           </p:nvSpPr>
           <p:spPr>
             <a:xfrm>
-              <a:off x="5243042" y="5691814"/>
+              <a:off x="5243042" y="5261629"/>
               <a:ext cx="36101" cy="36101"/>
             </a:xfrm>
             <a:prstGeom prst="ellipse">
@@ -11511,7 +11511,7 @@
           </p:nvSpPr>
           <p:spPr>
             <a:xfrm>
-              <a:off x="5359004" y="5032106"/>
+              <a:off x="5359004" y="4591527"/>
               <a:ext cx="36101" cy="36101"/>
             </a:xfrm>
             <a:prstGeom prst="ellipse">
@@ -11546,7 +11546,7 @@
           </p:nvSpPr>
           <p:spPr>
             <a:xfrm>
-              <a:off x="5557262" y="5007404"/>
+              <a:off x="5557262" y="4555120"/>
               <a:ext cx="36101" cy="36101"/>
             </a:xfrm>
             <a:prstGeom prst="ellipse">
@@ -12807,7 +12807,99 @@
           </p:nvSpPr>
           <p:spPr>
             <a:xfrm>
-              <a:off x="3889126" y="5682814"/>
+              <a:off x="3457524" y="5682814"/>
+              <a:ext cx="1126554" cy="110876"/>
+            </a:xfrm>
+            <a:prstGeom prst="rect">
+              <a:avLst/>
+            </a:prstGeom>
+            <a:noFill/>
+          </p:spPr>
+          <p:txBody>
+            <a:bodyPr lIns="0" rIns="0" tIns="0" bIns="0" anchorCtr="1" anchor="ctr" wrap="none"/>
+            <a:lstStyle/>
+            <a:p>
+              <a:pPr algn="l" marL="0" marR="0" indent="0">
+                <a:lnSpc>
+                  <a:spcPts val="1200"/>
+                </a:lnSpc>
+                <a:spcBef>
+                  <a:spcPts val="0"/>
+                </a:spcBef>
+                <a:spcAft>
+                  <a:spcPts val="0"/>
+                </a:spcAft>
+              </a:pPr>
+              <a:r>
+                <a:rPr sz="1200">
+                  <a:solidFill>
+                    <a:srgbClr val="000000">
+                      <a:alpha val="100000"/>
+                    </a:srgbClr>
+                  </a:solidFill>
+                  <a:latin typeface="Arial"/>
+                  <a:cs typeface="Arial"/>
+                </a:rPr>
+                <a:t>Prochlorococcus</a:t>
+              </a:r>
+            </a:p>
+          </p:txBody>
+        </p:sp>
+        <p:sp>
+          <p:nvSpPr>
+            <p:cNvPr id="279" name="tx279"/>
+            <p:cNvSpPr/>
+            <p:nvPr/>
+          </p:nvSpPr>
+          <p:spPr>
+            <a:xfrm>
+              <a:off x="3516684" y="5421966"/>
+              <a:ext cx="1067395" cy="143023"/>
+            </a:xfrm>
+            <a:prstGeom prst="rect">
+              <a:avLst/>
+            </a:prstGeom>
+            <a:noFill/>
+          </p:spPr>
+          <p:txBody>
+            <a:bodyPr lIns="0" rIns="0" tIns="0" bIns="0" anchorCtr="1" anchor="ctr" wrap="none"/>
+            <a:lstStyle/>
+            <a:p>
+              <a:pPr algn="l" marL="0" marR="0" indent="0">
+                <a:lnSpc>
+                  <a:spcPts val="1200"/>
+                </a:lnSpc>
+                <a:spcBef>
+                  <a:spcPts val="0"/>
+                </a:spcBef>
+                <a:spcAft>
+                  <a:spcPts val="0"/>
+                </a:spcAft>
+              </a:pPr>
+              <a:r>
+                <a:rPr sz="1200">
+                  <a:solidFill>
+                    <a:srgbClr val="000000">
+                      <a:alpha val="100000"/>
+                    </a:srgbClr>
+                  </a:solidFill>
+                  <a:latin typeface="Arial"/>
+                  <a:cs typeface="Arial"/>
+                </a:rPr>
+                <a:t>Synechococcus</a:t>
+              </a:r>
+            </a:p>
+          </p:txBody>
+        </p:sp>
+        <p:sp>
+          <p:nvSpPr>
+            <p:cNvPr id="280" name="tx280"/>
+            <p:cNvSpPr/>
+            <p:nvPr/>
+          </p:nvSpPr>
+          <p:spPr>
+            <a:xfrm>
+              <a:off x="3889126" y="5225412"/>
               <a:ext cx="694952" cy="110876"/>
             </a:xfrm>
             <a:prstGeom prst="rect">
@@ -12847,13 +12939,13 @@
         </p:sp>
         <p:sp>
           <p:nvSpPr>
-            <p:cNvPr id="279" name="tx279"/>
-            <p:cNvSpPr/>
-            <p:nvPr/>
-          </p:nvSpPr>
-          <p:spPr>
-            <a:xfrm>
-              <a:off x="3787848" y="5454113"/>
+            <p:cNvPr id="281" name="tx281"/>
+            <p:cNvSpPr/>
+            <p:nvPr/>
+          </p:nvSpPr>
+          <p:spPr>
+            <a:xfrm>
+              <a:off x="3787848" y="4996711"/>
               <a:ext cx="796230" cy="110876"/>
             </a:xfrm>
             <a:prstGeom prst="rect">
@@ -12893,13 +12985,13 @@
         </p:sp>
         <p:sp>
           <p:nvSpPr>
-            <p:cNvPr id="280" name="tx280"/>
-            <p:cNvSpPr/>
-            <p:nvPr/>
-          </p:nvSpPr>
-          <p:spPr>
-            <a:xfrm>
-              <a:off x="3677418" y="5195125"/>
+            <p:cNvPr id="282" name="tx282"/>
+            <p:cNvSpPr/>
+            <p:nvPr/>
+          </p:nvSpPr>
+          <p:spPr>
+            <a:xfrm>
+              <a:off x="3677418" y="4737723"/>
               <a:ext cx="906660" cy="141163"/>
             </a:xfrm>
             <a:prstGeom prst="rect">
@@ -12939,13 +13031,13 @@
         </p:sp>
         <p:sp>
           <p:nvSpPr>
-            <p:cNvPr id="281" name="tx281"/>
-            <p:cNvSpPr/>
-            <p:nvPr/>
-          </p:nvSpPr>
-          <p:spPr>
-            <a:xfrm>
-              <a:off x="3771031" y="4996711"/>
+            <p:cNvPr id="283" name="tx283"/>
+            <p:cNvSpPr/>
+            <p:nvPr/>
+          </p:nvSpPr>
+          <p:spPr>
+            <a:xfrm>
+              <a:off x="3771031" y="4539309"/>
               <a:ext cx="813048" cy="110876"/>
             </a:xfrm>
             <a:prstGeom prst="rect">
@@ -12985,13 +13077,293 @@
         </p:sp>
         <p:sp>
           <p:nvSpPr>
-            <p:cNvPr id="282" name="tx282"/>
-            <p:cNvSpPr/>
-            <p:nvPr/>
-          </p:nvSpPr>
-          <p:spPr>
-            <a:xfrm>
-              <a:off x="3457524" y="4768010"/>
+            <p:cNvPr id="284" name="pl284"/>
+            <p:cNvSpPr/>
+            <p:nvPr/>
+          </p:nvSpPr>
+          <p:spPr>
+            <a:xfrm>
+              <a:off x="4622036" y="5739145"/>
+              <a:ext cx="44283" cy="0"/>
+            </a:xfrm>
+            <a:custGeom>
+              <a:avLst/>
+              <a:pathLst>
+                <a:path w="44283" h="0">
+                  <a:moveTo>
+                    <a:pt x="0" y="0"/>
+                  </a:moveTo>
+                  <a:lnTo>
+                    <a:pt x="44283" y="0"/>
+                  </a:lnTo>
+                </a:path>
+              </a:pathLst>
+            </a:custGeom>
+            <a:ln w="13550" cap="flat">
+              <a:solidFill>
+                <a:srgbClr val="000000">
+                  <a:alpha val="100000"/>
+                </a:srgbClr>
+              </a:solidFill>
+              <a:prstDash val="solid"/>
+              <a:round/>
+            </a:ln>
+          </p:spPr>
+          <p:txBody>
+            <a:bodyPr/>
+            <a:lstStyle/>
+            <a:p/>
+          </p:txBody>
+        </p:sp>
+        <p:sp>
+          <p:nvSpPr>
+            <p:cNvPr id="285" name="pl285"/>
+            <p:cNvSpPr/>
+            <p:nvPr/>
+          </p:nvSpPr>
+          <p:spPr>
+            <a:xfrm>
+              <a:off x="4622036" y="5510444"/>
+              <a:ext cx="44283" cy="0"/>
+            </a:xfrm>
+            <a:custGeom>
+              <a:avLst/>
+              <a:pathLst>
+                <a:path w="44283" h="0">
+                  <a:moveTo>
+                    <a:pt x="0" y="0"/>
+                  </a:moveTo>
+                  <a:lnTo>
+                    <a:pt x="44283" y="0"/>
+                  </a:lnTo>
+                </a:path>
+              </a:pathLst>
+            </a:custGeom>
+            <a:ln w="13550" cap="flat">
+              <a:solidFill>
+                <a:srgbClr val="000000">
+                  <a:alpha val="100000"/>
+                </a:srgbClr>
+              </a:solidFill>
+              <a:prstDash val="solid"/>
+              <a:round/>
+            </a:ln>
+          </p:spPr>
+          <p:txBody>
+            <a:bodyPr/>
+            <a:lstStyle/>
+            <a:p/>
+          </p:txBody>
+        </p:sp>
+        <p:sp>
+          <p:nvSpPr>
+            <p:cNvPr id="286" name="pl286"/>
+            <p:cNvSpPr/>
+            <p:nvPr/>
+          </p:nvSpPr>
+          <p:spPr>
+            <a:xfrm>
+              <a:off x="4622036" y="5281743"/>
+              <a:ext cx="44283" cy="0"/>
+            </a:xfrm>
+            <a:custGeom>
+              <a:avLst/>
+              <a:pathLst>
+                <a:path w="44283" h="0">
+                  <a:moveTo>
+                    <a:pt x="0" y="0"/>
+                  </a:moveTo>
+                  <a:lnTo>
+                    <a:pt x="44283" y="0"/>
+                  </a:lnTo>
+                </a:path>
+              </a:pathLst>
+            </a:custGeom>
+            <a:ln w="13550" cap="flat">
+              <a:solidFill>
+                <a:srgbClr val="000000">
+                  <a:alpha val="100000"/>
+                </a:srgbClr>
+              </a:solidFill>
+              <a:prstDash val="solid"/>
+              <a:round/>
+            </a:ln>
+          </p:spPr>
+          <p:txBody>
+            <a:bodyPr/>
+            <a:lstStyle/>
+            <a:p/>
+          </p:txBody>
+        </p:sp>
+        <p:sp>
+          <p:nvSpPr>
+            <p:cNvPr id="287" name="pl287"/>
+            <p:cNvSpPr/>
+            <p:nvPr/>
+          </p:nvSpPr>
+          <p:spPr>
+            <a:xfrm>
+              <a:off x="4622036" y="5053042"/>
+              <a:ext cx="44283" cy="0"/>
+            </a:xfrm>
+            <a:custGeom>
+              <a:avLst/>
+              <a:pathLst>
+                <a:path w="44283" h="0">
+                  <a:moveTo>
+                    <a:pt x="0" y="0"/>
+                  </a:moveTo>
+                  <a:lnTo>
+                    <a:pt x="44283" y="0"/>
+                  </a:lnTo>
+                </a:path>
+              </a:pathLst>
+            </a:custGeom>
+            <a:ln w="13550" cap="flat">
+              <a:solidFill>
+                <a:srgbClr val="000000">
+                  <a:alpha val="100000"/>
+                </a:srgbClr>
+              </a:solidFill>
+              <a:prstDash val="solid"/>
+              <a:round/>
+            </a:ln>
+          </p:spPr>
+          <p:txBody>
+            <a:bodyPr/>
+            <a:lstStyle/>
+            <a:p/>
+          </p:txBody>
+        </p:sp>
+        <p:sp>
+          <p:nvSpPr>
+            <p:cNvPr id="288" name="pl288"/>
+            <p:cNvSpPr/>
+            <p:nvPr/>
+          </p:nvSpPr>
+          <p:spPr>
+            <a:xfrm>
+              <a:off x="4622036" y="4824341"/>
+              <a:ext cx="44283" cy="0"/>
+            </a:xfrm>
+            <a:custGeom>
+              <a:avLst/>
+              <a:pathLst>
+                <a:path w="44283" h="0">
+                  <a:moveTo>
+                    <a:pt x="0" y="0"/>
+                  </a:moveTo>
+                  <a:lnTo>
+                    <a:pt x="44283" y="0"/>
+                  </a:lnTo>
+                </a:path>
+              </a:pathLst>
+            </a:custGeom>
+            <a:ln w="13550" cap="flat">
+              <a:solidFill>
+                <a:srgbClr val="000000">
+                  <a:alpha val="100000"/>
+                </a:srgbClr>
+              </a:solidFill>
+              <a:prstDash val="solid"/>
+              <a:round/>
+            </a:ln>
+          </p:spPr>
+          <p:txBody>
+            <a:bodyPr/>
+            <a:lstStyle/>
+            <a:p/>
+          </p:txBody>
+        </p:sp>
+        <p:sp>
+          <p:nvSpPr>
+            <p:cNvPr id="289" name="pl289"/>
+            <p:cNvSpPr/>
+            <p:nvPr/>
+          </p:nvSpPr>
+          <p:spPr>
+            <a:xfrm>
+              <a:off x="4622036" y="4595640"/>
+              <a:ext cx="44283" cy="0"/>
+            </a:xfrm>
+            <a:custGeom>
+              <a:avLst/>
+              <a:pathLst>
+                <a:path w="44283" h="0">
+                  <a:moveTo>
+                    <a:pt x="0" y="0"/>
+                  </a:moveTo>
+                  <a:lnTo>
+                    <a:pt x="44283" y="0"/>
+                  </a:lnTo>
+                </a:path>
+              </a:pathLst>
+            </a:custGeom>
+            <a:ln w="13550" cap="flat">
+              <a:solidFill>
+                <a:srgbClr val="000000">
+                  <a:alpha val="100000"/>
+                </a:srgbClr>
+              </a:solidFill>
+              <a:prstDash val="solid"/>
+              <a:round/>
+            </a:ln>
+          </p:spPr>
+          <p:txBody>
+            <a:bodyPr/>
+            <a:lstStyle/>
+            <a:p/>
+          </p:txBody>
+        </p:sp>
+        <p:sp>
+          <p:nvSpPr>
+            <p:cNvPr id="290" name="pl290"/>
+            <p:cNvSpPr/>
+            <p:nvPr/>
+          </p:nvSpPr>
+          <p:spPr>
+            <a:xfrm>
+              <a:off x="1723211" y="2720386"/>
+              <a:ext cx="0" cy="1417946"/>
+            </a:xfrm>
+            <a:custGeom>
+              <a:avLst/>
+              <a:pathLst>
+                <a:path w="0" h="1417946">
+                  <a:moveTo>
+                    <a:pt x="0" y="1417946"/>
+                  </a:moveTo>
+                  <a:lnTo>
+                    <a:pt x="0" y="0"/>
+                  </a:lnTo>
+                </a:path>
+              </a:pathLst>
+            </a:custGeom>
+            <a:ln w="13550" cap="sq">
+              <a:solidFill>
+                <a:srgbClr val="000000">
+                  <a:alpha val="100000"/>
+                </a:srgbClr>
+              </a:solidFill>
+              <a:prstDash val="solid"/>
+              <a:round/>
+            </a:ln>
+          </p:spPr>
+          <p:txBody>
+            <a:bodyPr/>
+            <a:lstStyle/>
+            <a:p/>
+          </p:txBody>
+        </p:sp>
+        <p:sp>
+          <p:nvSpPr>
+            <p:cNvPr id="291" name="tx291"/>
+            <p:cNvSpPr/>
+            <p:nvPr/>
+          </p:nvSpPr>
+          <p:spPr>
+            <a:xfrm>
+              <a:off x="514415" y="3879438"/>
               <a:ext cx="1126554" cy="110876"/>
             </a:xfrm>
             <a:prstGeom prst="rect">
@@ -13031,13 +13403,13 @@
         </p:sp>
         <p:sp>
           <p:nvSpPr>
-            <p:cNvPr id="283" name="tx283"/>
-            <p:cNvSpPr/>
-            <p:nvPr/>
-          </p:nvSpPr>
-          <p:spPr>
-            <a:xfrm>
-              <a:off x="3516684" y="4507162"/>
+            <p:cNvPr id="292" name="tx292"/>
+            <p:cNvSpPr/>
+            <p:nvPr/>
+          </p:nvSpPr>
+          <p:spPr>
+            <a:xfrm>
+              <a:off x="573574" y="3509684"/>
               <a:ext cx="1067395" cy="143023"/>
             </a:xfrm>
             <a:prstGeom prst="rect">
@@ -13077,293 +13449,13 @@
         </p:sp>
         <p:sp>
           <p:nvSpPr>
-            <p:cNvPr id="284" name="pl284"/>
-            <p:cNvSpPr/>
-            <p:nvPr/>
-          </p:nvSpPr>
-          <p:spPr>
-            <a:xfrm>
-              <a:off x="4622036" y="5739145"/>
-              <a:ext cx="44283" cy="0"/>
-            </a:xfrm>
-            <a:custGeom>
-              <a:avLst/>
-              <a:pathLst>
-                <a:path w="44283" h="0">
-                  <a:moveTo>
-                    <a:pt x="0" y="0"/>
-                  </a:moveTo>
-                  <a:lnTo>
-                    <a:pt x="44283" y="0"/>
-                  </a:lnTo>
-                </a:path>
-              </a:pathLst>
-            </a:custGeom>
-            <a:ln w="13550" cap="flat">
-              <a:solidFill>
-                <a:srgbClr val="000000">
-                  <a:alpha val="100000"/>
-                </a:srgbClr>
-              </a:solidFill>
-              <a:prstDash val="solid"/>
-              <a:round/>
-            </a:ln>
-          </p:spPr>
-          <p:txBody>
-            <a:bodyPr/>
-            <a:lstStyle/>
-            <a:p/>
-          </p:txBody>
-        </p:sp>
-        <p:sp>
-          <p:nvSpPr>
-            <p:cNvPr id="285" name="pl285"/>
-            <p:cNvSpPr/>
-            <p:nvPr/>
-          </p:nvSpPr>
-          <p:spPr>
-            <a:xfrm>
-              <a:off x="4622036" y="5510444"/>
-              <a:ext cx="44283" cy="0"/>
-            </a:xfrm>
-            <a:custGeom>
-              <a:avLst/>
-              <a:pathLst>
-                <a:path w="44283" h="0">
-                  <a:moveTo>
-                    <a:pt x="0" y="0"/>
-                  </a:moveTo>
-                  <a:lnTo>
-                    <a:pt x="44283" y="0"/>
-                  </a:lnTo>
-                </a:path>
-              </a:pathLst>
-            </a:custGeom>
-            <a:ln w="13550" cap="flat">
-              <a:solidFill>
-                <a:srgbClr val="000000">
-                  <a:alpha val="100000"/>
-                </a:srgbClr>
-              </a:solidFill>
-              <a:prstDash val="solid"/>
-              <a:round/>
-            </a:ln>
-          </p:spPr>
-          <p:txBody>
-            <a:bodyPr/>
-            <a:lstStyle/>
-            <a:p/>
-          </p:txBody>
-        </p:sp>
-        <p:sp>
-          <p:nvSpPr>
-            <p:cNvPr id="286" name="pl286"/>
-            <p:cNvSpPr/>
-            <p:nvPr/>
-          </p:nvSpPr>
-          <p:spPr>
-            <a:xfrm>
-              <a:off x="4622036" y="5281743"/>
-              <a:ext cx="44283" cy="0"/>
-            </a:xfrm>
-            <a:custGeom>
-              <a:avLst/>
-              <a:pathLst>
-                <a:path w="44283" h="0">
-                  <a:moveTo>
-                    <a:pt x="0" y="0"/>
-                  </a:moveTo>
-                  <a:lnTo>
-                    <a:pt x="44283" y="0"/>
-                  </a:lnTo>
-                </a:path>
-              </a:pathLst>
-            </a:custGeom>
-            <a:ln w="13550" cap="flat">
-              <a:solidFill>
-                <a:srgbClr val="000000">
-                  <a:alpha val="100000"/>
-                </a:srgbClr>
-              </a:solidFill>
-              <a:prstDash val="solid"/>
-              <a:round/>
-            </a:ln>
-          </p:spPr>
-          <p:txBody>
-            <a:bodyPr/>
-            <a:lstStyle/>
-            <a:p/>
-          </p:txBody>
-        </p:sp>
-        <p:sp>
-          <p:nvSpPr>
-            <p:cNvPr id="287" name="pl287"/>
-            <p:cNvSpPr/>
-            <p:nvPr/>
-          </p:nvSpPr>
-          <p:spPr>
-            <a:xfrm>
-              <a:off x="4622036" y="5053042"/>
-              <a:ext cx="44283" cy="0"/>
-            </a:xfrm>
-            <a:custGeom>
-              <a:avLst/>
-              <a:pathLst>
-                <a:path w="44283" h="0">
-                  <a:moveTo>
-                    <a:pt x="0" y="0"/>
-                  </a:moveTo>
-                  <a:lnTo>
-                    <a:pt x="44283" y="0"/>
-                  </a:lnTo>
-                </a:path>
-              </a:pathLst>
-            </a:custGeom>
-            <a:ln w="13550" cap="flat">
-              <a:solidFill>
-                <a:srgbClr val="000000">
-                  <a:alpha val="100000"/>
-                </a:srgbClr>
-              </a:solidFill>
-              <a:prstDash val="solid"/>
-              <a:round/>
-            </a:ln>
-          </p:spPr>
-          <p:txBody>
-            <a:bodyPr/>
-            <a:lstStyle/>
-            <a:p/>
-          </p:txBody>
-        </p:sp>
-        <p:sp>
-          <p:nvSpPr>
-            <p:cNvPr id="288" name="pl288"/>
-            <p:cNvSpPr/>
-            <p:nvPr/>
-          </p:nvSpPr>
-          <p:spPr>
-            <a:xfrm>
-              <a:off x="4622036" y="4824341"/>
-              <a:ext cx="44283" cy="0"/>
-            </a:xfrm>
-            <a:custGeom>
-              <a:avLst/>
-              <a:pathLst>
-                <a:path w="44283" h="0">
-                  <a:moveTo>
-                    <a:pt x="0" y="0"/>
-                  </a:moveTo>
-                  <a:lnTo>
-                    <a:pt x="44283" y="0"/>
-                  </a:lnTo>
-                </a:path>
-              </a:pathLst>
-            </a:custGeom>
-            <a:ln w="13550" cap="flat">
-              <a:solidFill>
-                <a:srgbClr val="000000">
-                  <a:alpha val="100000"/>
-                </a:srgbClr>
-              </a:solidFill>
-              <a:prstDash val="solid"/>
-              <a:round/>
-            </a:ln>
-          </p:spPr>
-          <p:txBody>
-            <a:bodyPr/>
-            <a:lstStyle/>
-            <a:p/>
-          </p:txBody>
-        </p:sp>
-        <p:sp>
-          <p:nvSpPr>
-            <p:cNvPr id="289" name="pl289"/>
-            <p:cNvSpPr/>
-            <p:nvPr/>
-          </p:nvSpPr>
-          <p:spPr>
-            <a:xfrm>
-              <a:off x="4622036" y="4595640"/>
-              <a:ext cx="44283" cy="0"/>
-            </a:xfrm>
-            <a:custGeom>
-              <a:avLst/>
-              <a:pathLst>
-                <a:path w="44283" h="0">
-                  <a:moveTo>
-                    <a:pt x="0" y="0"/>
-                  </a:moveTo>
-                  <a:lnTo>
-                    <a:pt x="44283" y="0"/>
-                  </a:lnTo>
-                </a:path>
-              </a:pathLst>
-            </a:custGeom>
-            <a:ln w="13550" cap="flat">
-              <a:solidFill>
-                <a:srgbClr val="000000">
-                  <a:alpha val="100000"/>
-                </a:srgbClr>
-              </a:solidFill>
-              <a:prstDash val="solid"/>
-              <a:round/>
-            </a:ln>
-          </p:spPr>
-          <p:txBody>
-            <a:bodyPr/>
-            <a:lstStyle/>
-            <a:p/>
-          </p:txBody>
-        </p:sp>
-        <p:sp>
-          <p:nvSpPr>
-            <p:cNvPr id="290" name="pl290"/>
-            <p:cNvSpPr/>
-            <p:nvPr/>
-          </p:nvSpPr>
-          <p:spPr>
-            <a:xfrm>
-              <a:off x="1723211" y="2720386"/>
-              <a:ext cx="0" cy="1417946"/>
-            </a:xfrm>
-            <a:custGeom>
-              <a:avLst/>
-              <a:pathLst>
-                <a:path w="0" h="1417946">
-                  <a:moveTo>
-                    <a:pt x="0" y="1417946"/>
-                  </a:moveTo>
-                  <a:lnTo>
-                    <a:pt x="0" y="0"/>
-                  </a:lnTo>
-                </a:path>
-              </a:pathLst>
-            </a:custGeom>
-            <a:ln w="13550" cap="sq">
-              <a:solidFill>
-                <a:srgbClr val="000000">
-                  <a:alpha val="100000"/>
-                </a:srgbClr>
-              </a:solidFill>
-              <a:prstDash val="solid"/>
-              <a:round/>
-            </a:ln>
-          </p:spPr>
-          <p:txBody>
-            <a:bodyPr/>
-            <a:lstStyle/>
-            <a:p/>
-          </p:txBody>
-        </p:sp>
-        <p:sp>
-          <p:nvSpPr>
-            <p:cNvPr id="291" name="tx291"/>
-            <p:cNvSpPr/>
-            <p:nvPr/>
-          </p:nvSpPr>
-          <p:spPr>
-            <a:xfrm>
-              <a:off x="887453" y="3849151"/>
+            <p:cNvPr id="293" name="tx293"/>
+            <p:cNvSpPr/>
+            <p:nvPr/>
+          </p:nvSpPr>
+          <p:spPr>
+            <a:xfrm>
+              <a:off x="887453" y="3173939"/>
               <a:ext cx="753516" cy="141163"/>
             </a:xfrm>
             <a:prstGeom prst="rect">
@@ -13403,13 +13495,13 @@
         </p:sp>
         <p:sp>
           <p:nvSpPr>
-            <p:cNvPr id="292" name="tx292"/>
-            <p:cNvSpPr/>
-            <p:nvPr/>
-          </p:nvSpPr>
-          <p:spPr>
-            <a:xfrm>
-              <a:off x="1166655" y="3541831"/>
+            <p:cNvPr id="294" name="tx294"/>
+            <p:cNvSpPr/>
+            <p:nvPr/>
+          </p:nvSpPr>
+          <p:spPr>
+            <a:xfrm>
+              <a:off x="1166655" y="2866619"/>
               <a:ext cx="474315" cy="110876"/>
             </a:xfrm>
             <a:prstGeom prst="rect">
@@ -13449,13 +13541,213 @@
         </p:sp>
         <p:sp>
           <p:nvSpPr>
-            <p:cNvPr id="293" name="tx293"/>
-            <p:cNvSpPr/>
-            <p:nvPr/>
-          </p:nvSpPr>
-          <p:spPr>
-            <a:xfrm>
-              <a:off x="514415" y="3204225"/>
+            <p:cNvPr id="295" name="pl295"/>
+            <p:cNvSpPr/>
+            <p:nvPr/>
+          </p:nvSpPr>
+          <p:spPr>
+            <a:xfrm>
+              <a:off x="1678927" y="3935769"/>
+              <a:ext cx="44283" cy="0"/>
+            </a:xfrm>
+            <a:custGeom>
+              <a:avLst/>
+              <a:pathLst>
+                <a:path w="44283" h="0">
+                  <a:moveTo>
+                    <a:pt x="0" y="0"/>
+                  </a:moveTo>
+                  <a:lnTo>
+                    <a:pt x="44283" y="0"/>
+                  </a:lnTo>
+                </a:path>
+              </a:pathLst>
+            </a:custGeom>
+            <a:ln w="13550" cap="flat">
+              <a:solidFill>
+                <a:srgbClr val="000000">
+                  <a:alpha val="100000"/>
+                </a:srgbClr>
+              </a:solidFill>
+              <a:prstDash val="solid"/>
+              <a:round/>
+            </a:ln>
+          </p:spPr>
+          <p:txBody>
+            <a:bodyPr/>
+            <a:lstStyle/>
+            <a:p/>
+          </p:txBody>
+        </p:sp>
+        <p:sp>
+          <p:nvSpPr>
+            <p:cNvPr id="296" name="pl296"/>
+            <p:cNvSpPr/>
+            <p:nvPr/>
+          </p:nvSpPr>
+          <p:spPr>
+            <a:xfrm>
+              <a:off x="1678927" y="3598163"/>
+              <a:ext cx="44283" cy="0"/>
+            </a:xfrm>
+            <a:custGeom>
+              <a:avLst/>
+              <a:pathLst>
+                <a:path w="44283" h="0">
+                  <a:moveTo>
+                    <a:pt x="0" y="0"/>
+                  </a:moveTo>
+                  <a:lnTo>
+                    <a:pt x="44283" y="0"/>
+                  </a:lnTo>
+                </a:path>
+              </a:pathLst>
+            </a:custGeom>
+            <a:ln w="13550" cap="flat">
+              <a:solidFill>
+                <a:srgbClr val="000000">
+                  <a:alpha val="100000"/>
+                </a:srgbClr>
+              </a:solidFill>
+              <a:prstDash val="solid"/>
+              <a:round/>
+            </a:ln>
+          </p:spPr>
+          <p:txBody>
+            <a:bodyPr/>
+            <a:lstStyle/>
+            <a:p/>
+          </p:txBody>
+        </p:sp>
+        <p:sp>
+          <p:nvSpPr>
+            <p:cNvPr id="297" name="pl297"/>
+            <p:cNvSpPr/>
+            <p:nvPr/>
+          </p:nvSpPr>
+          <p:spPr>
+            <a:xfrm>
+              <a:off x="1678927" y="3260556"/>
+              <a:ext cx="44283" cy="0"/>
+            </a:xfrm>
+            <a:custGeom>
+              <a:avLst/>
+              <a:pathLst>
+                <a:path w="44283" h="0">
+                  <a:moveTo>
+                    <a:pt x="0" y="0"/>
+                  </a:moveTo>
+                  <a:lnTo>
+                    <a:pt x="44283" y="0"/>
+                  </a:lnTo>
+                </a:path>
+              </a:pathLst>
+            </a:custGeom>
+            <a:ln w="13550" cap="flat">
+              <a:solidFill>
+                <a:srgbClr val="000000">
+                  <a:alpha val="100000"/>
+                </a:srgbClr>
+              </a:solidFill>
+              <a:prstDash val="solid"/>
+              <a:round/>
+            </a:ln>
+          </p:spPr>
+          <p:txBody>
+            <a:bodyPr/>
+            <a:lstStyle/>
+            <a:p/>
+          </p:txBody>
+        </p:sp>
+        <p:sp>
+          <p:nvSpPr>
+            <p:cNvPr id="298" name="pl298"/>
+            <p:cNvSpPr/>
+            <p:nvPr/>
+          </p:nvSpPr>
+          <p:spPr>
+            <a:xfrm>
+              <a:off x="1678927" y="2922950"/>
+              <a:ext cx="44283" cy="0"/>
+            </a:xfrm>
+            <a:custGeom>
+              <a:avLst/>
+              <a:pathLst>
+                <a:path w="44283" h="0">
+                  <a:moveTo>
+                    <a:pt x="0" y="0"/>
+                  </a:moveTo>
+                  <a:lnTo>
+                    <a:pt x="44283" y="0"/>
+                  </a:lnTo>
+                </a:path>
+              </a:pathLst>
+            </a:custGeom>
+            <a:ln w="13550" cap="flat">
+              <a:solidFill>
+                <a:srgbClr val="000000">
+                  <a:alpha val="100000"/>
+                </a:srgbClr>
+              </a:solidFill>
+              <a:prstDash val="solid"/>
+              <a:round/>
+            </a:ln>
+          </p:spPr>
+          <p:txBody>
+            <a:bodyPr/>
+            <a:lstStyle/>
+            <a:p/>
+          </p:txBody>
+        </p:sp>
+        <p:sp>
+          <p:nvSpPr>
+            <p:cNvPr id="299" name="pl299"/>
+            <p:cNvSpPr/>
+            <p:nvPr/>
+          </p:nvSpPr>
+          <p:spPr>
+            <a:xfrm>
+              <a:off x="1723211" y="4458420"/>
+              <a:ext cx="0" cy="1417946"/>
+            </a:xfrm>
+            <a:custGeom>
+              <a:avLst/>
+              <a:pathLst>
+                <a:path w="0" h="1417946">
+                  <a:moveTo>
+                    <a:pt x="0" y="1417946"/>
+                  </a:moveTo>
+                  <a:lnTo>
+                    <a:pt x="0" y="0"/>
+                  </a:lnTo>
+                </a:path>
+              </a:pathLst>
+            </a:custGeom>
+            <a:ln w="13550" cap="sq">
+              <a:solidFill>
+                <a:srgbClr val="000000">
+                  <a:alpha val="100000"/>
+                </a:srgbClr>
+              </a:solidFill>
+              <a:prstDash val="solid"/>
+              <a:round/>
+            </a:ln>
+          </p:spPr>
+          <p:txBody>
+            <a:bodyPr/>
+            <a:lstStyle/>
+            <a:p/>
+          </p:txBody>
+        </p:sp>
+        <p:sp>
+          <p:nvSpPr>
+            <p:cNvPr id="300" name="tx300"/>
+            <p:cNvSpPr/>
+            <p:nvPr/>
+          </p:nvSpPr>
+          <p:spPr>
+            <a:xfrm>
+              <a:off x="514415" y="5716282"/>
               <a:ext cx="1126554" cy="110876"/>
             </a:xfrm>
             <a:prstGeom prst="rect">
@@ -13495,13 +13787,13 @@
         </p:sp>
         <p:sp>
           <p:nvSpPr>
-            <p:cNvPr id="294" name="tx294"/>
-            <p:cNvSpPr/>
-            <p:nvPr/>
-          </p:nvSpPr>
-          <p:spPr>
-            <a:xfrm>
-              <a:off x="573574" y="2834472"/>
+            <p:cNvPr id="301" name="tx301"/>
+            <p:cNvSpPr/>
+            <p:nvPr/>
+          </p:nvSpPr>
+          <p:spPr>
+            <a:xfrm>
+              <a:off x="573574" y="5511215"/>
               <a:ext cx="1067395" cy="143023"/>
             </a:xfrm>
             <a:prstGeom prst="rect">
@@ -13541,213 +13833,13 @@
         </p:sp>
         <p:sp>
           <p:nvSpPr>
-            <p:cNvPr id="295" name="pl295"/>
-            <p:cNvSpPr/>
-            <p:nvPr/>
-          </p:nvSpPr>
-          <p:spPr>
-            <a:xfrm>
-              <a:off x="1678927" y="3935769"/>
-              <a:ext cx="44283" cy="0"/>
-            </a:xfrm>
-            <a:custGeom>
-              <a:avLst/>
-              <a:pathLst>
-                <a:path w="44283" h="0">
-                  <a:moveTo>
-                    <a:pt x="0" y="0"/>
-                  </a:moveTo>
-                  <a:lnTo>
-                    <a:pt x="44283" y="0"/>
-                  </a:lnTo>
-                </a:path>
-              </a:pathLst>
-            </a:custGeom>
-            <a:ln w="13550" cap="flat">
-              <a:solidFill>
-                <a:srgbClr val="000000">
-                  <a:alpha val="100000"/>
-                </a:srgbClr>
-              </a:solidFill>
-              <a:prstDash val="solid"/>
-              <a:round/>
-            </a:ln>
-          </p:spPr>
-          <p:txBody>
-            <a:bodyPr/>
-            <a:lstStyle/>
-            <a:p/>
-          </p:txBody>
-        </p:sp>
-        <p:sp>
-          <p:nvSpPr>
-            <p:cNvPr id="296" name="pl296"/>
-            <p:cNvSpPr/>
-            <p:nvPr/>
-          </p:nvSpPr>
-          <p:spPr>
-            <a:xfrm>
-              <a:off x="1678927" y="3598163"/>
-              <a:ext cx="44283" cy="0"/>
-            </a:xfrm>
-            <a:custGeom>
-              <a:avLst/>
-              <a:pathLst>
-                <a:path w="44283" h="0">
-                  <a:moveTo>
-                    <a:pt x="0" y="0"/>
-                  </a:moveTo>
-                  <a:lnTo>
-                    <a:pt x="44283" y="0"/>
-                  </a:lnTo>
-                </a:path>
-              </a:pathLst>
-            </a:custGeom>
-            <a:ln w="13550" cap="flat">
-              <a:solidFill>
-                <a:srgbClr val="000000">
-                  <a:alpha val="100000"/>
-                </a:srgbClr>
-              </a:solidFill>
-              <a:prstDash val="solid"/>
-              <a:round/>
-            </a:ln>
-          </p:spPr>
-          <p:txBody>
-            <a:bodyPr/>
-            <a:lstStyle/>
-            <a:p/>
-          </p:txBody>
-        </p:sp>
-        <p:sp>
-          <p:nvSpPr>
-            <p:cNvPr id="297" name="pl297"/>
-            <p:cNvSpPr/>
-            <p:nvPr/>
-          </p:nvSpPr>
-          <p:spPr>
-            <a:xfrm>
-              <a:off x="1678927" y="3260556"/>
-              <a:ext cx="44283" cy="0"/>
-            </a:xfrm>
-            <a:custGeom>
-              <a:avLst/>
-              <a:pathLst>
-                <a:path w="44283" h="0">
-                  <a:moveTo>
-                    <a:pt x="0" y="0"/>
-                  </a:moveTo>
-                  <a:lnTo>
-                    <a:pt x="44283" y="0"/>
-                  </a:lnTo>
-                </a:path>
-              </a:pathLst>
-            </a:custGeom>
-            <a:ln w="13550" cap="flat">
-              <a:solidFill>
-                <a:srgbClr val="000000">
-                  <a:alpha val="100000"/>
-                </a:srgbClr>
-              </a:solidFill>
-              <a:prstDash val="solid"/>
-              <a:round/>
-            </a:ln>
-          </p:spPr>
-          <p:txBody>
-            <a:bodyPr/>
-            <a:lstStyle/>
-            <a:p/>
-          </p:txBody>
-        </p:sp>
-        <p:sp>
-          <p:nvSpPr>
-            <p:cNvPr id="298" name="pl298"/>
-            <p:cNvSpPr/>
-            <p:nvPr/>
-          </p:nvSpPr>
-          <p:spPr>
-            <a:xfrm>
-              <a:off x="1678927" y="2922950"/>
-              <a:ext cx="44283" cy="0"/>
-            </a:xfrm>
-            <a:custGeom>
-              <a:avLst/>
-              <a:pathLst>
-                <a:path w="44283" h="0">
-                  <a:moveTo>
-                    <a:pt x="0" y="0"/>
-                  </a:moveTo>
-                  <a:lnTo>
-                    <a:pt x="44283" y="0"/>
-                  </a:lnTo>
-                </a:path>
-              </a:pathLst>
-            </a:custGeom>
-            <a:ln w="13550" cap="flat">
-              <a:solidFill>
-                <a:srgbClr val="000000">
-                  <a:alpha val="100000"/>
-                </a:srgbClr>
-              </a:solidFill>
-              <a:prstDash val="solid"/>
-              <a:round/>
-            </a:ln>
-          </p:spPr>
-          <p:txBody>
-            <a:bodyPr/>
-            <a:lstStyle/>
-            <a:p/>
-          </p:txBody>
-        </p:sp>
-        <p:sp>
-          <p:nvSpPr>
-            <p:cNvPr id="299" name="pl299"/>
-            <p:cNvSpPr/>
-            <p:nvPr/>
-          </p:nvSpPr>
-          <p:spPr>
-            <a:xfrm>
-              <a:off x="1723211" y="4458420"/>
-              <a:ext cx="0" cy="1417946"/>
-            </a:xfrm>
-            <a:custGeom>
-              <a:avLst/>
-              <a:pathLst>
-                <a:path w="0" h="1417946">
-                  <a:moveTo>
-                    <a:pt x="0" y="1417946"/>
-                  </a:moveTo>
-                  <a:lnTo>
-                    <a:pt x="0" y="0"/>
-                  </a:lnTo>
-                </a:path>
-              </a:pathLst>
-            </a:custGeom>
-            <a:ln w="13550" cap="sq">
-              <a:solidFill>
-                <a:srgbClr val="000000">
-                  <a:alpha val="100000"/>
-                </a:srgbClr>
-              </a:solidFill>
-              <a:prstDash val="solid"/>
-              <a:round/>
-            </a:ln>
-          </p:spPr>
-          <p:txBody>
-            <a:bodyPr/>
-            <a:lstStyle/>
-            <a:p/>
-          </p:txBody>
-        </p:sp>
-        <p:sp>
-          <p:nvSpPr>
-            <p:cNvPr id="300" name="tx300"/>
-            <p:cNvSpPr/>
-            <p:nvPr/>
-          </p:nvSpPr>
-          <p:spPr>
-            <a:xfrm>
-              <a:off x="539493" y="5687782"/>
+            <p:cNvPr id="302" name="tx302"/>
+            <p:cNvSpPr/>
+            <p:nvPr/>
+          </p:nvSpPr>
+          <p:spPr>
+            <a:xfrm>
+              <a:off x="539493" y="5341941"/>
               <a:ext cx="1101476" cy="139377"/>
             </a:xfrm>
             <a:prstGeom prst="rect">
@@ -13787,13 +13879,13 @@
         </p:sp>
         <p:sp>
           <p:nvSpPr>
-            <p:cNvPr id="301" name="tx301"/>
-            <p:cNvSpPr/>
-            <p:nvPr/>
-          </p:nvSpPr>
-          <p:spPr>
-            <a:xfrm>
-              <a:off x="302782" y="5511215"/>
+            <p:cNvPr id="303" name="tx303"/>
+            <p:cNvSpPr/>
+            <p:nvPr/>
+          </p:nvSpPr>
+          <p:spPr>
+            <a:xfrm>
+              <a:off x="302782" y="5165375"/>
               <a:ext cx="1338188" cy="143023"/>
             </a:xfrm>
             <a:prstGeom prst="rect">
@@ -13833,13 +13925,13 @@
         </p:sp>
         <p:sp>
           <p:nvSpPr>
-            <p:cNvPr id="302" name="tx302"/>
-            <p:cNvSpPr/>
-            <p:nvPr/>
-          </p:nvSpPr>
-          <p:spPr>
-            <a:xfrm>
-              <a:off x="887453" y="5340155"/>
+            <p:cNvPr id="304" name="tx304"/>
+            <p:cNvSpPr/>
+            <p:nvPr/>
+          </p:nvSpPr>
+          <p:spPr>
+            <a:xfrm>
+              <a:off x="887453" y="4994315"/>
               <a:ext cx="753516" cy="141163"/>
             </a:xfrm>
             <a:prstGeom prst="rect">
@@ -13879,13 +13971,13 @@
         </p:sp>
         <p:sp>
           <p:nvSpPr>
-            <p:cNvPr id="303" name="tx303"/>
-            <p:cNvSpPr/>
-            <p:nvPr/>
-          </p:nvSpPr>
-          <p:spPr>
-            <a:xfrm>
-              <a:off x="988656" y="5197522"/>
+            <p:cNvPr id="305" name="tx305"/>
+            <p:cNvSpPr/>
+            <p:nvPr/>
+          </p:nvSpPr>
+          <p:spPr>
+            <a:xfrm>
+              <a:off x="988656" y="4851681"/>
               <a:ext cx="652313" cy="110876"/>
             </a:xfrm>
             <a:prstGeom prst="rect">
@@ -13925,13 +14017,13 @@
         </p:sp>
         <p:sp>
           <p:nvSpPr>
-            <p:cNvPr id="304" name="tx304"/>
-            <p:cNvSpPr/>
-            <p:nvPr/>
-          </p:nvSpPr>
-          <p:spPr>
-            <a:xfrm>
-              <a:off x="844739" y="5024601"/>
+            <p:cNvPr id="306" name="tx306"/>
+            <p:cNvSpPr/>
+            <p:nvPr/>
+          </p:nvSpPr>
+          <p:spPr>
+            <a:xfrm>
+              <a:off x="844739" y="4678761"/>
               <a:ext cx="796230" cy="110876"/>
             </a:xfrm>
             <a:prstGeom prst="rect">
@@ -13971,59 +14063,13 @@
         </p:sp>
         <p:sp>
           <p:nvSpPr>
-            <p:cNvPr id="305" name="tx305"/>
-            <p:cNvSpPr/>
-            <p:nvPr/>
-          </p:nvSpPr>
-          <p:spPr>
-            <a:xfrm>
-              <a:off x="514415" y="4851681"/>
-              <a:ext cx="1126554" cy="110876"/>
-            </a:xfrm>
-            <a:prstGeom prst="rect">
-              <a:avLst/>
-            </a:prstGeom>
-            <a:noFill/>
-          </p:spPr>
-          <p:txBody>
-            <a:bodyPr lIns="0" rIns="0" tIns="0" bIns="0" anchorCtr="1" anchor="ctr" wrap="none"/>
-            <a:lstStyle/>
-            <a:p>
-              <a:pPr algn="l" marL="0" marR="0" indent="0">
-                <a:lnSpc>
-                  <a:spcPts val="1200"/>
-                </a:lnSpc>
-                <a:spcBef>
-                  <a:spcPts val="0"/>
-                </a:spcBef>
-                <a:spcAft>
-                  <a:spcPts val="0"/>
-                </a:spcAft>
-              </a:pPr>
-              <a:r>
-                <a:rPr sz="1200">
-                  <a:solidFill>
-                    <a:srgbClr val="000000">
-                      <a:alpha val="100000"/>
-                    </a:srgbClr>
-                  </a:solidFill>
-                  <a:latin typeface="Arial"/>
-                  <a:cs typeface="Arial"/>
-                </a:rPr>
-                <a:t>Prochlorococcus</a:t>
-              </a:r>
-            </a:p>
-          </p:txBody>
-        </p:sp>
-        <p:sp>
-          <p:nvSpPr>
-            <p:cNvPr id="306" name="tx306"/>
-            <p:cNvSpPr/>
-            <p:nvPr/>
-          </p:nvSpPr>
-          <p:spPr>
-            <a:xfrm>
-              <a:off x="530786" y="4678761"/>
+            <p:cNvPr id="307" name="tx307"/>
+            <p:cNvSpPr/>
+            <p:nvPr/>
+          </p:nvSpPr>
+          <p:spPr>
+            <a:xfrm>
+              <a:off x="530786" y="4505840"/>
               <a:ext cx="1110183" cy="110876"/>
             </a:xfrm>
             <a:prstGeom prst="rect">
@@ -14057,52 +14103,6 @@
                   <a:cs typeface="Arial"/>
                 </a:rPr>
                 <a:t>Pseudanabaena</a:t>
-              </a:r>
-            </a:p>
-          </p:txBody>
-        </p:sp>
-        <p:sp>
-          <p:nvSpPr>
-            <p:cNvPr id="307" name="tx307"/>
-            <p:cNvSpPr/>
-            <p:nvPr/>
-          </p:nvSpPr>
-          <p:spPr>
-            <a:xfrm>
-              <a:off x="573574" y="4473694"/>
-              <a:ext cx="1067395" cy="143023"/>
-            </a:xfrm>
-            <a:prstGeom prst="rect">
-              <a:avLst/>
-            </a:prstGeom>
-            <a:noFill/>
-          </p:spPr>
-          <p:txBody>
-            <a:bodyPr lIns="0" rIns="0" tIns="0" bIns="0" anchorCtr="1" anchor="ctr" wrap="none"/>
-            <a:lstStyle/>
-            <a:p>
-              <a:pPr algn="l" marL="0" marR="0" indent="0">
-                <a:lnSpc>
-                  <a:spcPts val="1200"/>
-                </a:lnSpc>
-                <a:spcBef>
-                  <a:spcPts val="0"/>
-                </a:spcBef>
-                <a:spcAft>
-                  <a:spcPts val="0"/>
-                </a:spcAft>
-              </a:pPr>
-              <a:r>
-                <a:rPr sz="1200">
-                  <a:solidFill>
-                    <a:srgbClr val="000000">
-                      <a:alpha val="100000"/>
-                    </a:srgbClr>
-                  </a:solidFill>
-                  <a:latin typeface="Arial"/>
-                  <a:cs typeface="Arial"/>
-                </a:rPr>
-                <a:t>Synechococcus</a:t>
               </a:r>
             </a:p>
           </p:txBody>
